--- a/09-discrete-choice/binary-choice.pptx
+++ b/09-discrete-choice/binary-choice.pptx
@@ -4,6 +4,9 @@
   <p:sldMasterIdLst>
     <p:sldMasterId id="2147483648" r:id="rId1"/>
   </p:sldMasterIdLst>
+  <p:notesMasterIdLst>
+    <p:notesMasterId r:id="rId24"/>
+  </p:notesMasterIdLst>
   <p:sldIdLst>
     <p:sldId id="256" r:id="rId2"/>
     <p:sldId id="257" r:id="rId3"/>
@@ -26,6 +29,7 @@
     <p:sldId id="274" r:id="rId20"/>
     <p:sldId id="275" r:id="rId21"/>
     <p:sldId id="276" r:id="rId22"/>
+    <p:sldId id="277" r:id="rId23"/>
   </p:sldIdLst>
   <p:sldSz cx="9144000" cy="5143500" type="screen16x9"/>
   <p:notesSz cx="6858000" cy="9144000"/>
@@ -141,6 +145,440 @@
     </p:ext>
   </p:extLst>
 </p:presentation>
+</file>
+
+<file path=ppt/notesMasters/notesMaster1.xml><?xml version="1.0" encoding="utf-8"?>
+<p:notesMaster xmlns:a="http://schemas.openxmlformats.org/drawingml/2006/main" xmlns:r="http://schemas.openxmlformats.org/officeDocument/2006/relationships" xmlns:p="http://schemas.openxmlformats.org/presentationml/2006/main">
+  <p:cSld>
+    <p:bg>
+      <p:bgRef idx="1001">
+        <a:schemeClr val="bg1"/>
+      </p:bgRef>
+    </p:bg>
+    <p:spTree>
+      <p:nvGrpSpPr>
+        <p:cNvPr id="1" name=""/>
+        <p:cNvGrpSpPr/>
+        <p:nvPr/>
+      </p:nvGrpSpPr>
+      <p:grpSpPr>
+        <a:xfrm>
+          <a:off x="0" y="0"/>
+          <a:ext cx="0" cy="0"/>
+          <a:chOff x="0" y="0"/>
+          <a:chExt cx="0" cy="0"/>
+        </a:xfrm>
+      </p:grpSpPr>
+      <p:sp>
+        <p:nvSpPr>
+          <p:cNvPr id="2" name="Header Placeholder 1"/>
+          <p:cNvSpPr>
+            <a:spLocks noGrp="1"/>
+          </p:cNvSpPr>
+          <p:nvPr>
+            <p:ph type="hdr" sz="quarter"/>
+          </p:nvPr>
+        </p:nvSpPr>
+        <p:spPr>
+          <a:xfrm>
+            <a:off x="0" y="0"/>
+            <a:ext cx="2971800" cy="458788"/>
+          </a:xfrm>
+          <a:prstGeom prst="rect">
+            <a:avLst/>
+          </a:prstGeom>
+        </p:spPr>
+        <p:txBody>
+          <a:bodyPr vert="horz" lIns="91440" tIns="45720" rIns="91440" bIns="45720" rtlCol="0"/>
+          <a:lstStyle>
+            <a:lvl1pPr algn="l">
+              <a:defRPr sz="1200"/>
+            </a:lvl1pPr>
+          </a:lstStyle>
+          <a:p>
+            <a:endParaRPr lang="en-JP"/>
+          </a:p>
+        </p:txBody>
+      </p:sp>
+      <p:sp>
+        <p:nvSpPr>
+          <p:cNvPr id="3" name="Date Placeholder 2"/>
+          <p:cNvSpPr>
+            <a:spLocks noGrp="1"/>
+          </p:cNvSpPr>
+          <p:nvPr>
+            <p:ph type="dt" idx="1"/>
+          </p:nvPr>
+        </p:nvSpPr>
+        <p:spPr>
+          <a:xfrm>
+            <a:off x="3884613" y="0"/>
+            <a:ext cx="2971800" cy="458788"/>
+          </a:xfrm>
+          <a:prstGeom prst="rect">
+            <a:avLst/>
+          </a:prstGeom>
+        </p:spPr>
+        <p:txBody>
+          <a:bodyPr vert="horz" lIns="91440" tIns="45720" rIns="91440" bIns="45720" rtlCol="0"/>
+          <a:lstStyle>
+            <a:lvl1pPr algn="r">
+              <a:defRPr sz="1200"/>
+            </a:lvl1pPr>
+          </a:lstStyle>
+          <a:p>
+            <a:fld id="{879C4ADF-0670-3F48-AA86-DEFAF4314AFF}" type="datetimeFigureOut">
+              <a:rPr lang="en-JP" smtClean="0"/>
+              <a:t>2022/07/18</a:t>
+            </a:fld>
+            <a:endParaRPr lang="en-JP"/>
+          </a:p>
+        </p:txBody>
+      </p:sp>
+      <p:sp>
+        <p:nvSpPr>
+          <p:cNvPr id="4" name="Slide Image Placeholder 3"/>
+          <p:cNvSpPr>
+            <a:spLocks noGrp="1" noRot="1" noChangeAspect="1"/>
+          </p:cNvSpPr>
+          <p:nvPr>
+            <p:ph type="sldImg" idx="2"/>
+          </p:nvPr>
+        </p:nvSpPr>
+        <p:spPr>
+          <a:xfrm>
+            <a:off x="685800" y="1143000"/>
+            <a:ext cx="5486400" cy="3086100"/>
+          </a:xfrm>
+          <a:prstGeom prst="rect">
+            <a:avLst/>
+          </a:prstGeom>
+          <a:noFill/>
+          <a:ln w="12700">
+            <a:solidFill>
+              <a:prstClr val="black"/>
+            </a:solidFill>
+          </a:ln>
+        </p:spPr>
+        <p:txBody>
+          <a:bodyPr vert="horz" lIns="91440" tIns="45720" rIns="91440" bIns="45720" rtlCol="0" anchor="ctr"/>
+          <a:lstStyle/>
+          <a:p>
+            <a:endParaRPr lang="en-JP"/>
+          </a:p>
+        </p:txBody>
+      </p:sp>
+      <p:sp>
+        <p:nvSpPr>
+          <p:cNvPr id="5" name="Notes Placeholder 4"/>
+          <p:cNvSpPr>
+            <a:spLocks noGrp="1"/>
+          </p:cNvSpPr>
+          <p:nvPr>
+            <p:ph type="body" sz="quarter" idx="3"/>
+          </p:nvPr>
+        </p:nvSpPr>
+        <p:spPr>
+          <a:xfrm>
+            <a:off x="685800" y="4400550"/>
+            <a:ext cx="5486400" cy="3600450"/>
+          </a:xfrm>
+          <a:prstGeom prst="rect">
+            <a:avLst/>
+          </a:prstGeom>
+        </p:spPr>
+        <p:txBody>
+          <a:bodyPr vert="horz" lIns="91440" tIns="45720" rIns="91440" bIns="45720" rtlCol="0"/>
+          <a:lstStyle/>
+          <a:p>
+            <a:pPr lvl="0"/>
+            <a:r>
+              <a:rPr lang="en-US"/>
+              <a:t>Click to edit Master text styles</a:t>
+            </a:r>
+          </a:p>
+          <a:p>
+            <a:pPr lvl="1"/>
+            <a:r>
+              <a:rPr lang="en-US"/>
+              <a:t>Second level</a:t>
+            </a:r>
+          </a:p>
+          <a:p>
+            <a:pPr lvl="2"/>
+            <a:r>
+              <a:rPr lang="en-US"/>
+              <a:t>Third level</a:t>
+            </a:r>
+          </a:p>
+          <a:p>
+            <a:pPr lvl="3"/>
+            <a:r>
+              <a:rPr lang="en-US"/>
+              <a:t>Fourth level</a:t>
+            </a:r>
+          </a:p>
+          <a:p>
+            <a:pPr lvl="4"/>
+            <a:r>
+              <a:rPr lang="en-US"/>
+              <a:t>Fifth level</a:t>
+            </a:r>
+            <a:endParaRPr lang="en-JP"/>
+          </a:p>
+        </p:txBody>
+      </p:sp>
+      <p:sp>
+        <p:nvSpPr>
+          <p:cNvPr id="6" name="Footer Placeholder 5"/>
+          <p:cNvSpPr>
+            <a:spLocks noGrp="1"/>
+          </p:cNvSpPr>
+          <p:nvPr>
+            <p:ph type="ftr" sz="quarter" idx="4"/>
+          </p:nvPr>
+        </p:nvSpPr>
+        <p:spPr>
+          <a:xfrm>
+            <a:off x="0" y="8685213"/>
+            <a:ext cx="2971800" cy="458787"/>
+          </a:xfrm>
+          <a:prstGeom prst="rect">
+            <a:avLst/>
+          </a:prstGeom>
+        </p:spPr>
+        <p:txBody>
+          <a:bodyPr vert="horz" lIns="91440" tIns="45720" rIns="91440" bIns="45720" rtlCol="0" anchor="b"/>
+          <a:lstStyle>
+            <a:lvl1pPr algn="l">
+              <a:defRPr sz="1200"/>
+            </a:lvl1pPr>
+          </a:lstStyle>
+          <a:p>
+            <a:endParaRPr lang="en-JP"/>
+          </a:p>
+        </p:txBody>
+      </p:sp>
+      <p:sp>
+        <p:nvSpPr>
+          <p:cNvPr id="7" name="Slide Number Placeholder 6"/>
+          <p:cNvSpPr>
+            <a:spLocks noGrp="1"/>
+          </p:cNvSpPr>
+          <p:nvPr>
+            <p:ph type="sldNum" sz="quarter" idx="5"/>
+          </p:nvPr>
+        </p:nvSpPr>
+        <p:spPr>
+          <a:xfrm>
+            <a:off x="3884613" y="8685213"/>
+            <a:ext cx="2971800" cy="458787"/>
+          </a:xfrm>
+          <a:prstGeom prst="rect">
+            <a:avLst/>
+          </a:prstGeom>
+        </p:spPr>
+        <p:txBody>
+          <a:bodyPr vert="horz" lIns="91440" tIns="45720" rIns="91440" bIns="45720" rtlCol="0" anchor="b"/>
+          <a:lstStyle>
+            <a:lvl1pPr algn="r">
+              <a:defRPr sz="1200"/>
+            </a:lvl1pPr>
+          </a:lstStyle>
+          <a:p>
+            <a:fld id="{AF62D94B-1243-984D-847F-035D1E185121}" type="slidenum">
+              <a:rPr lang="en-JP" smtClean="0"/>
+              <a:t>‹#›</a:t>
+            </a:fld>
+            <a:endParaRPr lang="en-JP"/>
+          </a:p>
+        </p:txBody>
+      </p:sp>
+    </p:spTree>
+    <p:extLst>
+      <p:ext uri="{BB962C8B-B14F-4D97-AF65-F5344CB8AC3E}">
+        <p14:creationId xmlns:p14="http://schemas.microsoft.com/office/powerpoint/2010/main" val="3164167632"/>
+      </p:ext>
+    </p:extLst>
+  </p:cSld>
+  <p:clrMap bg1="lt1" tx1="dk1" bg2="lt2" tx2="dk2" accent1="accent1" accent2="accent2" accent3="accent3" accent4="accent4" accent5="accent5" accent6="accent6" hlink="hlink" folHlink="folHlink"/>
+  <p:notesStyle>
+    <a:lvl1pPr marL="0" algn="l" defTabSz="914400" rtl="0" eaLnBrk="1" latinLnBrk="0" hangingPunct="1">
+      <a:defRPr sz="1200" kern="1200">
+        <a:solidFill>
+          <a:schemeClr val="tx1"/>
+        </a:solidFill>
+        <a:latin typeface="+mn-lt"/>
+        <a:ea typeface="+mn-ea"/>
+        <a:cs typeface="+mn-cs"/>
+      </a:defRPr>
+    </a:lvl1pPr>
+    <a:lvl2pPr marL="457200" algn="l" defTabSz="914400" rtl="0" eaLnBrk="1" latinLnBrk="0" hangingPunct="1">
+      <a:defRPr sz="1200" kern="1200">
+        <a:solidFill>
+          <a:schemeClr val="tx1"/>
+        </a:solidFill>
+        <a:latin typeface="+mn-lt"/>
+        <a:ea typeface="+mn-ea"/>
+        <a:cs typeface="+mn-cs"/>
+      </a:defRPr>
+    </a:lvl2pPr>
+    <a:lvl3pPr marL="914400" algn="l" defTabSz="914400" rtl="0" eaLnBrk="1" latinLnBrk="0" hangingPunct="1">
+      <a:defRPr sz="1200" kern="1200">
+        <a:solidFill>
+          <a:schemeClr val="tx1"/>
+        </a:solidFill>
+        <a:latin typeface="+mn-lt"/>
+        <a:ea typeface="+mn-ea"/>
+        <a:cs typeface="+mn-cs"/>
+      </a:defRPr>
+    </a:lvl3pPr>
+    <a:lvl4pPr marL="1371600" algn="l" defTabSz="914400" rtl="0" eaLnBrk="1" latinLnBrk="0" hangingPunct="1">
+      <a:defRPr sz="1200" kern="1200">
+        <a:solidFill>
+          <a:schemeClr val="tx1"/>
+        </a:solidFill>
+        <a:latin typeface="+mn-lt"/>
+        <a:ea typeface="+mn-ea"/>
+        <a:cs typeface="+mn-cs"/>
+      </a:defRPr>
+    </a:lvl4pPr>
+    <a:lvl5pPr marL="1828800" algn="l" defTabSz="914400" rtl="0" eaLnBrk="1" latinLnBrk="0" hangingPunct="1">
+      <a:defRPr sz="1200" kern="1200">
+        <a:solidFill>
+          <a:schemeClr val="tx1"/>
+        </a:solidFill>
+        <a:latin typeface="+mn-lt"/>
+        <a:ea typeface="+mn-ea"/>
+        <a:cs typeface="+mn-cs"/>
+      </a:defRPr>
+    </a:lvl5pPr>
+    <a:lvl6pPr marL="2286000" algn="l" defTabSz="914400" rtl="0" eaLnBrk="1" latinLnBrk="0" hangingPunct="1">
+      <a:defRPr sz="1200" kern="1200">
+        <a:solidFill>
+          <a:schemeClr val="tx1"/>
+        </a:solidFill>
+        <a:latin typeface="+mn-lt"/>
+        <a:ea typeface="+mn-ea"/>
+        <a:cs typeface="+mn-cs"/>
+      </a:defRPr>
+    </a:lvl6pPr>
+    <a:lvl7pPr marL="2743200" algn="l" defTabSz="914400" rtl="0" eaLnBrk="1" latinLnBrk="0" hangingPunct="1">
+      <a:defRPr sz="1200" kern="1200">
+        <a:solidFill>
+          <a:schemeClr val="tx1"/>
+        </a:solidFill>
+        <a:latin typeface="+mn-lt"/>
+        <a:ea typeface="+mn-ea"/>
+        <a:cs typeface="+mn-cs"/>
+      </a:defRPr>
+    </a:lvl7pPr>
+    <a:lvl8pPr marL="3200400" algn="l" defTabSz="914400" rtl="0" eaLnBrk="1" latinLnBrk="0" hangingPunct="1">
+      <a:defRPr sz="1200" kern="1200">
+        <a:solidFill>
+          <a:schemeClr val="tx1"/>
+        </a:solidFill>
+        <a:latin typeface="+mn-lt"/>
+        <a:ea typeface="+mn-ea"/>
+        <a:cs typeface="+mn-cs"/>
+      </a:defRPr>
+    </a:lvl8pPr>
+    <a:lvl9pPr marL="3657600" algn="l" defTabSz="914400" rtl="0" eaLnBrk="1" latinLnBrk="0" hangingPunct="1">
+      <a:defRPr sz="1200" kern="1200">
+        <a:solidFill>
+          <a:schemeClr val="tx1"/>
+        </a:solidFill>
+        <a:latin typeface="+mn-lt"/>
+        <a:ea typeface="+mn-ea"/>
+        <a:cs typeface="+mn-cs"/>
+      </a:defRPr>
+    </a:lvl9pPr>
+  </p:notesStyle>
+</p:notesMaster>
+</file>
+
+<file path=ppt/notesSlides/notesSlide1.xml><?xml version="1.0" encoding="utf-8"?>
+<p:notes xmlns:a="http://schemas.openxmlformats.org/drawingml/2006/main" xmlns:r="http://schemas.openxmlformats.org/officeDocument/2006/relationships" xmlns:p="http://schemas.openxmlformats.org/presentationml/2006/main">
+  <p:cSld>
+    <p:spTree>
+      <p:nvGrpSpPr>
+        <p:cNvPr id="1" name=""/>
+        <p:cNvGrpSpPr/>
+        <p:nvPr/>
+      </p:nvGrpSpPr>
+      <p:grpSpPr>
+        <a:xfrm>
+          <a:off x="0" y="0"/>
+          <a:ext cx="0" cy="0"/>
+          <a:chOff x="0" y="0"/>
+          <a:chExt cx="0" cy="0"/>
+        </a:xfrm>
+      </p:grpSpPr>
+      <p:sp>
+        <p:nvSpPr>
+          <p:cNvPr id="2" name="Slide Image Placeholder 1"/>
+          <p:cNvSpPr>
+            <a:spLocks noGrp="1" noRot="1" noChangeAspect="1"/>
+          </p:cNvSpPr>
+          <p:nvPr>
+            <p:ph type="sldImg"/>
+          </p:nvPr>
+        </p:nvSpPr>
+        <p:spPr/>
+      </p:sp>
+      <p:sp>
+        <p:nvSpPr>
+          <p:cNvPr id="3" name="Notes Placeholder 2"/>
+          <p:cNvSpPr>
+            <a:spLocks noGrp="1"/>
+          </p:cNvSpPr>
+          <p:nvPr>
+            <p:ph type="body" idx="1"/>
+          </p:nvPr>
+        </p:nvSpPr>
+        <p:spPr/>
+        <p:txBody>
+          <a:bodyPr/>
+          <a:lstStyle/>
+          <a:p>
+            <a:endParaRPr lang="en-JP" dirty="0"/>
+          </a:p>
+        </p:txBody>
+      </p:sp>
+      <p:sp>
+        <p:nvSpPr>
+          <p:cNvPr id="4" name="Slide Number Placeholder 3"/>
+          <p:cNvSpPr>
+            <a:spLocks noGrp="1"/>
+          </p:cNvSpPr>
+          <p:nvPr>
+            <p:ph type="sldNum" sz="quarter" idx="5"/>
+          </p:nvPr>
+        </p:nvSpPr>
+        <p:spPr/>
+        <p:txBody>
+          <a:bodyPr/>
+          <a:lstStyle/>
+          <a:p>
+            <a:fld id="{AF62D94B-1243-984D-847F-035D1E185121}" type="slidenum">
+              <a:rPr lang="en-JP" smtClean="0"/>
+              <a:t>19</a:t>
+            </a:fld>
+            <a:endParaRPr lang="en-JP"/>
+          </a:p>
+        </p:txBody>
+      </p:sp>
+    </p:spTree>
+    <p:extLst>
+      <p:ext uri="{BB962C8B-B14F-4D97-AF65-F5344CB8AC3E}">
+        <p14:creationId xmlns:p14="http://schemas.microsoft.com/office/powerpoint/2010/main" val="3125090499"/>
+      </p:ext>
+    </p:extLst>
+  </p:cSld>
+  <p:clrMapOvr>
+    <a:masterClrMapping/>
+  </p:clrMapOvr>
+</p:notes>
 </file>
 
 <file path=ppt/slideLayouts/slideLayout1.xml><?xml version="1.0" encoding="utf-8"?>
@@ -4418,20 +4856,30 @@
             <p:spPr/>
             <p:txBody>
               <a:bodyPr>
-                <a:normAutofit lnSpcReduction="10000"/>
+                <a:normAutofit/>
               </a:bodyPr>
               <a:lstStyle/>
               <a:p>
                 <a:pPr lvl="0"/>
                 <a:r>
-                  <a:t>尤度を最大化するパラメータの値を求める = </a:t>
+                  <a:rPr sz="1800" dirty="0" err="1"/>
+                  <a:t>尤度を最大化するパラメータの値を求める</a:t>
                 </a:r>
                 <a:r>
-                  <a:rPr b="1"/>
+                  <a:rPr sz="1800" dirty="0"/>
+                  <a:t> = </a:t>
+                </a:r>
+                <a:r>
+                  <a:rPr sz="1800" b="1" dirty="0" err="1"/>
                   <a:t>最尤推定</a:t>
                 </a:r>
                 <a:r>
-                  <a:t>（MLE; maximum likelihood estimation）．</a:t>
+                  <a:rPr sz="1800" dirty="0" err="1"/>
+                  <a:t>（MLE</a:t>
+                </a:r>
+                <a:r>
+                  <a:rPr sz="1800" dirty="0"/>
+                  <a:t>; maximum likelihood estimation）．</a:t>
                 </a:r>
               </a:p>
               <a:p>
@@ -4447,7 +4895,7 @@
                       <m:sSup>
                         <m:sSupPr>
                           <m:ctrlPr>
-                            <a:rPr>
+                            <a:rPr sz="1800">
                               <a:latin typeface="Cambria Math" panose="02040503050406030204" pitchFamily="18" charset="0"/>
                             </a:rPr>
                           </m:ctrlPr>
@@ -4457,14 +4905,14 @@
                             <m:accPr>
                               <m:chr m:val="̂"/>
                               <m:ctrlPr>
-                                <a:rPr>
+                                <a:rPr sz="1800">
                                   <a:latin typeface="Cambria Math" panose="02040503050406030204" pitchFamily="18" charset="0"/>
                                 </a:rPr>
                               </m:ctrlPr>
                             </m:accPr>
                             <m:e>
                               <m:r>
-                                <a:rPr>
+                                <a:rPr sz="1800">
                                   <a:latin typeface="Cambria Math" panose="02040503050406030204" pitchFamily="18" charset="0"/>
                                 </a:rPr>
                                 <m:t>𝛽</m:t>
@@ -4477,13 +4925,13 @@
                             <m:rPr>
                               <m:nor/>
                             </m:rPr>
-                            <a:rPr/>
+                            <a:rPr sz="1800"/>
                             <m:t>MLE</m:t>
                           </m:r>
                         </m:sup>
                       </m:sSup>
                       <m:r>
-                        <a:rPr>
+                        <a:rPr sz="1800">
                           <a:latin typeface="Cambria Math" panose="02040503050406030204" pitchFamily="18" charset="0"/>
                         </a:rPr>
                         <m:t>=</m:t>
@@ -4492,7 +4940,7 @@
                         <m:rPr>
                           <m:sty m:val="p"/>
                         </m:rPr>
-                        <a:rPr>
+                        <a:rPr sz="1800">
                           <a:latin typeface="Cambria Math" panose="02040503050406030204" pitchFamily="18" charset="0"/>
                         </a:rPr>
                         <m:t>arg</m:t>
@@ -4500,7 +4948,7 @@
                       <m:limLow>
                         <m:limLowPr>
                           <m:ctrlPr>
-                            <a:rPr i="1">
+                            <a:rPr sz="1800" i="1">
                               <a:latin typeface="Cambria Math" panose="02040503050406030204" pitchFamily="18" charset="0"/>
                             </a:rPr>
                           </m:ctrlPr>
@@ -4510,7 +4958,7 @@
                             <m:rPr>
                               <m:sty m:val="p"/>
                             </m:rPr>
-                            <a:rPr>
+                            <a:rPr sz="1800">
                               <a:latin typeface="Cambria Math" panose="02040503050406030204" pitchFamily="18" charset="0"/>
                             </a:rPr>
                             <m:t>max</m:t>
@@ -4518,7 +4966,7 @@
                         </m:e>
                         <m:lim>
                           <m:r>
-                            <a:rPr>
+                            <a:rPr sz="1800">
                               <a:latin typeface="Cambria Math" panose="02040503050406030204" pitchFamily="18" charset="0"/>
                             </a:rPr>
                             <m:t>𝛽</m:t>
@@ -4526,13 +4974,13 @@
                         </m:lim>
                       </m:limLow>
                       <m:r>
-                        <a:rPr>
+                        <a:rPr sz="1800">
                           <a:latin typeface="Cambria Math" panose="02040503050406030204" pitchFamily="18" charset="0"/>
                         </a:rPr>
                         <m:t> </m:t>
                       </m:r>
                       <m:r>
-                        <a:rPr>
+                        <a:rPr sz="1800">
                           <a:latin typeface="Cambria Math" panose="02040503050406030204" pitchFamily="18" charset="0"/>
                         </a:rPr>
                         <m:t>𝐿</m:t>
@@ -4540,14 +4988,14 @@
                       <m:d>
                         <m:dPr>
                           <m:ctrlPr>
-                            <a:rPr i="1">
+                            <a:rPr sz="1800" i="1">
                               <a:latin typeface="Cambria Math" panose="02040503050406030204" pitchFamily="18" charset="0"/>
                             </a:rPr>
                           </m:ctrlPr>
                         </m:dPr>
                         <m:e>
                           <m:r>
-                            <a:rPr>
+                            <a:rPr sz="1800">
                               <a:latin typeface="Cambria Math" panose="02040503050406030204" pitchFamily="18" charset="0"/>
                             </a:rPr>
                             <m:t>𝛽</m:t>
@@ -4557,12 +5005,17 @@
                     </m:oMath>
                   </m:oMathPara>
                 </a14:m>
-                <a:endParaRPr/>
+                <a:endParaRPr sz="1800" dirty="0"/>
               </a:p>
               <a:p>
                 <a:pPr lvl="0"/>
                 <a:r>
-                  <a:t>実際には計算しやすくなるため，対数尤度を最大化する．</a:t>
+                  <a:rPr sz="1800" dirty="0" err="1"/>
+                  <a:t>実際には計算しやすくなるため，対数尤度を最大化する</a:t>
+                </a:r>
+                <a:r>
+                  <a:rPr sz="1800" dirty="0"/>
+                  <a:t>．</a:t>
                 </a:r>
               </a:p>
               <a:p>
@@ -4578,7 +5031,7 @@
                       <m:sSup>
                         <m:sSupPr>
                           <m:ctrlPr>
-                            <a:rPr>
+                            <a:rPr sz="1800">
                               <a:latin typeface="Cambria Math" panose="02040503050406030204" pitchFamily="18" charset="0"/>
                             </a:rPr>
                           </m:ctrlPr>
@@ -4588,14 +5041,14 @@
                             <m:accPr>
                               <m:chr m:val="̂"/>
                               <m:ctrlPr>
-                                <a:rPr>
+                                <a:rPr sz="1800">
                                   <a:latin typeface="Cambria Math" panose="02040503050406030204" pitchFamily="18" charset="0"/>
                                 </a:rPr>
                               </m:ctrlPr>
                             </m:accPr>
                             <m:e>
                               <m:r>
-                                <a:rPr>
+                                <a:rPr sz="1800">
                                   <a:latin typeface="Cambria Math" panose="02040503050406030204" pitchFamily="18" charset="0"/>
                                 </a:rPr>
                                 <m:t>𝛽</m:t>
@@ -4608,13 +5061,13 @@
                             <m:rPr>
                               <m:nor/>
                             </m:rPr>
-                            <a:rPr/>
+                            <a:rPr sz="1800"/>
                             <m:t>MLE</m:t>
                           </m:r>
                         </m:sup>
                       </m:sSup>
                       <m:r>
-                        <a:rPr>
+                        <a:rPr sz="1800">
                           <a:latin typeface="Cambria Math" panose="02040503050406030204" pitchFamily="18" charset="0"/>
                         </a:rPr>
                         <m:t>=</m:t>
@@ -4623,7 +5076,7 @@
                         <m:rPr>
                           <m:sty m:val="p"/>
                         </m:rPr>
-                        <a:rPr>
+                        <a:rPr sz="1800">
                           <a:latin typeface="Cambria Math" panose="02040503050406030204" pitchFamily="18" charset="0"/>
                         </a:rPr>
                         <m:t>arg</m:t>
@@ -4631,7 +5084,7 @@
                       <m:limLow>
                         <m:limLowPr>
                           <m:ctrlPr>
-                            <a:rPr i="1">
+                            <a:rPr sz="1800" i="1">
                               <a:latin typeface="Cambria Math" panose="02040503050406030204" pitchFamily="18" charset="0"/>
                             </a:rPr>
                           </m:ctrlPr>
@@ -4641,7 +5094,7 @@
                             <m:rPr>
                               <m:sty m:val="p"/>
                             </m:rPr>
-                            <a:rPr>
+                            <a:rPr sz="1800">
                               <a:latin typeface="Cambria Math" panose="02040503050406030204" pitchFamily="18" charset="0"/>
                             </a:rPr>
                             <m:t>max</m:t>
@@ -4649,7 +5102,7 @@
                         </m:e>
                         <m:lim>
                           <m:r>
-                            <a:rPr>
+                            <a:rPr sz="1800">
                               <a:latin typeface="Cambria Math" panose="02040503050406030204" pitchFamily="18" charset="0"/>
                             </a:rPr>
                             <m:t>𝛽</m:t>
@@ -4657,7 +5110,7 @@
                         </m:lim>
                       </m:limLow>
                       <m:r>
-                        <a:rPr>
+                        <a:rPr sz="1800">
                           <a:latin typeface="Cambria Math" panose="02040503050406030204" pitchFamily="18" charset="0"/>
                         </a:rPr>
                         <m:t> </m:t>
@@ -4666,7 +5119,7 @@
                         <m:rPr>
                           <m:sty m:val="p"/>
                         </m:rPr>
-                        <a:rPr>
+                        <a:rPr sz="1800">
                           <a:latin typeface="Cambria Math" panose="02040503050406030204" pitchFamily="18" charset="0"/>
                         </a:rPr>
                         <m:t>log</m:t>
@@ -4674,14 +5127,14 @@
                       <m:d>
                         <m:dPr>
                           <m:ctrlPr>
-                            <a:rPr i="1">
+                            <a:rPr sz="1800" i="1">
                               <a:latin typeface="Cambria Math" panose="02040503050406030204" pitchFamily="18" charset="0"/>
                             </a:rPr>
                           </m:ctrlPr>
                         </m:dPr>
                         <m:e>
                           <m:r>
-                            <a:rPr>
+                            <a:rPr sz="1800">
                               <a:latin typeface="Cambria Math" panose="02040503050406030204" pitchFamily="18" charset="0"/>
                             </a:rPr>
                             <m:t>𝐿</m:t>
@@ -4689,14 +5142,14 @@
                           <m:d>
                             <m:dPr>
                               <m:ctrlPr>
-                                <a:rPr i="1">
+                                <a:rPr sz="1800" i="1">
                                   <a:latin typeface="Cambria Math" panose="02040503050406030204" pitchFamily="18" charset="0"/>
                                 </a:rPr>
                               </m:ctrlPr>
                             </m:dPr>
                             <m:e>
                               <m:r>
-                                <a:rPr>
+                                <a:rPr sz="1800">
                                   <a:latin typeface="Cambria Math" panose="02040503050406030204" pitchFamily="18" charset="0"/>
                                 </a:rPr>
                                 <m:t>𝛽</m:t>
@@ -4708,12 +5161,25 @@
                     </m:oMath>
                   </m:oMathPara>
                 </a14:m>
-                <a:endParaRPr/>
+                <a:endParaRPr sz="1800" dirty="0"/>
               </a:p>
               <a:p>
                 <a:pPr lvl="0"/>
                 <a:r>
-                  <a:t>ニュートン法などの数値計算でこれを求める．（Rがやってくれる）</a:t>
+                  <a:rPr sz="1800" dirty="0" err="1"/>
+                  <a:t>ニュートン法などの数値計算でこれを求める</a:t>
+                </a:r>
+                <a:r>
+                  <a:rPr sz="1800" dirty="0"/>
+                  <a:t>．（</a:t>
+                </a:r>
+                <a:r>
+                  <a:rPr sz="1800" dirty="0" err="1"/>
+                  <a:t>Rがやってくれる</a:t>
+                </a:r>
+                <a:r>
+                  <a:rPr sz="1800" dirty="0"/>
+                  <a:t>）</a:t>
                 </a:r>
               </a:p>
             </p:txBody>
@@ -4734,7 +5200,7 @@
               <a:blipFill>
                 <a:blip r:embed="rId2"/>
                 <a:stretch>
-                  <a:fillRect l="-1080" t="-3358" r="-154" b="-2985"/>
+                  <a:fillRect l="-463" t="-1493"/>
                 </a:stretch>
               </a:blipFill>
             </p:spPr>
@@ -5439,7 +5905,7 @@
         </p:nvGraphicFramePr>
         <p:xfrm>
           <a:off x="3568700" y="203200"/>
-          <a:ext cx="5105400" cy="4381500"/>
+          <a:ext cx="5105400" cy="2377440"/>
         </p:xfrm>
         <a:graphic>
           <a:graphicData uri="http://schemas.openxmlformats.org/drawingml/2006/table">
@@ -5818,7 +6284,7 @@
               <a:buNone/>
             </a:pPr>
             <a:r>
-              <a:t>13 ロジット・モデルの解釈</a:t>
+              <a:t>13 ロジット・モデルの解釈1</a:t>
             </a:r>
           </a:p>
         </p:txBody>
@@ -5838,24 +6304,18 @@
             <p:spPr/>
             <p:txBody>
               <a:bodyPr>
-                <a:noAutofit/>
+                <a:normAutofit fontScale="70000" lnSpcReduction="20000"/>
               </a:bodyPr>
               <a:lstStyle/>
               <a:p>
                 <a:pPr lvl="0"/>
                 <a:r>
-                  <a:rPr sz="1800" dirty="0" err="1"/>
-                  <a:t>係数はそのまま効果として解釈することはできない</a:t>
-                </a:r>
-                <a:r>
-                  <a:rPr sz="1800" dirty="0"/>
-                  <a:t>．</a:t>
+                  <a:t>係数はそのまま効果として解釈することはできない．</a:t>
                 </a:r>
               </a:p>
               <a:p>
                 <a:pPr lvl="0"/>
                 <a:r>
-                  <a:rPr sz="1800" dirty="0" err="1"/>
                   <a:t>非線形なモデルなので，元の</a:t>
                 </a:r>
                 <a14:m>
@@ -5863,14 +6323,14 @@
                     <m:sSub>
                       <m:sSubPr>
                         <m:ctrlPr>
-                          <a:rPr sz="1800">
+                          <a:rPr>
                             <a:latin typeface="Cambria Math" panose="02040503050406030204" pitchFamily="18" charset="0"/>
                           </a:rPr>
                         </m:ctrlPr>
                       </m:sSubPr>
                       <m:e>
                         <m:r>
-                          <a:rPr sz="1800">
+                          <a:rPr>
                             <a:latin typeface="Cambria Math" panose="02040503050406030204" pitchFamily="18" charset="0"/>
                           </a:rPr>
                           <m:t>𝑋</m:t>
@@ -5878,7 +6338,7 @@
                       </m:e>
                       <m:sub>
                         <m:r>
-                          <a:rPr sz="1800">
+                          <a:rPr>
                             <a:latin typeface="Cambria Math" panose="02040503050406030204" pitchFamily="18" charset="0"/>
                           </a:rPr>
                           <m:t>1</m:t>
@@ -5886,7 +6346,7 @@
                       </m:sub>
                     </m:sSub>
                     <m:r>
-                      <a:rPr sz="1800">
+                      <a:rPr>
                         <a:latin typeface="Cambria Math" panose="02040503050406030204" pitchFamily="18" charset="0"/>
                       </a:rPr>
                       <m:t>,</m:t>
@@ -5894,14 +6354,14 @@
                     <m:sSub>
                       <m:sSubPr>
                         <m:ctrlPr>
-                          <a:rPr sz="1800" i="1">
+                          <a:rPr i="1">
                             <a:latin typeface="Cambria Math" panose="02040503050406030204" pitchFamily="18" charset="0"/>
                           </a:rPr>
                         </m:ctrlPr>
                       </m:sSubPr>
                       <m:e>
                         <m:r>
-                          <a:rPr sz="1800">
+                          <a:rPr>
                             <a:latin typeface="Cambria Math" panose="02040503050406030204" pitchFamily="18" charset="0"/>
                           </a:rPr>
                           <m:t>𝑋</m:t>
@@ -5909,7 +6369,7 @@
                       </m:e>
                       <m:sub>
                         <m:r>
-                          <a:rPr sz="1800">
+                          <a:rPr>
                             <a:latin typeface="Cambria Math" panose="02040503050406030204" pitchFamily="18" charset="0"/>
                           </a:rPr>
                           <m:t>2</m:t>
@@ -5917,7 +6377,7 @@
                       </m:sub>
                     </m:sSub>
                     <m:r>
-                      <a:rPr sz="1800">
+                      <a:rPr>
                         <a:latin typeface="Cambria Math" panose="02040503050406030204" pitchFamily="18" charset="0"/>
                       </a:rPr>
                       <m:t>,⋯,</m:t>
@@ -5925,14 +6385,14 @@
                     <m:sSub>
                       <m:sSubPr>
                         <m:ctrlPr>
-                          <a:rPr sz="1800" i="1">
+                          <a:rPr i="1">
                             <a:latin typeface="Cambria Math" panose="02040503050406030204" pitchFamily="18" charset="0"/>
                           </a:rPr>
                         </m:ctrlPr>
                       </m:sSubPr>
                       <m:e>
                         <m:r>
-                          <a:rPr sz="1800">
+                          <a:rPr>
                             <a:latin typeface="Cambria Math" panose="02040503050406030204" pitchFamily="18" charset="0"/>
                           </a:rPr>
                           <m:t>𝑋</m:t>
@@ -5940,7 +6400,7 @@
                       </m:e>
                       <m:sub>
                         <m:r>
-                          <a:rPr sz="1800">
+                          <a:rPr>
                             <a:latin typeface="Cambria Math" panose="02040503050406030204" pitchFamily="18" charset="0"/>
                           </a:rPr>
                           <m:t>𝑘</m:t>
@@ -5950,39 +6410,20 @@
                   </m:oMath>
                 </a14:m>
                 <a:r>
-                  <a:rPr sz="1800" dirty="0" err="1"/>
-                  <a:t>の水準によって，説明変数の効果の大きさも変わる</a:t>
-                </a:r>
-                <a:r>
-                  <a:rPr sz="1800" dirty="0"/>
-                  <a:t>．</a:t>
+                  <a:t>の水準によって，説明変数の効果の大きさも変わる．</a:t>
                 </a:r>
               </a:p>
               <a:p>
                 <a:pPr lvl="0"/>
                 <a:r>
-                  <a:rPr sz="1800" dirty="0" err="1"/>
                   <a:t>経済学では，効果の評価のために</a:t>
                 </a:r>
                 <a:r>
-                  <a:rPr sz="1800" b="1" dirty="0" err="1"/>
+                  <a:rPr b="1"/>
                   <a:t>平均限界効果</a:t>
                 </a:r>
                 <a:r>
-                  <a:rPr sz="1800" dirty="0" err="1"/>
-                  <a:t>（AME</a:t>
-                </a:r>
-                <a:r>
-                  <a:rPr sz="1800" dirty="0"/>
-                  <a:t>; average marginal </a:t>
-                </a:r>
-                <a:r>
-                  <a:rPr sz="1800" dirty="0" err="1"/>
-                  <a:t>effect）を計算することが多い</a:t>
-                </a:r>
-                <a:r>
-                  <a:rPr sz="1800" dirty="0"/>
-                  <a:t>．</a:t>
+                  <a:t>（AME; average marginal effect）を計算することが多い．</a:t>
                 </a:r>
               </a:p>
               <a:p>
@@ -5998,7 +6439,7 @@
                       <m:sSub>
                         <m:sSubPr>
                           <m:ctrlPr>
-                            <a:rPr sz="1800">
+                            <a:rPr>
                               <a:latin typeface="Cambria Math" panose="02040503050406030204" pitchFamily="18" charset="0"/>
                             </a:rPr>
                           </m:ctrlPr>
@@ -6008,7 +6449,7 @@
                             <m:rPr>
                               <m:nor/>
                             </m:rPr>
-                            <a:rPr sz="1800"/>
+                            <a:rPr/>
                             <m:t>AME</m:t>
                           </m:r>
                         </m:e>
@@ -6016,14 +6457,14 @@
                           <m:sSub>
                             <m:sSubPr>
                               <m:ctrlPr>
-                                <a:rPr sz="1800" i="1">
+                                <a:rPr i="1">
                                   <a:latin typeface="Cambria Math" panose="02040503050406030204" pitchFamily="18" charset="0"/>
                                 </a:rPr>
                               </m:ctrlPr>
                             </m:sSubPr>
                             <m:e>
                               <m:r>
-                                <a:rPr sz="1800">
+                                <a:rPr>
                                   <a:latin typeface="Cambria Math" panose="02040503050406030204" pitchFamily="18" charset="0"/>
                                 </a:rPr>
                                 <m:t>𝑋</m:t>
@@ -6031,7 +6472,7 @@
                             </m:e>
                             <m:sub>
                               <m:r>
-                                <a:rPr sz="1800">
+                                <a:rPr>
                                   <a:latin typeface="Cambria Math" panose="02040503050406030204" pitchFamily="18" charset="0"/>
                                 </a:rPr>
                                 <m:t>1</m:t>
@@ -6041,30 +6482,55 @@
                         </m:sub>
                       </m:sSub>
                       <m:r>
-                        <a:rPr sz="1800">
+                        <a:rPr>
                           <a:latin typeface="Cambria Math" panose="02040503050406030204" pitchFamily="18" charset="0"/>
                         </a:rPr>
                         <m:t>=</m:t>
                       </m:r>
+                      <m:f>
+                        <m:fPr>
+                          <m:ctrlPr>
+                            <a:rPr i="1">
+                              <a:latin typeface="Cambria Math" panose="02040503050406030204" pitchFamily="18" charset="0"/>
+                            </a:rPr>
+                          </m:ctrlPr>
+                        </m:fPr>
+                        <m:num>
+                          <m:r>
+                            <a:rPr>
+                              <a:latin typeface="Cambria Math" panose="02040503050406030204" pitchFamily="18" charset="0"/>
+                            </a:rPr>
+                            <m:t>1</m:t>
+                          </m:r>
+                        </m:num>
+                        <m:den>
+                          <m:r>
+                            <a:rPr>
+                              <a:latin typeface="Cambria Math" panose="02040503050406030204" pitchFamily="18" charset="0"/>
+                            </a:rPr>
+                            <m:t>𝑛</m:t>
+                          </m:r>
+                        </m:den>
+                      </m:f>
                       <m:nary>
                         <m:naryPr>
                           <m:chr m:val="∑"/>
                           <m:limLoc m:val="undOvr"/>
                           <m:ctrlPr>
-                            <a:rPr sz="1800" i="1">
+                            <a:rPr i="1">
                               <a:latin typeface="Cambria Math" panose="02040503050406030204" pitchFamily="18" charset="0"/>
                             </a:rPr>
                           </m:ctrlPr>
                         </m:naryPr>
                         <m:sub>
                           <m:r>
-                            <a:rPr sz="1800">
+                            <a:rPr>
                               <a:latin typeface="Cambria Math" panose="02040503050406030204" pitchFamily="18" charset="0"/>
                             </a:rPr>
                             <m:t>𝑖</m:t>
                           </m:r>
                           <m:r>
-                            <a:rPr sz="1800">
+                            <a:rPr>
                               <a:latin typeface="Cambria Math" panose="02040503050406030204" pitchFamily="18" charset="0"/>
                             </a:rPr>
                             <m:t>=1</m:t>
@@ -6072,7 +6538,7 @@
                         </m:sub>
                         <m:sup>
                           <m:r>
-                            <a:rPr sz="1800">
+                            <a:rPr>
                               <a:latin typeface="Cambria Math" panose="02040503050406030204" pitchFamily="18" charset="0"/>
                             </a:rPr>
                             <m:t>𝑛</m:t>
@@ -6082,14 +6548,14 @@
                           <m:f>
                             <m:fPr>
                               <m:ctrlPr>
-                                <a:rPr sz="1800" i="1">
+                                <a:rPr i="1">
                                   <a:latin typeface="Cambria Math" panose="02040503050406030204" pitchFamily="18" charset="0"/>
                                 </a:rPr>
                               </m:ctrlPr>
                             </m:fPr>
                             <m:num>
                               <m:r>
-                                <a:rPr sz="1800">
+                                <a:rPr>
                                   <a:latin typeface="Cambria Math" panose="02040503050406030204" pitchFamily="18" charset="0"/>
                                 </a:rPr>
                                 <m:t>∂</m:t>
@@ -6098,7 +6564,7 @@
                                 <m:rPr>
                                   <m:sty m:val="p"/>
                                 </m:rPr>
-                                <a:rPr sz="1800">
+                                <a:rPr>
                                   <a:latin typeface="Cambria Math" panose="02040503050406030204" pitchFamily="18" charset="0"/>
                                 </a:rPr>
                                 <m:t>Pr</m:t>
@@ -6106,7 +6572,7 @@
                               <m:d>
                                 <m:dPr>
                                   <m:ctrlPr>
-                                    <a:rPr sz="1800" i="1">
+                                    <a:rPr i="1">
                                       <a:latin typeface="Cambria Math" panose="02040503050406030204" pitchFamily="18" charset="0"/>
                                     </a:rPr>
                                   </m:ctrlPr>
@@ -6115,14 +6581,14 @@
                                   <m:sSub>
                                     <m:sSubPr>
                                       <m:ctrlPr>
-                                        <a:rPr sz="1800" i="1">
+                                        <a:rPr i="1">
                                           <a:latin typeface="Cambria Math" panose="02040503050406030204" pitchFamily="18" charset="0"/>
                                         </a:rPr>
                                       </m:ctrlPr>
                                     </m:sSubPr>
                                     <m:e>
                                       <m:r>
-                                        <a:rPr sz="1800">
+                                        <a:rPr>
                                           <a:latin typeface="Cambria Math" panose="02040503050406030204" pitchFamily="18" charset="0"/>
                                         </a:rPr>
                                         <m:t>𝑌</m:t>
@@ -6130,7 +6596,7 @@
                                     </m:e>
                                     <m:sub>
                                       <m:r>
-                                        <a:rPr sz="1800">
+                                        <a:rPr>
                                           <a:latin typeface="Cambria Math" panose="02040503050406030204" pitchFamily="18" charset="0"/>
                                         </a:rPr>
                                         <m:t>𝑖</m:t>
@@ -6138,7 +6604,7 @@
                                     </m:sub>
                                   </m:sSub>
                                   <m:r>
-                                    <a:rPr sz="1800">
+                                    <a:rPr>
                                       <a:latin typeface="Cambria Math" panose="02040503050406030204" pitchFamily="18" charset="0"/>
                                     </a:rPr>
                                     <m:t>=1∣</m:t>
@@ -6146,14 +6612,14 @@
                                   <m:sSub>
                                     <m:sSubPr>
                                       <m:ctrlPr>
-                                        <a:rPr sz="1800" i="1">
+                                        <a:rPr i="1">
                                           <a:latin typeface="Cambria Math" panose="02040503050406030204" pitchFamily="18" charset="0"/>
                                         </a:rPr>
                                       </m:ctrlPr>
                                     </m:sSubPr>
                                     <m:e>
                                       <m:r>
-                                        <a:rPr sz="1800">
+                                        <a:rPr>
                                           <a:latin typeface="Cambria Math" panose="02040503050406030204" pitchFamily="18" charset="0"/>
                                         </a:rPr>
                                         <m:t>𝑋</m:t>
@@ -6161,7 +6627,7 @@
                                     </m:e>
                                     <m:sub>
                                       <m:r>
-                                        <a:rPr sz="1800">
+                                        <a:rPr>
                                           <a:latin typeface="Cambria Math" panose="02040503050406030204" pitchFamily="18" charset="0"/>
                                         </a:rPr>
                                         <m:t>𝑖</m:t>
@@ -6173,7 +6639,7 @@
                             </m:num>
                             <m:den>
                               <m:r>
-                                <a:rPr sz="1800">
+                                <a:rPr>
                                   <a:latin typeface="Cambria Math" panose="02040503050406030204" pitchFamily="18" charset="0"/>
                                 </a:rPr>
                                 <m:t>∂</m:t>
@@ -6181,14 +6647,14 @@
                               <m:sSub>
                                 <m:sSubPr>
                                   <m:ctrlPr>
-                                    <a:rPr sz="1800" i="1">
+                                    <a:rPr i="1">
                                       <a:latin typeface="Cambria Math" panose="02040503050406030204" pitchFamily="18" charset="0"/>
                                     </a:rPr>
                                   </m:ctrlPr>
                                 </m:sSubPr>
                                 <m:e>
                                   <m:r>
-                                    <a:rPr sz="1800">
+                                    <a:rPr>
                                       <a:latin typeface="Cambria Math" panose="02040503050406030204" pitchFamily="18" charset="0"/>
                                     </a:rPr>
                                     <m:t>𝑋</m:t>
@@ -6196,13 +6662,13 @@
                                 </m:e>
                                 <m:sub>
                                   <m:r>
-                                    <a:rPr sz="1800">
+                                    <a:rPr>
                                       <a:latin typeface="Cambria Math" panose="02040503050406030204" pitchFamily="18" charset="0"/>
                                     </a:rPr>
                                     <m:t>1</m:t>
                                   </m:r>
                                   <m:r>
-                                    <a:rPr sz="1800">
+                                    <a:rPr>
                                       <a:latin typeface="Cambria Math" panose="02040503050406030204" pitchFamily="18" charset="0"/>
                                     </a:rPr>
                                     <m:t>𝑖</m:t>
@@ -6216,17 +6682,12 @@
                     </m:oMath>
                   </m:oMathPara>
                 </a14:m>
-                <a:endParaRPr sz="1800" dirty="0"/>
+                <a:endParaRPr/>
               </a:p>
               <a:p>
                 <a:pPr lvl="0"/>
                 <a:r>
-                  <a:rPr sz="1800" dirty="0" err="1"/>
-                  <a:t>ただし，説明変数がダミー変数の場合は，微分できないので，差をとる</a:t>
-                </a:r>
-                <a:r>
-                  <a:rPr sz="1800" dirty="0"/>
-                  <a:t>．</a:t>
+                  <a:t>ただし，説明変数がダミー変数の場合は，微分できないので，差をとる．</a:t>
                 </a:r>
               </a:p>
               <a:p>
@@ -6242,7 +6703,7 @@
                       <m:sSub>
                         <m:sSubPr>
                           <m:ctrlPr>
-                            <a:rPr sz="1800">
+                            <a:rPr>
                               <a:latin typeface="Cambria Math" panose="02040503050406030204" pitchFamily="18" charset="0"/>
                             </a:rPr>
                           </m:ctrlPr>
@@ -6252,7 +6713,7 @@
                             <m:rPr>
                               <m:nor/>
                             </m:rPr>
-                            <a:rPr sz="1800"/>
+                            <a:rPr/>
                             <m:t>AME</m:t>
                           </m:r>
                         </m:e>
@@ -6260,14 +6721,14 @@
                           <m:sSub>
                             <m:sSubPr>
                               <m:ctrlPr>
-                                <a:rPr sz="1800" i="1">
+                                <a:rPr i="1">
                                   <a:latin typeface="Cambria Math" panose="02040503050406030204" pitchFamily="18" charset="0"/>
                                 </a:rPr>
                               </m:ctrlPr>
                             </m:sSubPr>
                             <m:e>
                               <m:r>
-                                <a:rPr sz="1800">
+                                <a:rPr>
                                   <a:latin typeface="Cambria Math" panose="02040503050406030204" pitchFamily="18" charset="0"/>
                                 </a:rPr>
                                 <m:t>𝑋</m:t>
@@ -6275,7 +6736,7 @@
                             </m:e>
                             <m:sub>
                               <m:r>
-                                <a:rPr sz="1800">
+                                <a:rPr>
                                   <a:latin typeface="Cambria Math" panose="02040503050406030204" pitchFamily="18" charset="0"/>
                                 </a:rPr>
                                 <m:t>1</m:t>
@@ -6285,30 +6746,55 @@
                         </m:sub>
                       </m:sSub>
                       <m:r>
-                        <a:rPr sz="1800">
+                        <a:rPr>
                           <a:latin typeface="Cambria Math" panose="02040503050406030204" pitchFamily="18" charset="0"/>
                         </a:rPr>
                         <m:t>=</m:t>
                       </m:r>
+                      <m:f>
+                        <m:fPr>
+                          <m:ctrlPr>
+                            <a:rPr i="1">
+                              <a:latin typeface="Cambria Math" panose="02040503050406030204" pitchFamily="18" charset="0"/>
+                            </a:rPr>
+                          </m:ctrlPr>
+                        </m:fPr>
+                        <m:num>
+                          <m:r>
+                            <a:rPr>
+                              <a:latin typeface="Cambria Math" panose="02040503050406030204" pitchFamily="18" charset="0"/>
+                            </a:rPr>
+                            <m:t>1</m:t>
+                          </m:r>
+                        </m:num>
+                        <m:den>
+                          <m:r>
+                            <a:rPr>
+                              <a:latin typeface="Cambria Math" panose="02040503050406030204" pitchFamily="18" charset="0"/>
+                            </a:rPr>
+                            <m:t>𝑛</m:t>
+                          </m:r>
+                        </m:den>
+                      </m:f>
                       <m:nary>
                         <m:naryPr>
                           <m:chr m:val="∑"/>
                           <m:limLoc m:val="undOvr"/>
                           <m:ctrlPr>
-                            <a:rPr sz="1800" i="1">
+                            <a:rPr i="1">
                               <a:latin typeface="Cambria Math" panose="02040503050406030204" pitchFamily="18" charset="0"/>
                             </a:rPr>
                           </m:ctrlPr>
                         </m:naryPr>
                         <m:sub>
                           <m:r>
-                            <a:rPr sz="1800">
+                            <a:rPr>
                               <a:latin typeface="Cambria Math" panose="02040503050406030204" pitchFamily="18" charset="0"/>
                             </a:rPr>
                             <m:t>𝑖</m:t>
                           </m:r>
                           <m:r>
-                            <a:rPr sz="1800">
+                            <a:rPr>
                               <a:latin typeface="Cambria Math" panose="02040503050406030204" pitchFamily="18" charset="0"/>
                             </a:rPr>
                             <m:t>=1</m:t>
@@ -6316,263 +6802,276 @@
                         </m:sub>
                         <m:sup>
                           <m:r>
-                            <a:rPr sz="1800">
+                            <a:rPr>
                               <a:latin typeface="Cambria Math" panose="02040503050406030204" pitchFamily="18" charset="0"/>
                             </a:rPr>
                             <m:t>𝑛</m:t>
                           </m:r>
                         </m:sup>
                         <m:e>
-                          <m:r>
-                            <m:rPr>
-                              <m:sty m:val="p"/>
-                            </m:rPr>
-                            <a:rPr sz="1800">
-                              <a:latin typeface="Cambria Math" panose="02040503050406030204" pitchFamily="18" charset="0"/>
-                            </a:rPr>
-                            <m:t>Pr</m:t>
-                          </m:r>
-                        </m:e>
-                      </m:nary>
-                      <m:d>
-                        <m:dPr>
-                          <m:ctrlPr>
-                            <a:rPr sz="1800" i="1">
-                              <a:latin typeface="Cambria Math" panose="02040503050406030204" pitchFamily="18" charset="0"/>
-                            </a:rPr>
-                          </m:ctrlPr>
-                        </m:dPr>
-                        <m:e>
-                          <m:sSub>
-                            <m:sSubPr>
+                          <m:d>
+                            <m:dPr>
+                              <m:begChr m:val="["/>
+                              <m:endChr m:val="]"/>
                               <m:ctrlPr>
-                                <a:rPr sz="1800" i="1">
+                                <a:rPr i="1">
                                   <a:latin typeface="Cambria Math" panose="02040503050406030204" pitchFamily="18" charset="0"/>
                                 </a:rPr>
                               </m:ctrlPr>
-                            </m:sSubPr>
+                            </m:dPr>
                             <m:e>
                               <m:r>
-                                <a:rPr sz="1800">
+                                <m:rPr>
+                                  <m:sty m:val="p"/>
+                                </m:rPr>
+                                <a:rPr>
                                   <a:latin typeface="Cambria Math" panose="02040503050406030204" pitchFamily="18" charset="0"/>
                                 </a:rPr>
-                                <m:t>𝑌</m:t>
+                                <m:t>Pr</m:t>
                               </m:r>
-                            </m:e>
-                            <m:sub>
+                              <m:d>
+                                <m:dPr>
+                                  <m:ctrlPr>
+                                    <a:rPr i="1">
+                                      <a:latin typeface="Cambria Math" panose="02040503050406030204" pitchFamily="18" charset="0"/>
+                                    </a:rPr>
+                                  </m:ctrlPr>
+                                </m:dPr>
+                                <m:e>
+                                  <m:sSub>
+                                    <m:sSubPr>
+                                      <m:ctrlPr>
+                                        <a:rPr i="1">
+                                          <a:latin typeface="Cambria Math" panose="02040503050406030204" pitchFamily="18" charset="0"/>
+                                        </a:rPr>
+                                      </m:ctrlPr>
+                                    </m:sSubPr>
+                                    <m:e>
+                                      <m:r>
+                                        <a:rPr>
+                                          <a:latin typeface="Cambria Math" panose="02040503050406030204" pitchFamily="18" charset="0"/>
+                                        </a:rPr>
+                                        <m:t>𝑌</m:t>
+                                      </m:r>
+                                    </m:e>
+                                    <m:sub>
+                                      <m:r>
+                                        <a:rPr>
+                                          <a:latin typeface="Cambria Math" panose="02040503050406030204" pitchFamily="18" charset="0"/>
+                                        </a:rPr>
+                                        <m:t>𝑖</m:t>
+                                      </m:r>
+                                    </m:sub>
+                                  </m:sSub>
+                                  <m:r>
+                                    <a:rPr>
+                                      <a:latin typeface="Cambria Math" panose="02040503050406030204" pitchFamily="18" charset="0"/>
+                                    </a:rPr>
+                                    <m:t>=1∣</m:t>
+                                  </m:r>
+                                  <m:sSub>
+                                    <m:sSubPr>
+                                      <m:ctrlPr>
+                                        <a:rPr i="1">
+                                          <a:latin typeface="Cambria Math" panose="02040503050406030204" pitchFamily="18" charset="0"/>
+                                        </a:rPr>
+                                      </m:ctrlPr>
+                                    </m:sSubPr>
+                                    <m:e>
+                                      <m:r>
+                                        <a:rPr>
+                                          <a:latin typeface="Cambria Math" panose="02040503050406030204" pitchFamily="18" charset="0"/>
+                                        </a:rPr>
+                                        <m:t>𝑋</m:t>
+                                      </m:r>
+                                    </m:e>
+                                    <m:sub>
+                                      <m:r>
+                                        <a:rPr>
+                                          <a:latin typeface="Cambria Math" panose="02040503050406030204" pitchFamily="18" charset="0"/>
+                                        </a:rPr>
+                                        <m:t>𝑖</m:t>
+                                      </m:r>
+                                    </m:sub>
+                                  </m:sSub>
+                                  <m:r>
+                                    <a:rPr>
+                                      <a:latin typeface="Cambria Math" panose="02040503050406030204" pitchFamily="18" charset="0"/>
+                                    </a:rPr>
+                                    <m:t>,</m:t>
+                                  </m:r>
+                                  <m:sSub>
+                                    <m:sSubPr>
+                                      <m:ctrlPr>
+                                        <a:rPr i="1">
+                                          <a:latin typeface="Cambria Math" panose="02040503050406030204" pitchFamily="18" charset="0"/>
+                                        </a:rPr>
+                                      </m:ctrlPr>
+                                    </m:sSubPr>
+                                    <m:e>
+                                      <m:r>
+                                        <a:rPr>
+                                          <a:latin typeface="Cambria Math" panose="02040503050406030204" pitchFamily="18" charset="0"/>
+                                        </a:rPr>
+                                        <m:t>𝑋</m:t>
+                                      </m:r>
+                                    </m:e>
+                                    <m:sub>
+                                      <m:r>
+                                        <a:rPr>
+                                          <a:latin typeface="Cambria Math" panose="02040503050406030204" pitchFamily="18" charset="0"/>
+                                        </a:rPr>
+                                        <m:t>1</m:t>
+                                      </m:r>
+                                      <m:r>
+                                        <a:rPr>
+                                          <a:latin typeface="Cambria Math" panose="02040503050406030204" pitchFamily="18" charset="0"/>
+                                        </a:rPr>
+                                        <m:t>𝑖</m:t>
+                                      </m:r>
+                                    </m:sub>
+                                  </m:sSub>
+                                  <m:r>
+                                    <a:rPr>
+                                      <a:latin typeface="Cambria Math" panose="02040503050406030204" pitchFamily="18" charset="0"/>
+                                    </a:rPr>
+                                    <m:t>=1</m:t>
+                                  </m:r>
+                                </m:e>
+                              </m:d>
                               <m:r>
-                                <a:rPr sz="1800">
+                                <a:rPr>
                                   <a:latin typeface="Cambria Math" panose="02040503050406030204" pitchFamily="18" charset="0"/>
                                 </a:rPr>
-                                <m:t>𝑖</m:t>
+                                <m:t>−</m:t>
                               </m:r>
-                            </m:sub>
-                          </m:sSub>
-                          <m:r>
-                            <a:rPr sz="1800">
-                              <a:latin typeface="Cambria Math" panose="02040503050406030204" pitchFamily="18" charset="0"/>
-                            </a:rPr>
-                            <m:t>=1∣</m:t>
-                          </m:r>
-                          <m:sSub>
-                            <m:sSubPr>
-                              <m:ctrlPr>
-                                <a:rPr sz="1800" i="1">
+                              <m:r>
+                                <m:rPr>
+                                  <m:sty m:val="p"/>
+                                </m:rPr>
+                                <a:rPr>
                                   <a:latin typeface="Cambria Math" panose="02040503050406030204" pitchFamily="18" charset="0"/>
                                 </a:rPr>
-                              </m:ctrlPr>
-                            </m:sSubPr>
-                            <m:e>
-                              <m:r>
-                                <a:rPr sz="1800">
-                                  <a:latin typeface="Cambria Math" panose="02040503050406030204" pitchFamily="18" charset="0"/>
-                                </a:rPr>
-                                <m:t>𝑋</m:t>
+                                <m:t>Pr</m:t>
                               </m:r>
+                              <m:d>
+                                <m:dPr>
+                                  <m:ctrlPr>
+                                    <a:rPr i="1">
+                                      <a:latin typeface="Cambria Math" panose="02040503050406030204" pitchFamily="18" charset="0"/>
+                                    </a:rPr>
+                                  </m:ctrlPr>
+                                </m:dPr>
+                                <m:e>
+                                  <m:sSub>
+                                    <m:sSubPr>
+                                      <m:ctrlPr>
+                                        <a:rPr i="1">
+                                          <a:latin typeface="Cambria Math" panose="02040503050406030204" pitchFamily="18" charset="0"/>
+                                        </a:rPr>
+                                      </m:ctrlPr>
+                                    </m:sSubPr>
+                                    <m:e>
+                                      <m:r>
+                                        <a:rPr>
+                                          <a:latin typeface="Cambria Math" panose="02040503050406030204" pitchFamily="18" charset="0"/>
+                                        </a:rPr>
+                                        <m:t>𝑌</m:t>
+                                      </m:r>
+                                    </m:e>
+                                    <m:sub>
+                                      <m:r>
+                                        <a:rPr>
+                                          <a:latin typeface="Cambria Math" panose="02040503050406030204" pitchFamily="18" charset="0"/>
+                                        </a:rPr>
+                                        <m:t>𝑖</m:t>
+                                      </m:r>
+                                    </m:sub>
+                                  </m:sSub>
+                                  <m:r>
+                                    <a:rPr>
+                                      <a:latin typeface="Cambria Math" panose="02040503050406030204" pitchFamily="18" charset="0"/>
+                                    </a:rPr>
+                                    <m:t>=1∣</m:t>
+                                  </m:r>
+                                  <m:sSub>
+                                    <m:sSubPr>
+                                      <m:ctrlPr>
+                                        <a:rPr i="1">
+                                          <a:latin typeface="Cambria Math" panose="02040503050406030204" pitchFamily="18" charset="0"/>
+                                        </a:rPr>
+                                      </m:ctrlPr>
+                                    </m:sSubPr>
+                                    <m:e>
+                                      <m:r>
+                                        <a:rPr>
+                                          <a:latin typeface="Cambria Math" panose="02040503050406030204" pitchFamily="18" charset="0"/>
+                                        </a:rPr>
+                                        <m:t>𝑋</m:t>
+                                      </m:r>
+                                    </m:e>
+                                    <m:sub>
+                                      <m:r>
+                                        <a:rPr>
+                                          <a:latin typeface="Cambria Math" panose="02040503050406030204" pitchFamily="18" charset="0"/>
+                                        </a:rPr>
+                                        <m:t>𝑖</m:t>
+                                      </m:r>
+                                    </m:sub>
+                                  </m:sSub>
+                                  <m:r>
+                                    <a:rPr>
+                                      <a:latin typeface="Cambria Math" panose="02040503050406030204" pitchFamily="18" charset="0"/>
+                                    </a:rPr>
+                                    <m:t>,</m:t>
+                                  </m:r>
+                                  <m:sSub>
+                                    <m:sSubPr>
+                                      <m:ctrlPr>
+                                        <a:rPr i="1">
+                                          <a:latin typeface="Cambria Math" panose="02040503050406030204" pitchFamily="18" charset="0"/>
+                                        </a:rPr>
+                                      </m:ctrlPr>
+                                    </m:sSubPr>
+                                    <m:e>
+                                      <m:r>
+                                        <a:rPr>
+                                          <a:latin typeface="Cambria Math" panose="02040503050406030204" pitchFamily="18" charset="0"/>
+                                        </a:rPr>
+                                        <m:t>𝑋</m:t>
+                                      </m:r>
+                                    </m:e>
+                                    <m:sub>
+                                      <m:r>
+                                        <a:rPr>
+                                          <a:latin typeface="Cambria Math" panose="02040503050406030204" pitchFamily="18" charset="0"/>
+                                        </a:rPr>
+                                        <m:t>1</m:t>
+                                      </m:r>
+                                      <m:r>
+                                        <a:rPr>
+                                          <a:latin typeface="Cambria Math" panose="02040503050406030204" pitchFamily="18" charset="0"/>
+                                        </a:rPr>
+                                        <m:t>𝑖</m:t>
+                                      </m:r>
+                                    </m:sub>
+                                  </m:sSub>
+                                  <m:r>
+                                    <a:rPr>
+                                      <a:latin typeface="Cambria Math" panose="02040503050406030204" pitchFamily="18" charset="0"/>
+                                    </a:rPr>
+                                    <m:t>=0</m:t>
+                                  </m:r>
+                                </m:e>
+                              </m:d>
                             </m:e>
-                            <m:sub>
-                              <m:r>
-                                <a:rPr sz="1800">
-                                  <a:latin typeface="Cambria Math" panose="02040503050406030204" pitchFamily="18" charset="0"/>
-                                </a:rPr>
-                                <m:t>𝑖</m:t>
-                              </m:r>
-                            </m:sub>
-                          </m:sSub>
-                          <m:r>
-                            <a:rPr sz="1800">
-                              <a:latin typeface="Cambria Math" panose="02040503050406030204" pitchFamily="18" charset="0"/>
-                            </a:rPr>
-                            <m:t>,</m:t>
-                          </m:r>
-                          <m:sSub>
-                            <m:sSubPr>
-                              <m:ctrlPr>
-                                <a:rPr sz="1800" i="1">
-                                  <a:latin typeface="Cambria Math" panose="02040503050406030204" pitchFamily="18" charset="0"/>
-                                </a:rPr>
-                              </m:ctrlPr>
-                            </m:sSubPr>
-                            <m:e>
-                              <m:r>
-                                <a:rPr sz="1800">
-                                  <a:latin typeface="Cambria Math" panose="02040503050406030204" pitchFamily="18" charset="0"/>
-                                </a:rPr>
-                                <m:t>𝑋</m:t>
-                              </m:r>
-                            </m:e>
-                            <m:sub>
-                              <m:r>
-                                <a:rPr sz="1800">
-                                  <a:latin typeface="Cambria Math" panose="02040503050406030204" pitchFamily="18" charset="0"/>
-                                </a:rPr>
-                                <m:t>1</m:t>
-                              </m:r>
-                              <m:r>
-                                <a:rPr sz="1800">
-                                  <a:latin typeface="Cambria Math" panose="02040503050406030204" pitchFamily="18" charset="0"/>
-                                </a:rPr>
-                                <m:t>𝑖</m:t>
-                              </m:r>
-                            </m:sub>
-                          </m:sSub>
-                          <m:r>
-                            <a:rPr sz="1800">
-                              <a:latin typeface="Cambria Math" panose="02040503050406030204" pitchFamily="18" charset="0"/>
-                            </a:rPr>
-                            <m:t>=1</m:t>
-                          </m:r>
+                          </m:d>
                         </m:e>
-                      </m:d>
-                      <m:r>
-                        <a:rPr sz="1800">
-                          <a:latin typeface="Cambria Math" panose="02040503050406030204" pitchFamily="18" charset="0"/>
-                        </a:rPr>
-                        <m:t>−</m:t>
-                      </m:r>
-                      <m:r>
-                        <m:rPr>
-                          <m:sty m:val="p"/>
-                        </m:rPr>
-                        <a:rPr sz="1800">
-                          <a:latin typeface="Cambria Math" panose="02040503050406030204" pitchFamily="18" charset="0"/>
-                        </a:rPr>
-                        <m:t>Pr</m:t>
-                      </m:r>
-                      <m:d>
-                        <m:dPr>
-                          <m:ctrlPr>
-                            <a:rPr sz="1800" i="1">
-                              <a:latin typeface="Cambria Math" panose="02040503050406030204" pitchFamily="18" charset="0"/>
-                            </a:rPr>
-                          </m:ctrlPr>
-                        </m:dPr>
-                        <m:e>
-                          <m:sSub>
-                            <m:sSubPr>
-                              <m:ctrlPr>
-                                <a:rPr sz="1800" i="1">
-                                  <a:latin typeface="Cambria Math" panose="02040503050406030204" pitchFamily="18" charset="0"/>
-                                </a:rPr>
-                              </m:ctrlPr>
-                            </m:sSubPr>
-                            <m:e>
-                              <m:r>
-                                <a:rPr sz="1800">
-                                  <a:latin typeface="Cambria Math" panose="02040503050406030204" pitchFamily="18" charset="0"/>
-                                </a:rPr>
-                                <m:t>𝑌</m:t>
-                              </m:r>
-                            </m:e>
-                            <m:sub>
-                              <m:r>
-                                <a:rPr sz="1800">
-                                  <a:latin typeface="Cambria Math" panose="02040503050406030204" pitchFamily="18" charset="0"/>
-                                </a:rPr>
-                                <m:t>𝑖</m:t>
-                              </m:r>
-                            </m:sub>
-                          </m:sSub>
-                          <m:r>
-                            <a:rPr sz="1800">
-                              <a:latin typeface="Cambria Math" panose="02040503050406030204" pitchFamily="18" charset="0"/>
-                            </a:rPr>
-                            <m:t>=1∣</m:t>
-                          </m:r>
-                          <m:sSub>
-                            <m:sSubPr>
-                              <m:ctrlPr>
-                                <a:rPr sz="1800" i="1">
-                                  <a:latin typeface="Cambria Math" panose="02040503050406030204" pitchFamily="18" charset="0"/>
-                                </a:rPr>
-                              </m:ctrlPr>
-                            </m:sSubPr>
-                            <m:e>
-                              <m:r>
-                                <a:rPr sz="1800">
-                                  <a:latin typeface="Cambria Math" panose="02040503050406030204" pitchFamily="18" charset="0"/>
-                                </a:rPr>
-                                <m:t>𝑋</m:t>
-                              </m:r>
-                            </m:e>
-                            <m:sub>
-                              <m:r>
-                                <a:rPr sz="1800">
-                                  <a:latin typeface="Cambria Math" panose="02040503050406030204" pitchFamily="18" charset="0"/>
-                                </a:rPr>
-                                <m:t>𝑖</m:t>
-                              </m:r>
-                            </m:sub>
-                          </m:sSub>
-                          <m:r>
-                            <a:rPr sz="1800">
-                              <a:latin typeface="Cambria Math" panose="02040503050406030204" pitchFamily="18" charset="0"/>
-                            </a:rPr>
-                            <m:t>,</m:t>
-                          </m:r>
-                          <m:sSub>
-                            <m:sSubPr>
-                              <m:ctrlPr>
-                                <a:rPr sz="1800" i="1">
-                                  <a:latin typeface="Cambria Math" panose="02040503050406030204" pitchFamily="18" charset="0"/>
-                                </a:rPr>
-                              </m:ctrlPr>
-                            </m:sSubPr>
-                            <m:e>
-                              <m:r>
-                                <a:rPr sz="1800">
-                                  <a:latin typeface="Cambria Math" panose="02040503050406030204" pitchFamily="18" charset="0"/>
-                                </a:rPr>
-                                <m:t>𝑋</m:t>
-                              </m:r>
-                            </m:e>
-                            <m:sub>
-                              <m:r>
-                                <a:rPr sz="1800">
-                                  <a:latin typeface="Cambria Math" panose="02040503050406030204" pitchFamily="18" charset="0"/>
-                                </a:rPr>
-                                <m:t>1</m:t>
-                              </m:r>
-                              <m:r>
-                                <a:rPr sz="1800">
-                                  <a:latin typeface="Cambria Math" panose="02040503050406030204" pitchFamily="18" charset="0"/>
-                                </a:rPr>
-                                <m:t>𝑖</m:t>
-                              </m:r>
-                            </m:sub>
-                          </m:sSub>
-                          <m:r>
-                            <a:rPr sz="1800">
-                              <a:latin typeface="Cambria Math" panose="02040503050406030204" pitchFamily="18" charset="0"/>
-                            </a:rPr>
-                            <m:t>=0</m:t>
-                          </m:r>
-                        </m:e>
-                      </m:d>
+                      </m:nary>
                     </m:oMath>
                   </m:oMathPara>
                 </a14:m>
-                <a:endParaRPr sz="1800" dirty="0"/>
+                <a:endParaRPr/>
               </a:p>
             </p:txBody>
           </p:sp>
@@ -6592,7 +7091,7 @@
               <a:blipFill>
                 <a:blip r:embed="rId2"/>
                 <a:stretch>
-                  <a:fillRect l="-463" t="-1493" b="-39179"/>
+                  <a:fillRect l="-463" t="-2985" b="-22388"/>
                 </a:stretch>
               </a:blipFill>
             </p:spPr>
@@ -6677,6 +7176,719 @@
             <p:ph type="title"/>
           </p:nvPr>
         </p:nvSpPr>
+        <p:spPr/>
+        <p:txBody>
+          <a:bodyPr/>
+          <a:lstStyle/>
+          <a:p>
+            <a:pPr marL="0" lvl="0" indent="0">
+              <a:buNone/>
+            </a:pPr>
+            <a:r>
+              <a:t>14 ロジット・モデルの解釈2</a:t>
+            </a:r>
+          </a:p>
+        </p:txBody>
+      </p:sp>
+      <p:sp>
+        <p:nvSpPr>
+          <p:cNvPr id="3" name="Content Placeholder 2"/>
+          <p:cNvSpPr>
+            <a:spLocks noGrp="1"/>
+          </p:cNvSpPr>
+          <p:nvPr>
+            <p:ph idx="1"/>
+          </p:nvPr>
+        </p:nvSpPr>
+        <p:spPr/>
+        <p:txBody>
+          <a:bodyPr/>
+          <a:lstStyle/>
+          <a:p>
+            <a:pPr lvl="0"/>
+            <a14:m xmlns:a14="http://schemas.microsoft.com/office/drawing/2010/main">
+              <m:oMath xmlns:m="http://schemas.openxmlformats.org/officeDocument/2006/math">
+                <m:f>
+                  <m:fPr>
+                    <m:ctrlPr>
+                      <a:rPr>
+                        <a:latin typeface="Cambria Math" panose="02040503050406030204" pitchFamily="18" charset="0"/>
+                      </a:rPr>
+                    </m:ctrlPr>
+                  </m:fPr>
+                  <m:num>
+                    <m:r>
+                      <a:rPr>
+                        <a:latin typeface="Cambria Math" panose="02040503050406030204" pitchFamily="18" charset="0"/>
+                      </a:rPr>
+                      <m:t>∂</m:t>
+                    </m:r>
+                    <m:r>
+                      <m:rPr>
+                        <m:sty m:val="p"/>
+                      </m:rPr>
+                      <a:rPr>
+                        <a:latin typeface="Cambria Math" panose="02040503050406030204" pitchFamily="18" charset="0"/>
+                      </a:rPr>
+                      <m:t>Λ</m:t>
+                    </m:r>
+                    <m:d>
+                      <m:dPr>
+                        <m:ctrlPr>
+                          <a:rPr i="1">
+                            <a:latin typeface="Cambria Math" panose="02040503050406030204" pitchFamily="18" charset="0"/>
+                          </a:rPr>
+                        </m:ctrlPr>
+                      </m:dPr>
+                      <m:e>
+                        <m:sSub>
+                          <m:sSubPr>
+                            <m:ctrlPr>
+                              <a:rPr i="1">
+                                <a:latin typeface="Cambria Math" panose="02040503050406030204" pitchFamily="18" charset="0"/>
+                              </a:rPr>
+                            </m:ctrlPr>
+                          </m:sSubPr>
+                          <m:e>
+                            <m:r>
+                              <a:rPr>
+                                <a:latin typeface="Cambria Math" panose="02040503050406030204" pitchFamily="18" charset="0"/>
+                              </a:rPr>
+                              <m:t>𝛽</m:t>
+                            </m:r>
+                          </m:e>
+                          <m:sub>
+                            <m:r>
+                              <a:rPr>
+                                <a:latin typeface="Cambria Math" panose="02040503050406030204" pitchFamily="18" charset="0"/>
+                              </a:rPr>
+                              <m:t>0</m:t>
+                            </m:r>
+                          </m:sub>
+                        </m:sSub>
+                        <m:r>
+                          <a:rPr>
+                            <a:latin typeface="Cambria Math" panose="02040503050406030204" pitchFamily="18" charset="0"/>
+                          </a:rPr>
+                          <m:t>+</m:t>
+                        </m:r>
+                        <m:sSub>
+                          <m:sSubPr>
+                            <m:ctrlPr>
+                              <a:rPr i="1">
+                                <a:latin typeface="Cambria Math" panose="02040503050406030204" pitchFamily="18" charset="0"/>
+                              </a:rPr>
+                            </m:ctrlPr>
+                          </m:sSubPr>
+                          <m:e>
+                            <m:r>
+                              <a:rPr>
+                                <a:latin typeface="Cambria Math" panose="02040503050406030204" pitchFamily="18" charset="0"/>
+                              </a:rPr>
+                              <m:t>𝛽</m:t>
+                            </m:r>
+                          </m:e>
+                          <m:sub>
+                            <m:r>
+                              <a:rPr>
+                                <a:latin typeface="Cambria Math" panose="02040503050406030204" pitchFamily="18" charset="0"/>
+                              </a:rPr>
+                              <m:t>1</m:t>
+                            </m:r>
+                          </m:sub>
+                        </m:sSub>
+                        <m:sSub>
+                          <m:sSubPr>
+                            <m:ctrlPr>
+                              <a:rPr i="1">
+                                <a:latin typeface="Cambria Math" panose="02040503050406030204" pitchFamily="18" charset="0"/>
+                              </a:rPr>
+                            </m:ctrlPr>
+                          </m:sSubPr>
+                          <m:e>
+                            <m:r>
+                              <a:rPr>
+                                <a:latin typeface="Cambria Math" panose="02040503050406030204" pitchFamily="18" charset="0"/>
+                              </a:rPr>
+                              <m:t>𝑋</m:t>
+                            </m:r>
+                          </m:e>
+                          <m:sub>
+                            <m:r>
+                              <a:rPr>
+                                <a:latin typeface="Cambria Math" panose="02040503050406030204" pitchFamily="18" charset="0"/>
+                              </a:rPr>
+                              <m:t>1</m:t>
+                            </m:r>
+                          </m:sub>
+                        </m:sSub>
+                        <m:r>
+                          <a:rPr>
+                            <a:latin typeface="Cambria Math" panose="02040503050406030204" pitchFamily="18" charset="0"/>
+                          </a:rPr>
+                          <m:t>+⋯+</m:t>
+                        </m:r>
+                        <m:sSub>
+                          <m:sSubPr>
+                            <m:ctrlPr>
+                              <a:rPr i="1">
+                                <a:latin typeface="Cambria Math" panose="02040503050406030204" pitchFamily="18" charset="0"/>
+                              </a:rPr>
+                            </m:ctrlPr>
+                          </m:sSubPr>
+                          <m:e>
+                            <m:r>
+                              <a:rPr>
+                                <a:latin typeface="Cambria Math" panose="02040503050406030204" pitchFamily="18" charset="0"/>
+                              </a:rPr>
+                              <m:t>𝛽</m:t>
+                            </m:r>
+                          </m:e>
+                          <m:sub>
+                            <m:r>
+                              <a:rPr>
+                                <a:latin typeface="Cambria Math" panose="02040503050406030204" pitchFamily="18" charset="0"/>
+                              </a:rPr>
+                              <m:t>𝑘</m:t>
+                            </m:r>
+                          </m:sub>
+                        </m:sSub>
+                        <m:sSub>
+                          <m:sSubPr>
+                            <m:ctrlPr>
+                              <a:rPr i="1">
+                                <a:latin typeface="Cambria Math" panose="02040503050406030204" pitchFamily="18" charset="0"/>
+                              </a:rPr>
+                            </m:ctrlPr>
+                          </m:sSubPr>
+                          <m:e>
+                            <m:r>
+                              <a:rPr>
+                                <a:latin typeface="Cambria Math" panose="02040503050406030204" pitchFamily="18" charset="0"/>
+                              </a:rPr>
+                              <m:t>𝑋</m:t>
+                            </m:r>
+                          </m:e>
+                          <m:sub>
+                            <m:r>
+                              <a:rPr>
+                                <a:latin typeface="Cambria Math" panose="02040503050406030204" pitchFamily="18" charset="0"/>
+                              </a:rPr>
+                              <m:t>𝑘</m:t>
+                            </m:r>
+                          </m:sub>
+                        </m:sSub>
+                      </m:e>
+                    </m:d>
+                  </m:num>
+                  <m:den>
+                    <m:r>
+                      <a:rPr>
+                        <a:latin typeface="Cambria Math" panose="02040503050406030204" pitchFamily="18" charset="0"/>
+                      </a:rPr>
+                      <m:t>∂</m:t>
+                    </m:r>
+                    <m:sSub>
+                      <m:sSubPr>
+                        <m:ctrlPr>
+                          <a:rPr i="1">
+                            <a:latin typeface="Cambria Math" panose="02040503050406030204" pitchFamily="18" charset="0"/>
+                          </a:rPr>
+                        </m:ctrlPr>
+                      </m:sSubPr>
+                      <m:e>
+                        <m:r>
+                          <a:rPr>
+                            <a:latin typeface="Cambria Math" panose="02040503050406030204" pitchFamily="18" charset="0"/>
+                          </a:rPr>
+                          <m:t>𝑋</m:t>
+                        </m:r>
+                      </m:e>
+                      <m:sub>
+                        <m:r>
+                          <a:rPr>
+                            <a:latin typeface="Cambria Math" panose="02040503050406030204" pitchFamily="18" charset="0"/>
+                          </a:rPr>
+                          <m:t>𝑗</m:t>
+                        </m:r>
+                      </m:sub>
+                    </m:sSub>
+                  </m:den>
+                </m:f>
+                <m:r>
+                  <a:rPr>
+                    <a:latin typeface="Cambria Math" panose="02040503050406030204" pitchFamily="18" charset="0"/>
+                  </a:rPr>
+                  <m:t>=</m:t>
+                </m:r>
+                <m:f>
+                  <m:fPr>
+                    <m:ctrlPr>
+                      <a:rPr i="1">
+                        <a:latin typeface="Cambria Math" panose="02040503050406030204" pitchFamily="18" charset="0"/>
+                      </a:rPr>
+                    </m:ctrlPr>
+                  </m:fPr>
+                  <m:num>
+                    <m:r>
+                      <m:rPr>
+                        <m:sty m:val="p"/>
+                      </m:rPr>
+                      <a:rPr>
+                        <a:latin typeface="Cambria Math" panose="02040503050406030204" pitchFamily="18" charset="0"/>
+                      </a:rPr>
+                      <m:t>exp</m:t>
+                    </m:r>
+                    <m:d>
+                      <m:dPr>
+                        <m:ctrlPr>
+                          <a:rPr i="1">
+                            <a:latin typeface="Cambria Math" panose="02040503050406030204" pitchFamily="18" charset="0"/>
+                          </a:rPr>
+                        </m:ctrlPr>
+                      </m:dPr>
+                      <m:e>
+                        <m:sSub>
+                          <m:sSubPr>
+                            <m:ctrlPr>
+                              <a:rPr i="1">
+                                <a:latin typeface="Cambria Math" panose="02040503050406030204" pitchFamily="18" charset="0"/>
+                              </a:rPr>
+                            </m:ctrlPr>
+                          </m:sSubPr>
+                          <m:e>
+                            <m:r>
+                              <a:rPr>
+                                <a:latin typeface="Cambria Math" panose="02040503050406030204" pitchFamily="18" charset="0"/>
+                              </a:rPr>
+                              <m:t>𝛽</m:t>
+                            </m:r>
+                          </m:e>
+                          <m:sub>
+                            <m:r>
+                              <a:rPr>
+                                <a:latin typeface="Cambria Math" panose="02040503050406030204" pitchFamily="18" charset="0"/>
+                              </a:rPr>
+                              <m:t>0</m:t>
+                            </m:r>
+                          </m:sub>
+                        </m:sSub>
+                        <m:r>
+                          <a:rPr>
+                            <a:latin typeface="Cambria Math" panose="02040503050406030204" pitchFamily="18" charset="0"/>
+                          </a:rPr>
+                          <m:t>+</m:t>
+                        </m:r>
+                        <m:sSub>
+                          <m:sSubPr>
+                            <m:ctrlPr>
+                              <a:rPr i="1">
+                                <a:latin typeface="Cambria Math" panose="02040503050406030204" pitchFamily="18" charset="0"/>
+                              </a:rPr>
+                            </m:ctrlPr>
+                          </m:sSubPr>
+                          <m:e>
+                            <m:r>
+                              <a:rPr>
+                                <a:latin typeface="Cambria Math" panose="02040503050406030204" pitchFamily="18" charset="0"/>
+                              </a:rPr>
+                              <m:t>𝛽</m:t>
+                            </m:r>
+                          </m:e>
+                          <m:sub>
+                            <m:r>
+                              <a:rPr>
+                                <a:latin typeface="Cambria Math" panose="02040503050406030204" pitchFamily="18" charset="0"/>
+                              </a:rPr>
+                              <m:t>1</m:t>
+                            </m:r>
+                          </m:sub>
+                        </m:sSub>
+                        <m:sSub>
+                          <m:sSubPr>
+                            <m:ctrlPr>
+                              <a:rPr i="1">
+                                <a:latin typeface="Cambria Math" panose="02040503050406030204" pitchFamily="18" charset="0"/>
+                              </a:rPr>
+                            </m:ctrlPr>
+                          </m:sSubPr>
+                          <m:e>
+                            <m:r>
+                              <a:rPr>
+                                <a:latin typeface="Cambria Math" panose="02040503050406030204" pitchFamily="18" charset="0"/>
+                              </a:rPr>
+                              <m:t>𝑋</m:t>
+                            </m:r>
+                          </m:e>
+                          <m:sub>
+                            <m:r>
+                              <a:rPr>
+                                <a:latin typeface="Cambria Math" panose="02040503050406030204" pitchFamily="18" charset="0"/>
+                              </a:rPr>
+                              <m:t>1</m:t>
+                            </m:r>
+                          </m:sub>
+                        </m:sSub>
+                        <m:r>
+                          <a:rPr>
+                            <a:latin typeface="Cambria Math" panose="02040503050406030204" pitchFamily="18" charset="0"/>
+                          </a:rPr>
+                          <m:t>+⋯+</m:t>
+                        </m:r>
+                        <m:sSub>
+                          <m:sSubPr>
+                            <m:ctrlPr>
+                              <a:rPr i="1">
+                                <a:latin typeface="Cambria Math" panose="02040503050406030204" pitchFamily="18" charset="0"/>
+                              </a:rPr>
+                            </m:ctrlPr>
+                          </m:sSubPr>
+                          <m:e>
+                            <m:r>
+                              <a:rPr>
+                                <a:latin typeface="Cambria Math" panose="02040503050406030204" pitchFamily="18" charset="0"/>
+                              </a:rPr>
+                              <m:t>𝛽</m:t>
+                            </m:r>
+                          </m:e>
+                          <m:sub>
+                            <m:r>
+                              <a:rPr>
+                                <a:latin typeface="Cambria Math" panose="02040503050406030204" pitchFamily="18" charset="0"/>
+                              </a:rPr>
+                              <m:t>𝑘</m:t>
+                            </m:r>
+                          </m:sub>
+                        </m:sSub>
+                        <m:sSub>
+                          <m:sSubPr>
+                            <m:ctrlPr>
+                              <a:rPr i="1">
+                                <a:latin typeface="Cambria Math" panose="02040503050406030204" pitchFamily="18" charset="0"/>
+                              </a:rPr>
+                            </m:ctrlPr>
+                          </m:sSubPr>
+                          <m:e>
+                            <m:r>
+                              <a:rPr>
+                                <a:latin typeface="Cambria Math" panose="02040503050406030204" pitchFamily="18" charset="0"/>
+                              </a:rPr>
+                              <m:t>𝑋</m:t>
+                            </m:r>
+                          </m:e>
+                          <m:sub>
+                            <m:r>
+                              <a:rPr>
+                                <a:latin typeface="Cambria Math" panose="02040503050406030204" pitchFamily="18" charset="0"/>
+                              </a:rPr>
+                              <m:t>𝑘</m:t>
+                            </m:r>
+                          </m:sub>
+                        </m:sSub>
+                      </m:e>
+                    </m:d>
+                  </m:num>
+                  <m:den>
+                    <m:sSup>
+                      <m:sSupPr>
+                        <m:ctrlPr>
+                          <a:rPr i="1">
+                            <a:latin typeface="Cambria Math" panose="02040503050406030204" pitchFamily="18" charset="0"/>
+                          </a:rPr>
+                        </m:ctrlPr>
+                      </m:sSupPr>
+                      <m:e>
+                        <m:d>
+                          <m:dPr>
+                            <m:ctrlPr>
+                              <a:rPr i="1">
+                                <a:latin typeface="Cambria Math" panose="02040503050406030204" pitchFamily="18" charset="0"/>
+                              </a:rPr>
+                            </m:ctrlPr>
+                          </m:dPr>
+                          <m:e>
+                            <m:r>
+                              <a:rPr>
+                                <a:latin typeface="Cambria Math" panose="02040503050406030204" pitchFamily="18" charset="0"/>
+                              </a:rPr>
+                              <m:t>1+</m:t>
+                            </m:r>
+                            <m:r>
+                              <m:rPr>
+                                <m:sty m:val="p"/>
+                              </m:rPr>
+                              <a:rPr>
+                                <a:latin typeface="Cambria Math" panose="02040503050406030204" pitchFamily="18" charset="0"/>
+                              </a:rPr>
+                              <m:t>exp</m:t>
+                            </m:r>
+                            <m:d>
+                              <m:dPr>
+                                <m:ctrlPr>
+                                  <a:rPr i="1">
+                                    <a:latin typeface="Cambria Math" panose="02040503050406030204" pitchFamily="18" charset="0"/>
+                                  </a:rPr>
+                                </m:ctrlPr>
+                              </m:dPr>
+                              <m:e>
+                                <m:sSub>
+                                  <m:sSubPr>
+                                    <m:ctrlPr>
+                                      <a:rPr i="1">
+                                        <a:latin typeface="Cambria Math" panose="02040503050406030204" pitchFamily="18" charset="0"/>
+                                      </a:rPr>
+                                    </m:ctrlPr>
+                                  </m:sSubPr>
+                                  <m:e>
+                                    <m:r>
+                                      <a:rPr>
+                                        <a:latin typeface="Cambria Math" panose="02040503050406030204" pitchFamily="18" charset="0"/>
+                                      </a:rPr>
+                                      <m:t>𝛽</m:t>
+                                    </m:r>
+                                  </m:e>
+                                  <m:sub>
+                                    <m:r>
+                                      <a:rPr>
+                                        <a:latin typeface="Cambria Math" panose="02040503050406030204" pitchFamily="18" charset="0"/>
+                                      </a:rPr>
+                                      <m:t>0</m:t>
+                                    </m:r>
+                                  </m:sub>
+                                </m:sSub>
+                                <m:r>
+                                  <a:rPr>
+                                    <a:latin typeface="Cambria Math" panose="02040503050406030204" pitchFamily="18" charset="0"/>
+                                  </a:rPr>
+                                  <m:t>+</m:t>
+                                </m:r>
+                                <m:sSub>
+                                  <m:sSubPr>
+                                    <m:ctrlPr>
+                                      <a:rPr i="1">
+                                        <a:latin typeface="Cambria Math" panose="02040503050406030204" pitchFamily="18" charset="0"/>
+                                      </a:rPr>
+                                    </m:ctrlPr>
+                                  </m:sSubPr>
+                                  <m:e>
+                                    <m:r>
+                                      <a:rPr>
+                                        <a:latin typeface="Cambria Math" panose="02040503050406030204" pitchFamily="18" charset="0"/>
+                                      </a:rPr>
+                                      <m:t>𝛽</m:t>
+                                    </m:r>
+                                  </m:e>
+                                  <m:sub>
+                                    <m:r>
+                                      <a:rPr>
+                                        <a:latin typeface="Cambria Math" panose="02040503050406030204" pitchFamily="18" charset="0"/>
+                                      </a:rPr>
+                                      <m:t>1</m:t>
+                                    </m:r>
+                                  </m:sub>
+                                </m:sSub>
+                                <m:sSub>
+                                  <m:sSubPr>
+                                    <m:ctrlPr>
+                                      <a:rPr i="1">
+                                        <a:latin typeface="Cambria Math" panose="02040503050406030204" pitchFamily="18" charset="0"/>
+                                      </a:rPr>
+                                    </m:ctrlPr>
+                                  </m:sSubPr>
+                                  <m:e>
+                                    <m:r>
+                                      <a:rPr>
+                                        <a:latin typeface="Cambria Math" panose="02040503050406030204" pitchFamily="18" charset="0"/>
+                                      </a:rPr>
+                                      <m:t>𝑋</m:t>
+                                    </m:r>
+                                  </m:e>
+                                  <m:sub>
+                                    <m:r>
+                                      <a:rPr>
+                                        <a:latin typeface="Cambria Math" panose="02040503050406030204" pitchFamily="18" charset="0"/>
+                                      </a:rPr>
+                                      <m:t>1</m:t>
+                                    </m:r>
+                                  </m:sub>
+                                </m:sSub>
+                                <m:r>
+                                  <a:rPr>
+                                    <a:latin typeface="Cambria Math" panose="02040503050406030204" pitchFamily="18" charset="0"/>
+                                  </a:rPr>
+                                  <m:t>+⋯+</m:t>
+                                </m:r>
+                                <m:sSub>
+                                  <m:sSubPr>
+                                    <m:ctrlPr>
+                                      <a:rPr i="1">
+                                        <a:latin typeface="Cambria Math" panose="02040503050406030204" pitchFamily="18" charset="0"/>
+                                      </a:rPr>
+                                    </m:ctrlPr>
+                                  </m:sSubPr>
+                                  <m:e>
+                                    <m:r>
+                                      <a:rPr>
+                                        <a:latin typeface="Cambria Math" panose="02040503050406030204" pitchFamily="18" charset="0"/>
+                                      </a:rPr>
+                                      <m:t>𝛽</m:t>
+                                    </m:r>
+                                  </m:e>
+                                  <m:sub>
+                                    <m:r>
+                                      <a:rPr>
+                                        <a:latin typeface="Cambria Math" panose="02040503050406030204" pitchFamily="18" charset="0"/>
+                                      </a:rPr>
+                                      <m:t>𝑘</m:t>
+                                    </m:r>
+                                  </m:sub>
+                                </m:sSub>
+                                <m:sSub>
+                                  <m:sSubPr>
+                                    <m:ctrlPr>
+                                      <a:rPr i="1">
+                                        <a:latin typeface="Cambria Math" panose="02040503050406030204" pitchFamily="18" charset="0"/>
+                                      </a:rPr>
+                                    </m:ctrlPr>
+                                  </m:sSubPr>
+                                  <m:e>
+                                    <m:r>
+                                      <a:rPr>
+                                        <a:latin typeface="Cambria Math" panose="02040503050406030204" pitchFamily="18" charset="0"/>
+                                      </a:rPr>
+                                      <m:t>𝑋</m:t>
+                                    </m:r>
+                                  </m:e>
+                                  <m:sub>
+                                    <m:r>
+                                      <a:rPr>
+                                        <a:latin typeface="Cambria Math" panose="02040503050406030204" pitchFamily="18" charset="0"/>
+                                      </a:rPr>
+                                      <m:t>𝑘</m:t>
+                                    </m:r>
+                                  </m:sub>
+                                </m:sSub>
+                              </m:e>
+                            </m:d>
+                          </m:e>
+                        </m:d>
+                      </m:e>
+                      <m:sup>
+                        <m:r>
+                          <a:rPr>
+                            <a:latin typeface="Cambria Math" panose="02040503050406030204" pitchFamily="18" charset="0"/>
+                          </a:rPr>
+                          <m:t>2</m:t>
+                        </m:r>
+                      </m:sup>
+                    </m:sSup>
+                  </m:den>
+                </m:f>
+                <m:sSub>
+                  <m:sSubPr>
+                    <m:ctrlPr>
+                      <a:rPr i="1">
+                        <a:latin typeface="Cambria Math" panose="02040503050406030204" pitchFamily="18" charset="0"/>
+                      </a:rPr>
+                    </m:ctrlPr>
+                  </m:sSubPr>
+                  <m:e>
+                    <m:r>
+                      <a:rPr>
+                        <a:latin typeface="Cambria Math" panose="02040503050406030204" pitchFamily="18" charset="0"/>
+                      </a:rPr>
+                      <m:t>𝛽</m:t>
+                    </m:r>
+                  </m:e>
+                  <m:sub>
+                    <m:r>
+                      <a:rPr>
+                        <a:latin typeface="Cambria Math" panose="02040503050406030204" pitchFamily="18" charset="0"/>
+                      </a:rPr>
+                      <m:t>𝑗</m:t>
+                    </m:r>
+                  </m:sub>
+                </m:sSub>
+              </m:oMath>
+            </a14:m>
+            <a:r>
+              <a:t>なので，係数の推定値と限界効果の符号は一致する．</a:t>
+            </a:r>
+          </a:p>
+          <a:p>
+            <a:pPr lvl="0"/>
+            <a:r>
+              <a:t>係数の推定値だけでは効果の大きさがわからないが，効果の方向はわかる．</a:t>
+            </a:r>
+          </a:p>
+        </p:txBody>
+      </p:sp>
+      <p:sp>
+        <p:nvSpPr>
+          <p:cNvPr id="6" name="Slide Number Placeholder 5"/>
+          <p:cNvSpPr>
+            <a:spLocks noGrp="1"/>
+          </p:cNvSpPr>
+          <p:nvPr>
+            <p:ph type="sldNum" sz="quarter" idx="12"/>
+          </p:nvPr>
+        </p:nvSpPr>
+        <p:spPr>
+          <a:xfrm>
+            <a:off x="6553200" y="4767263"/>
+            <a:ext cx="2133600" cy="273844"/>
+          </a:xfrm>
+          <a:prstGeom prst="rect">
+            <a:avLst/>
+          </a:prstGeom>
+        </p:spPr>
+        <p:txBody>
+          <a:bodyPr/>
+          <a:lstStyle/>
+          <a:p>
+            <a:fld id="{C5EF2332-01BF-834F-8236-50238282D533}" type="slidenum">
+              <a:rPr lang="en-US" smtClean="0"/>
+              <a:t>15</a:t>
+            </a:fld>
+            <a:endParaRPr lang="en-US"/>
+          </a:p>
+        </p:txBody>
+      </p:sp>
+    </p:spTree>
+  </p:cSld>
+  <p:clrMapOvr>
+    <a:masterClrMapping/>
+  </p:clrMapOvr>
+</p:sld>
+</file>
+
+<file path=ppt/slides/slide16.xml><?xml version="1.0" encoding="utf-8"?>
+<p:sld xmlns:a="http://schemas.openxmlformats.org/drawingml/2006/main" xmlns:r="http://schemas.openxmlformats.org/officeDocument/2006/relationships" xmlns:p="http://schemas.openxmlformats.org/presentationml/2006/main">
+  <p:cSld>
+    <p:spTree>
+      <p:nvGrpSpPr>
+        <p:cNvPr id="1" name=""/>
+        <p:cNvGrpSpPr/>
+        <p:nvPr/>
+      </p:nvGrpSpPr>
+      <p:grpSpPr>
+        <a:xfrm>
+          <a:off x="0" y="0"/>
+          <a:ext cx="0" cy="0"/>
+          <a:chOff x="0" y="0"/>
+          <a:chExt cx="0" cy="0"/>
+        </a:xfrm>
+      </p:grpSpPr>
+      <p:sp>
+        <p:nvSpPr>
+          <p:cNvPr id="2" name="Title 1"/>
+          <p:cNvSpPr>
+            <a:spLocks noGrp="1"/>
+          </p:cNvSpPr>
+          <p:nvPr>
+            <p:ph type="title"/>
+          </p:nvPr>
+        </p:nvSpPr>
         <p:spPr>
           <a:xfrm>
             <a:off x="457201" y="204787"/>
@@ -6691,7 +7903,7 @@
               <a:buNone/>
             </a:pPr>
             <a:r>
-              <a:t>14 平均限界効果の求め方</a:t>
+              <a:t>15 平均限界効果の求め方</a:t>
             </a:r>
           </a:p>
         </p:txBody>
@@ -7224,7 +8436,7 @@
         </p:nvGraphicFramePr>
         <p:xfrm>
           <a:off x="3568700" y="203200"/>
-          <a:ext cx="5105400" cy="4381500"/>
+          <a:ext cx="5105400" cy="1783080"/>
         </p:xfrm>
         <a:graphic>
           <a:graphicData uri="http://schemas.openxmlformats.org/drawingml/2006/table">
@@ -7484,7 +8696,7 @@
           <a:p>
             <a:fld id="{C5EF2332-01BF-834F-8236-50238282D533}" type="slidenum">
               <a:rPr lang="en-US" smtClean="0"/>
-              <a:t>15</a:t>
+              <a:t>16</a:t>
             </a:fld>
             <a:endParaRPr lang="en-US"/>
           </a:p>
@@ -7498,7 +8710,7 @@
 </p:sld>
 </file>
 
-<file path=ppt/slides/slide16.xml><?xml version="1.0" encoding="utf-8"?>
+<file path=ppt/slides/slide17.xml><?xml version="1.0" encoding="utf-8"?>
 <p:sld xmlns:a="http://schemas.openxmlformats.org/drawingml/2006/main" xmlns:r="http://schemas.openxmlformats.org/officeDocument/2006/relationships" xmlns:p="http://schemas.openxmlformats.org/presentationml/2006/main">
   <p:cSld>
     <p:spTree>
@@ -7534,7 +8746,7 @@
               <a:buNone/>
             </a:pPr>
             <a:r>
-              <a:t>15 プロビット・モデル</a:t>
+              <a:t>16 プロビット・モデル</a:t>
             </a:r>
           </a:p>
         </p:txBody>
@@ -7761,28 +8973,58 @@
               </m:oMath>
             </a14:m>
             <a:r>
+              <a:rPr dirty="0"/>
               <a:t>.</a:t>
             </a:r>
           </a:p>
           <a:p>
             <a:pPr lvl="0"/>
             <a:r>
-              <a:t>他は，ロジット・モデルと同様の議論が成り立つ．</a:t>
+              <a:rPr dirty="0" err="1"/>
+              <a:t>他は，ロジット・モデルと同様の議論が成り立つ</a:t>
+            </a:r>
+            <a:r>
+              <a:rPr dirty="0"/>
+              <a:t>．</a:t>
             </a:r>
           </a:p>
           <a:p>
             <a:pPr lvl="0"/>
             <a:r>
+              <a:rPr dirty="0" err="1"/>
               <a:t>Rでは，</a:t>
+            </a:r>
+            <a:r>
+              <a:rPr dirty="0" err="1">
+                <a:latin typeface="Courier"/>
+              </a:rPr>
+              <a:t>glm</a:t>
             </a:r>
             <a:r>
               <a:rPr>
                 <a:latin typeface="Courier"/>
               </a:rPr>
-              <a:t>glm(y ~ x, family = binomial(link = "probit"))</a:t>
-            </a:r>
-            <a:r>
-              <a:t>とすればよい．</a:t>
+              <a:t>(y ~ x, family = binomial(link = "</a:t>
+            </a:r>
+            <a:r>
+              <a:rPr dirty="0" err="1">
+                <a:latin typeface="Courier"/>
+              </a:rPr>
+              <a:t>probit</a:t>
+            </a:r>
+            <a:r>
+              <a:rPr dirty="0">
+                <a:latin typeface="Courier"/>
+              </a:rPr>
+              <a:t>"))</a:t>
+            </a:r>
+            <a:r>
+              <a:rPr dirty="0" err="1"/>
+              <a:t>とすればよい</a:t>
+            </a:r>
+            <a:r>
+              <a:rPr dirty="0"/>
+              <a:t>．</a:t>
             </a:r>
           </a:p>
         </p:txBody>
@@ -7812,7 +9054,7 @@
           <a:p>
             <a:fld id="{C5EF2332-01BF-834F-8236-50238282D533}" type="slidenum">
               <a:rPr lang="en-US" smtClean="0"/>
-              <a:t>16</a:t>
+              <a:t>17</a:t>
             </a:fld>
             <a:endParaRPr lang="en-US"/>
           </a:p>
@@ -7826,7 +9068,7 @@
 </p:sld>
 </file>
 
-<file path=ppt/slides/slide17.xml><?xml version="1.0" encoding="utf-8"?>
+<file path=ppt/slides/slide18.xml><?xml version="1.0" encoding="utf-8"?>
 <p:sld xmlns:a="http://schemas.openxmlformats.org/drawingml/2006/main" xmlns:r="http://schemas.openxmlformats.org/officeDocument/2006/relationships" xmlns:p="http://schemas.openxmlformats.org/presentationml/2006/main">
   <p:cSld>
     <p:spTree>
@@ -7867,7 +9109,7 @@
               <a:buNone/>
             </a:pPr>
             <a:r>
-              <a:t>16 LPM, ロジット，プロビットの比較</a:t>
+              <a:t>17 LPM, ロジット，プロビットの比較</a:t>
             </a:r>
           </a:p>
         </p:txBody>
@@ -7889,7 +9131,7 @@
           <a:p>
             <a:pPr lvl="0"/>
             <a:r>
-              <a:t>LPMの係数，ロジット，プロビットのAMEはだいたい同じ値になることが多い．</a:t>
+              <a:t>LPMの係数，ロジット，プロビットのAMEはだいたい同じような値になることが多い．</a:t>
             </a:r>
           </a:p>
         </p:txBody>
@@ -8469,705 +9711,6 @@
           <a:p>
             <a:fld id="{C5EF2332-01BF-834F-8236-50238282D533}" type="slidenum">
               <a:rPr lang="en-US" smtClean="0"/>
-              <a:t>17</a:t>
-            </a:fld>
-            <a:endParaRPr lang="en-US"/>
-          </a:p>
-        </p:txBody>
-      </p:sp>
-    </p:spTree>
-  </p:cSld>
-  <p:clrMapOvr>
-    <a:masterClrMapping/>
-  </p:clrMapOvr>
-</p:sld>
-</file>
-
-<file path=ppt/slides/slide18.xml><?xml version="1.0" encoding="utf-8"?>
-<p:sld xmlns:a="http://schemas.openxmlformats.org/drawingml/2006/main" xmlns:r="http://schemas.openxmlformats.org/officeDocument/2006/relationships" xmlns:p="http://schemas.openxmlformats.org/presentationml/2006/main">
-  <p:cSld>
-    <p:spTree>
-      <p:nvGrpSpPr>
-        <p:cNvPr id="1" name=""/>
-        <p:cNvGrpSpPr/>
-        <p:nvPr/>
-      </p:nvGrpSpPr>
-      <p:grpSpPr>
-        <a:xfrm>
-          <a:off x="0" y="0"/>
-          <a:ext cx="0" cy="0"/>
-          <a:chOff x="0" y="0"/>
-          <a:chExt cx="0" cy="0"/>
-        </a:xfrm>
-      </p:grpSpPr>
-      <p:sp>
-        <p:nvSpPr>
-          <p:cNvPr id="2" name="Title 1"/>
-          <p:cNvSpPr>
-            <a:spLocks noGrp="1"/>
-          </p:cNvSpPr>
-          <p:nvPr>
-            <p:ph type="title"/>
-          </p:nvPr>
-        </p:nvSpPr>
-        <p:spPr/>
-        <p:txBody>
-          <a:bodyPr/>
-          <a:lstStyle/>
-          <a:p>
-            <a:pPr marL="0" lvl="0" indent="0">
-              <a:buNone/>
-            </a:pPr>
-            <a:r>
-              <a:t>17 潜在変数モデル</a:t>
-            </a:r>
-          </a:p>
-        </p:txBody>
-      </p:sp>
-      <mc:AlternateContent xmlns:mc="http://schemas.openxmlformats.org/markup-compatibility/2006">
-        <mc:Choice xmlns:a14="http://schemas.microsoft.com/office/drawing/2010/main" Requires="a14">
-          <p:sp>
-            <p:nvSpPr>
-              <p:cNvPr id="3" name="Content Placeholder 2"/>
-              <p:cNvSpPr>
-                <a:spLocks noGrp="1"/>
-              </p:cNvSpPr>
-              <p:nvPr>
-                <p:ph idx="1"/>
-              </p:nvPr>
-            </p:nvSpPr>
-            <p:spPr/>
-            <p:txBody>
-              <a:bodyPr>
-                <a:noAutofit/>
-              </a:bodyPr>
-              <a:lstStyle/>
-              <a:p>
-                <a:pPr lvl="0"/>
-                <a:r>
-                  <a:rPr sz="2000" dirty="0" err="1"/>
-                  <a:t>ロジットやプロビットを</a:t>
-                </a:r>
-                <a:r>
-                  <a:rPr sz="2000" b="1" dirty="0" err="1"/>
-                  <a:t>潜在変数</a:t>
-                </a:r>
-                <a:r>
-                  <a:rPr sz="2000" dirty="0" err="1"/>
-                  <a:t>に基づいて導出することもできる</a:t>
-                </a:r>
-                <a:r>
-                  <a:rPr sz="2000" dirty="0"/>
-                  <a:t>．（</a:t>
-                </a:r>
-                <a:r>
-                  <a:rPr sz="2000" dirty="0" err="1"/>
-                  <a:t>ここではプロビットを例に</a:t>
-                </a:r>
-                <a:r>
-                  <a:rPr sz="2000" dirty="0"/>
-                  <a:t>．）</a:t>
-                </a:r>
-              </a:p>
-              <a:p>
-                <a:pPr lvl="0"/>
-                <a:r>
-                  <a:rPr sz="2000" dirty="0" err="1"/>
-                  <a:t>個人の意思決定の場合は，経済学的には効用として解釈できる</a:t>
-                </a:r>
-                <a:r>
-                  <a:rPr sz="2000" dirty="0"/>
-                  <a:t>．</a:t>
-                </a:r>
-              </a:p>
-              <a:p>
-                <a:pPr marL="0" lvl="0" indent="0">
-                  <a:buNone/>
-                </a:pPr>
-                <a14:m>
-                  <m:oMathPara xmlns:m="http://schemas.openxmlformats.org/officeDocument/2006/math">
-                    <m:oMathParaPr>
-                      <m:jc m:val="center"/>
-                    </m:oMathParaPr>
-                    <m:oMath xmlns:m="http://schemas.openxmlformats.org/officeDocument/2006/math">
-                      <m:sSubSup>
-                        <m:sSubSupPr>
-                          <m:ctrlPr>
-                            <a:rPr sz="2000">
-                              <a:latin typeface="Cambria Math" panose="02040503050406030204" pitchFamily="18" charset="0"/>
-                            </a:rPr>
-                          </m:ctrlPr>
-                        </m:sSubSupPr>
-                        <m:e>
-                          <m:r>
-                            <a:rPr sz="2000">
-                              <a:latin typeface="Cambria Math" panose="02040503050406030204" pitchFamily="18" charset="0"/>
-                            </a:rPr>
-                            <m:t>𝑌</m:t>
-                          </m:r>
-                        </m:e>
-                        <m:sub>
-                          <m:r>
-                            <a:rPr sz="2000">
-                              <a:latin typeface="Cambria Math" panose="02040503050406030204" pitchFamily="18" charset="0"/>
-                            </a:rPr>
-                            <m:t>𝑖</m:t>
-                          </m:r>
-                        </m:sub>
-                        <m:sup>
-                          <m:r>
-                            <a:rPr sz="2000">
-                              <a:latin typeface="Cambria Math" panose="02040503050406030204" pitchFamily="18" charset="0"/>
-                            </a:rPr>
-                            <m:t>∗</m:t>
-                          </m:r>
-                        </m:sup>
-                      </m:sSubSup>
-                      <m:r>
-                        <a:rPr sz="2000">
-                          <a:latin typeface="Cambria Math" panose="02040503050406030204" pitchFamily="18" charset="0"/>
-                        </a:rPr>
-                        <m:t>=</m:t>
-                      </m:r>
-                      <m:sSub>
-                        <m:sSubPr>
-                          <m:ctrlPr>
-                            <a:rPr sz="2000" i="1">
-                              <a:latin typeface="Cambria Math" panose="02040503050406030204" pitchFamily="18" charset="0"/>
-                            </a:rPr>
-                          </m:ctrlPr>
-                        </m:sSubPr>
-                        <m:e>
-                          <m:r>
-                            <a:rPr sz="2000">
-                              <a:latin typeface="Cambria Math" panose="02040503050406030204" pitchFamily="18" charset="0"/>
-                            </a:rPr>
-                            <m:t>𝛽</m:t>
-                          </m:r>
-                        </m:e>
-                        <m:sub>
-                          <m:r>
-                            <a:rPr sz="2000">
-                              <a:latin typeface="Cambria Math" panose="02040503050406030204" pitchFamily="18" charset="0"/>
-                            </a:rPr>
-                            <m:t>0</m:t>
-                          </m:r>
-                        </m:sub>
-                      </m:sSub>
-                      <m:r>
-                        <a:rPr sz="2000">
-                          <a:latin typeface="Cambria Math" panose="02040503050406030204" pitchFamily="18" charset="0"/>
-                        </a:rPr>
-                        <m:t>+</m:t>
-                      </m:r>
-                      <m:sSub>
-                        <m:sSubPr>
-                          <m:ctrlPr>
-                            <a:rPr sz="2000" i="1">
-                              <a:latin typeface="Cambria Math" panose="02040503050406030204" pitchFamily="18" charset="0"/>
-                            </a:rPr>
-                          </m:ctrlPr>
-                        </m:sSubPr>
-                        <m:e>
-                          <m:r>
-                            <a:rPr sz="2000">
-                              <a:latin typeface="Cambria Math" panose="02040503050406030204" pitchFamily="18" charset="0"/>
-                            </a:rPr>
-                            <m:t>𝛽</m:t>
-                          </m:r>
-                        </m:e>
-                        <m:sub>
-                          <m:r>
-                            <a:rPr sz="2000">
-                              <a:latin typeface="Cambria Math" panose="02040503050406030204" pitchFamily="18" charset="0"/>
-                            </a:rPr>
-                            <m:t>1</m:t>
-                          </m:r>
-                        </m:sub>
-                      </m:sSub>
-                      <m:sSub>
-                        <m:sSubPr>
-                          <m:ctrlPr>
-                            <a:rPr sz="2000" i="1">
-                              <a:latin typeface="Cambria Math" panose="02040503050406030204" pitchFamily="18" charset="0"/>
-                            </a:rPr>
-                          </m:ctrlPr>
-                        </m:sSubPr>
-                        <m:e>
-                          <m:r>
-                            <a:rPr sz="2000">
-                              <a:latin typeface="Cambria Math" panose="02040503050406030204" pitchFamily="18" charset="0"/>
-                            </a:rPr>
-                            <m:t>𝑋</m:t>
-                          </m:r>
-                        </m:e>
-                        <m:sub>
-                          <m:r>
-                            <a:rPr sz="2000">
-                              <a:latin typeface="Cambria Math" panose="02040503050406030204" pitchFamily="18" charset="0"/>
-                            </a:rPr>
-                            <m:t>1</m:t>
-                          </m:r>
-                          <m:r>
-                            <a:rPr sz="2000">
-                              <a:latin typeface="Cambria Math" panose="02040503050406030204" pitchFamily="18" charset="0"/>
-                            </a:rPr>
-                            <m:t>𝑖</m:t>
-                          </m:r>
-                        </m:sub>
-                      </m:sSub>
-                      <m:r>
-                        <a:rPr sz="2000">
-                          <a:latin typeface="Cambria Math" panose="02040503050406030204" pitchFamily="18" charset="0"/>
-                        </a:rPr>
-                        <m:t>+⋯+</m:t>
-                      </m:r>
-                      <m:sSub>
-                        <m:sSubPr>
-                          <m:ctrlPr>
-                            <a:rPr sz="2000" i="1">
-                              <a:latin typeface="Cambria Math" panose="02040503050406030204" pitchFamily="18" charset="0"/>
-                            </a:rPr>
-                          </m:ctrlPr>
-                        </m:sSubPr>
-                        <m:e>
-                          <m:r>
-                            <a:rPr sz="2000">
-                              <a:latin typeface="Cambria Math" panose="02040503050406030204" pitchFamily="18" charset="0"/>
-                            </a:rPr>
-                            <m:t>𝛽</m:t>
-                          </m:r>
-                        </m:e>
-                        <m:sub>
-                          <m:r>
-                            <a:rPr sz="2000">
-                              <a:latin typeface="Cambria Math" panose="02040503050406030204" pitchFamily="18" charset="0"/>
-                            </a:rPr>
-                            <m:t>𝑘</m:t>
-                          </m:r>
-                        </m:sub>
-                      </m:sSub>
-                      <m:sSub>
-                        <m:sSubPr>
-                          <m:ctrlPr>
-                            <a:rPr sz="2000" i="1">
-                              <a:latin typeface="Cambria Math" panose="02040503050406030204" pitchFamily="18" charset="0"/>
-                            </a:rPr>
-                          </m:ctrlPr>
-                        </m:sSubPr>
-                        <m:e>
-                          <m:r>
-                            <a:rPr sz="2000">
-                              <a:latin typeface="Cambria Math" panose="02040503050406030204" pitchFamily="18" charset="0"/>
-                            </a:rPr>
-                            <m:t>𝑋</m:t>
-                          </m:r>
-                        </m:e>
-                        <m:sub>
-                          <m:r>
-                            <a:rPr sz="2000">
-                              <a:latin typeface="Cambria Math" panose="02040503050406030204" pitchFamily="18" charset="0"/>
-                            </a:rPr>
-                            <m:t>𝑘𝑖</m:t>
-                          </m:r>
-                        </m:sub>
-                      </m:sSub>
-                      <m:r>
-                        <a:rPr sz="2000">
-                          <a:latin typeface="Cambria Math" panose="02040503050406030204" pitchFamily="18" charset="0"/>
-                        </a:rPr>
-                        <m:t>+</m:t>
-                      </m:r>
-                      <m:sSub>
-                        <m:sSubPr>
-                          <m:ctrlPr>
-                            <a:rPr sz="2000" i="1">
-                              <a:latin typeface="Cambria Math" panose="02040503050406030204" pitchFamily="18" charset="0"/>
-                            </a:rPr>
-                          </m:ctrlPr>
-                        </m:sSubPr>
-                        <m:e>
-                          <m:r>
-                            <a:rPr sz="2000">
-                              <a:latin typeface="Cambria Math" panose="02040503050406030204" pitchFamily="18" charset="0"/>
-                            </a:rPr>
-                            <m:t>𝑢</m:t>
-                          </m:r>
-                        </m:e>
-                        <m:sub>
-                          <m:r>
-                            <a:rPr sz="2000">
-                              <a:latin typeface="Cambria Math" panose="02040503050406030204" pitchFamily="18" charset="0"/>
-                            </a:rPr>
-                            <m:t>𝑖</m:t>
-                          </m:r>
-                        </m:sub>
-                      </m:sSub>
-                    </m:oMath>
-                  </m:oMathPara>
-                </a14:m>
-                <a:endParaRPr sz="2000" dirty="0"/>
-              </a:p>
-              <a:p>
-                <a:pPr marL="0" lvl="0" indent="0">
-                  <a:buNone/>
-                </a:pPr>
-                <a14:m>
-                  <m:oMathPara xmlns:m="http://schemas.openxmlformats.org/officeDocument/2006/math">
-                    <m:oMathParaPr>
-                      <m:jc m:val="center"/>
-                    </m:oMathParaPr>
-                    <m:oMath xmlns:m="http://schemas.openxmlformats.org/officeDocument/2006/math">
-                      <m:sSub>
-                        <m:sSubPr>
-                          <m:ctrlPr>
-                            <a:rPr sz="2000">
-                              <a:latin typeface="Cambria Math" panose="02040503050406030204" pitchFamily="18" charset="0"/>
-                            </a:rPr>
-                          </m:ctrlPr>
-                        </m:sSubPr>
-                        <m:e>
-                          <m:r>
-                            <a:rPr sz="2000">
-                              <a:latin typeface="Cambria Math" panose="02040503050406030204" pitchFamily="18" charset="0"/>
-                            </a:rPr>
-                            <m:t>𝑢</m:t>
-                          </m:r>
-                        </m:e>
-                        <m:sub>
-                          <m:r>
-                            <a:rPr sz="2000">
-                              <a:latin typeface="Cambria Math" panose="02040503050406030204" pitchFamily="18" charset="0"/>
-                            </a:rPr>
-                            <m:t>𝑖</m:t>
-                          </m:r>
-                        </m:sub>
-                      </m:sSub>
-                      <m:r>
-                        <a:rPr sz="2000">
-                          <a:latin typeface="Cambria Math" panose="02040503050406030204" pitchFamily="18" charset="0"/>
-                        </a:rPr>
-                        <m:t>∣</m:t>
-                      </m:r>
-                      <m:r>
-                        <a:rPr sz="2000">
-                          <a:latin typeface="Cambria Math" panose="02040503050406030204" pitchFamily="18" charset="0"/>
-                        </a:rPr>
-                        <m:t>𝑋</m:t>
-                      </m:r>
-                      <m:r>
-                        <a:rPr sz="2000">
-                          <a:latin typeface="Cambria Math" panose="02040503050406030204" pitchFamily="18" charset="0"/>
-                        </a:rPr>
-                        <m:t>∼</m:t>
-                      </m:r>
-                      <m:r>
-                        <a:rPr sz="2000">
-                          <a:latin typeface="Cambria Math" panose="02040503050406030204" pitchFamily="18" charset="0"/>
-                        </a:rPr>
-                        <m:t>𝑁</m:t>
-                      </m:r>
-                      <m:d>
-                        <m:dPr>
-                          <m:ctrlPr>
-                            <a:rPr sz="2000" i="1">
-                              <a:latin typeface="Cambria Math" panose="02040503050406030204" pitchFamily="18" charset="0"/>
-                            </a:rPr>
-                          </m:ctrlPr>
-                        </m:dPr>
-                        <m:e>
-                          <m:r>
-                            <a:rPr sz="2000">
-                              <a:latin typeface="Cambria Math" panose="02040503050406030204" pitchFamily="18" charset="0"/>
-                            </a:rPr>
-                            <m:t>0,1</m:t>
-                          </m:r>
-                        </m:e>
-                      </m:d>
-                    </m:oMath>
-                  </m:oMathPara>
-                </a14:m>
-                <a:endParaRPr sz="2000" dirty="0"/>
-              </a:p>
-              <a:p>
-                <a:pPr marL="0" lvl="0" indent="0">
-                  <a:buNone/>
-                </a:pPr>
-                <a:r>
-                  <a:rPr sz="2000" dirty="0" err="1"/>
-                  <a:t>として</a:t>
-                </a:r>
-                <a:r>
-                  <a:rPr sz="2000" dirty="0"/>
-                  <a:t>，</a:t>
-                </a:r>
-              </a:p>
-              <a:p>
-                <a:pPr marL="0" lvl="0" indent="0">
-                  <a:buNone/>
-                </a:pPr>
-                <a14:m>
-                  <m:oMathPara xmlns:m="http://schemas.openxmlformats.org/officeDocument/2006/math">
-                    <m:oMathParaPr>
-                      <m:jc m:val="center"/>
-                    </m:oMathParaPr>
-                    <m:oMath xmlns:m="http://schemas.openxmlformats.org/officeDocument/2006/math">
-                      <m:sSub>
-                        <m:sSubPr>
-                          <m:ctrlPr>
-                            <a:rPr sz="2000">
-                              <a:latin typeface="Cambria Math" panose="02040503050406030204" pitchFamily="18" charset="0"/>
-                            </a:rPr>
-                          </m:ctrlPr>
-                        </m:sSubPr>
-                        <m:e>
-                          <m:r>
-                            <a:rPr sz="2000">
-                              <a:latin typeface="Cambria Math" panose="02040503050406030204" pitchFamily="18" charset="0"/>
-                            </a:rPr>
-                            <m:t>𝑌</m:t>
-                          </m:r>
-                        </m:e>
-                        <m:sub>
-                          <m:r>
-                            <a:rPr sz="2000">
-                              <a:latin typeface="Cambria Math" panose="02040503050406030204" pitchFamily="18" charset="0"/>
-                            </a:rPr>
-                            <m:t>𝑖</m:t>
-                          </m:r>
-                        </m:sub>
-                      </m:sSub>
-                      <m:r>
-                        <a:rPr sz="2000">
-                          <a:latin typeface="Cambria Math" panose="02040503050406030204" pitchFamily="18" charset="0"/>
-                        </a:rPr>
-                        <m:t>=</m:t>
-                      </m:r>
-                      <m:d>
-                        <m:dPr>
-                          <m:begChr m:val="{"/>
-                          <m:endChr m:val=""/>
-                          <m:ctrlPr>
-                            <a:rPr sz="2000" i="1">
-                              <a:latin typeface="Cambria Math" panose="02040503050406030204" pitchFamily="18" charset="0"/>
-                            </a:rPr>
-                          </m:ctrlPr>
-                        </m:dPr>
-                        <m:e>
-                          <m:m>
-                            <m:mPr>
-                              <m:mcs>
-                                <m:mc>
-                                  <m:mcPr>
-                                    <m:count m:val="2"/>
-                                    <m:mcJc m:val="center"/>
-                                  </m:mcPr>
-                                </m:mc>
-                              </m:mcs>
-                              <m:ctrlPr>
-                                <a:rPr sz="2000" i="1">
-                                  <a:latin typeface="Cambria Math" panose="02040503050406030204" pitchFamily="18" charset="0"/>
-                                </a:rPr>
-                              </m:ctrlPr>
-                            </m:mPr>
-                            <m:mr>
-                              <m:e>
-                                <m:r>
-                                  <a:rPr sz="2000">
-                                    <a:latin typeface="Cambria Math" panose="02040503050406030204" pitchFamily="18" charset="0"/>
-                                  </a:rPr>
-                                  <m:t>0</m:t>
-                                </m:r>
-                              </m:e>
-                              <m:e>
-                                <m:d>
-                                  <m:dPr>
-                                    <m:ctrlPr>
-                                      <a:rPr sz="2000" i="1">
-                                        <a:latin typeface="Cambria Math" panose="02040503050406030204" pitchFamily="18" charset="0"/>
-                                      </a:rPr>
-                                    </m:ctrlPr>
-                                  </m:dPr>
-                                  <m:e>
-                                    <m:sSubSup>
-                                      <m:sSubSupPr>
-                                        <m:ctrlPr>
-                                          <a:rPr sz="2000" i="1">
-                                            <a:latin typeface="Cambria Math" panose="02040503050406030204" pitchFamily="18" charset="0"/>
-                                          </a:rPr>
-                                        </m:ctrlPr>
-                                      </m:sSubSupPr>
-                                      <m:e>
-                                        <m:r>
-                                          <a:rPr sz="2000">
-                                            <a:latin typeface="Cambria Math" panose="02040503050406030204" pitchFamily="18" charset="0"/>
-                                          </a:rPr>
-                                          <m:t>𝑌</m:t>
-                                        </m:r>
-                                      </m:e>
-                                      <m:sub>
-                                        <m:r>
-                                          <a:rPr sz="2000">
-                                            <a:latin typeface="Cambria Math" panose="02040503050406030204" pitchFamily="18" charset="0"/>
-                                          </a:rPr>
-                                          <m:t>𝑖</m:t>
-                                        </m:r>
-                                      </m:sub>
-                                      <m:sup>
-                                        <m:r>
-                                          <a:rPr sz="2000">
-                                            <a:latin typeface="Cambria Math" panose="02040503050406030204" pitchFamily="18" charset="0"/>
-                                          </a:rPr>
-                                          <m:t>∗</m:t>
-                                        </m:r>
-                                      </m:sup>
-                                    </m:sSubSup>
-                                    <m:r>
-                                      <a:rPr sz="2000">
-                                        <a:latin typeface="Cambria Math" panose="02040503050406030204" pitchFamily="18" charset="0"/>
-                                      </a:rPr>
-                                      <m:t>≤0</m:t>
-                                    </m:r>
-                                  </m:e>
-                                </m:d>
-                              </m:e>
-                            </m:mr>
-                            <m:mr>
-                              <m:e/>
-                              <m:e/>
-                            </m:mr>
-                            <m:mr>
-                              <m:e>
-                                <m:r>
-                                  <a:rPr sz="2000">
-                                    <a:latin typeface="Cambria Math" panose="02040503050406030204" pitchFamily="18" charset="0"/>
-                                  </a:rPr>
-                                  <m:t>1</m:t>
-                                </m:r>
-                              </m:e>
-                              <m:e>
-                                <m:d>
-                                  <m:dPr>
-                                    <m:ctrlPr>
-                                      <a:rPr sz="2000" i="1">
-                                        <a:latin typeface="Cambria Math" panose="02040503050406030204" pitchFamily="18" charset="0"/>
-                                      </a:rPr>
-                                    </m:ctrlPr>
-                                  </m:dPr>
-                                  <m:e>
-                                    <m:sSubSup>
-                                      <m:sSubSupPr>
-                                        <m:ctrlPr>
-                                          <a:rPr sz="2000" i="1">
-                                            <a:latin typeface="Cambria Math" panose="02040503050406030204" pitchFamily="18" charset="0"/>
-                                          </a:rPr>
-                                        </m:ctrlPr>
-                                      </m:sSubSupPr>
-                                      <m:e>
-                                        <m:r>
-                                          <a:rPr sz="2000">
-                                            <a:latin typeface="Cambria Math" panose="02040503050406030204" pitchFamily="18" charset="0"/>
-                                          </a:rPr>
-                                          <m:t>𝑌</m:t>
-                                        </m:r>
-                                      </m:e>
-                                      <m:sub>
-                                        <m:r>
-                                          <a:rPr sz="2000">
-                                            <a:latin typeface="Cambria Math" panose="02040503050406030204" pitchFamily="18" charset="0"/>
-                                          </a:rPr>
-                                          <m:t>𝑖</m:t>
-                                        </m:r>
-                                      </m:sub>
-                                      <m:sup>
-                                        <m:r>
-                                          <a:rPr sz="2000">
-                                            <a:latin typeface="Cambria Math" panose="02040503050406030204" pitchFamily="18" charset="0"/>
-                                          </a:rPr>
-                                          <m:t>∗</m:t>
-                                        </m:r>
-                                      </m:sup>
-                                    </m:sSubSup>
-                                    <m:r>
-                                      <a:rPr sz="2000">
-                                        <a:latin typeface="Cambria Math" panose="02040503050406030204" pitchFamily="18" charset="0"/>
-                                      </a:rPr>
-                                      <m:t>&gt;0</m:t>
-                                    </m:r>
-                                  </m:e>
-                                </m:d>
-                              </m:e>
-                            </m:mr>
-                          </m:m>
-                        </m:e>
-                      </m:d>
-                    </m:oMath>
-                  </m:oMathPara>
-                </a14:m>
-                <a:endParaRPr sz="2000" dirty="0"/>
-              </a:p>
-            </p:txBody>
-          </p:sp>
-        </mc:Choice>
-        <mc:Fallback>
-          <p:sp>
-            <p:nvSpPr>
-              <p:cNvPr id="3" name="Content Placeholder 2"/>
-              <p:cNvSpPr>
-                <a:spLocks noGrp="1" noRot="1" noChangeAspect="1" noMove="1" noResize="1" noEditPoints="1" noAdjustHandles="1" noChangeArrowheads="1" noChangeShapeType="1" noTextEdit="1"/>
-              </p:cNvSpPr>
-              <p:nvPr>
-                <p:ph idx="1"/>
-              </p:nvPr>
-            </p:nvSpPr>
-            <p:spPr>
-              <a:blipFill>
-                <a:blip r:embed="rId2"/>
-                <a:stretch>
-                  <a:fillRect l="-772" t="-20896" b="-104478"/>
-                </a:stretch>
-              </a:blipFill>
-            </p:spPr>
-            <p:txBody>
-              <a:bodyPr/>
-              <a:lstStyle/>
-              <a:p>
-                <a:r>
-                  <a:rPr lang="en-JP">
-                    <a:noFill/>
-                  </a:rPr>
-                  <a:t> </a:t>
-                </a:r>
-              </a:p>
-            </p:txBody>
-          </p:sp>
-        </mc:Fallback>
-      </mc:AlternateContent>
-      <p:sp>
-        <p:nvSpPr>
-          <p:cNvPr id="6" name="Slide Number Placeholder 5"/>
-          <p:cNvSpPr>
-            <a:spLocks noGrp="1"/>
-          </p:cNvSpPr>
-          <p:nvPr>
-            <p:ph type="sldNum" sz="quarter" idx="12"/>
-          </p:nvPr>
-        </p:nvSpPr>
-        <p:spPr>
-          <a:xfrm>
-            <a:off x="6553200" y="4767263"/>
-            <a:ext cx="2133600" cy="273844"/>
-          </a:xfrm>
-          <a:prstGeom prst="rect">
-            <a:avLst/>
-          </a:prstGeom>
-        </p:spPr>
-        <p:txBody>
-          <a:bodyPr/>
-          <a:lstStyle/>
-          <a:p>
-            <a:fld id="{C5EF2332-01BF-834F-8236-50238282D533}" type="slidenum">
-              <a:rPr lang="en-US" smtClean="0"/>
               <a:t>18</a:t>
             </a:fld>
             <a:endParaRPr lang="en-US"/>
@@ -9218,6 +9761,1157 @@
               <a:buNone/>
             </a:pPr>
             <a:r>
+              <a:t>18 潜在変数モデル</a:t>
+            </a:r>
+          </a:p>
+        </p:txBody>
+      </p:sp>
+      <mc:AlternateContent xmlns:mc="http://schemas.openxmlformats.org/markup-compatibility/2006">
+        <mc:Choice xmlns:a14="http://schemas.microsoft.com/office/drawing/2010/main" Requires="a14">
+          <p:sp>
+            <p:nvSpPr>
+              <p:cNvPr id="3" name="Content Placeholder 2"/>
+              <p:cNvSpPr>
+                <a:spLocks noGrp="1"/>
+              </p:cNvSpPr>
+              <p:nvPr>
+                <p:ph idx="1"/>
+              </p:nvPr>
+            </p:nvSpPr>
+            <p:spPr/>
+            <p:txBody>
+              <a:bodyPr>
+                <a:normAutofit lnSpcReduction="10000"/>
+              </a:bodyPr>
+              <a:lstStyle/>
+              <a:p>
+                <a:pPr lvl="0"/>
+                <a:r>
+                  <a:rPr lang="ja-JP" altLang="en-US" sz="1800" dirty="0"/>
+                  <a:t>ロジットやプロビットを</a:t>
+                </a:r>
+                <a:r>
+                  <a:rPr lang="ja-JP" altLang="en-US" sz="1800" b="1" dirty="0" err="1"/>
+                  <a:t>潜在変数</a:t>
+                </a:r>
+                <a:r>
+                  <a:rPr lang="ja-JP" altLang="en-US" sz="1800" dirty="0" err="1"/>
+                  <a:t>に基づいて導出することもできる</a:t>
+                </a:r>
+                <a:r>
+                  <a:rPr lang="ja-JP" altLang="en-US" sz="1800" dirty="0"/>
+                  <a:t>．（</a:t>
+                </a:r>
+                <a:r>
+                  <a:rPr lang="ja-JP" altLang="en-US" sz="1800" dirty="0" err="1"/>
+                  <a:t>ここではプロビットを例に</a:t>
+                </a:r>
+                <a:r>
+                  <a:rPr lang="ja-JP" altLang="en-US" sz="1800" dirty="0"/>
+                  <a:t>．）</a:t>
+                </a:r>
+              </a:p>
+              <a:p>
+                <a:pPr lvl="0"/>
+                <a:r>
+                  <a:rPr lang="ja-JP" altLang="en-US" sz="1800" dirty="0" err="1"/>
+                  <a:t>個人の意思決定の場合は，経済学的には効用として解釈できる</a:t>
+                </a:r>
+                <a:r>
+                  <a:rPr lang="ja-JP" altLang="en-US" sz="1800" dirty="0"/>
+                  <a:t>．</a:t>
+                </a:r>
+                <a:br>
+                  <a:rPr lang="ja-JP" altLang="en-US" sz="1800" dirty="0"/>
+                </a:br>
+                <a:endParaRPr lang="ja-JP" altLang="en-US" sz="1800" dirty="0"/>
+              </a:p>
+              <a:p>
+                <a:pPr marL="0" lvl="0" indent="0">
+                  <a:buNone/>
+                </a:pPr>
+                <a14:m>
+                  <m:oMathPara xmlns:m="http://schemas.openxmlformats.org/officeDocument/2006/math">
+                    <m:oMathParaPr>
+                      <m:jc m:val="center"/>
+                    </m:oMathParaPr>
+                    <m:oMath xmlns:m="http://schemas.openxmlformats.org/officeDocument/2006/math">
+                      <m:sSubSup>
+                        <m:sSubSupPr>
+                          <m:ctrlPr>
+                            <a:rPr lang="ar-AE" sz="1800">
+                              <a:latin typeface="Cambria Math" panose="02040503050406030204" pitchFamily="18" charset="0"/>
+                            </a:rPr>
+                          </m:ctrlPr>
+                        </m:sSubSupPr>
+                        <m:e>
+                          <m:r>
+                            <a:rPr lang="ar-AE" sz="1800">
+                              <a:latin typeface="Cambria Math" panose="02040503050406030204" pitchFamily="18" charset="0"/>
+                            </a:rPr>
+                            <m:t>𝑌</m:t>
+                          </m:r>
+                        </m:e>
+                        <m:sub>
+                          <m:r>
+                            <a:rPr lang="ar-AE" sz="1800">
+                              <a:latin typeface="Cambria Math" panose="02040503050406030204" pitchFamily="18" charset="0"/>
+                            </a:rPr>
+                            <m:t>𝑖</m:t>
+                          </m:r>
+                        </m:sub>
+                        <m:sup>
+                          <m:r>
+                            <a:rPr lang="ar-AE" sz="1800">
+                              <a:latin typeface="Cambria Math" panose="02040503050406030204" pitchFamily="18" charset="0"/>
+                            </a:rPr>
+                            <m:t>∗</m:t>
+                          </m:r>
+                        </m:sup>
+                      </m:sSubSup>
+                      <m:r>
+                        <a:rPr lang="ar-AE" sz="1800">
+                          <a:latin typeface="Cambria Math" panose="02040503050406030204" pitchFamily="18" charset="0"/>
+                        </a:rPr>
+                        <m:t>=</m:t>
+                      </m:r>
+                      <m:sSub>
+                        <m:sSubPr>
+                          <m:ctrlPr>
+                            <a:rPr lang="ar-AE" sz="1800" i="1">
+                              <a:latin typeface="Cambria Math" panose="02040503050406030204" pitchFamily="18" charset="0"/>
+                            </a:rPr>
+                          </m:ctrlPr>
+                        </m:sSubPr>
+                        <m:e>
+                          <m:r>
+                            <a:rPr lang="ar-AE" sz="1800">
+                              <a:latin typeface="Cambria Math" panose="02040503050406030204" pitchFamily="18" charset="0"/>
+                            </a:rPr>
+                            <m:t>𝛽</m:t>
+                          </m:r>
+                        </m:e>
+                        <m:sub>
+                          <m:r>
+                            <a:rPr lang="ar-AE" sz="1800">
+                              <a:latin typeface="Cambria Math" panose="02040503050406030204" pitchFamily="18" charset="0"/>
+                            </a:rPr>
+                            <m:t>0</m:t>
+                          </m:r>
+                        </m:sub>
+                      </m:sSub>
+                      <m:r>
+                        <a:rPr lang="ar-AE" sz="1800">
+                          <a:latin typeface="Cambria Math" panose="02040503050406030204" pitchFamily="18" charset="0"/>
+                        </a:rPr>
+                        <m:t>+</m:t>
+                      </m:r>
+                      <m:sSub>
+                        <m:sSubPr>
+                          <m:ctrlPr>
+                            <a:rPr lang="ar-AE" sz="1800" i="1">
+                              <a:latin typeface="Cambria Math" panose="02040503050406030204" pitchFamily="18" charset="0"/>
+                            </a:rPr>
+                          </m:ctrlPr>
+                        </m:sSubPr>
+                        <m:e>
+                          <m:r>
+                            <a:rPr lang="ar-AE" sz="1800">
+                              <a:latin typeface="Cambria Math" panose="02040503050406030204" pitchFamily="18" charset="0"/>
+                            </a:rPr>
+                            <m:t>𝛽</m:t>
+                          </m:r>
+                        </m:e>
+                        <m:sub>
+                          <m:r>
+                            <a:rPr lang="ar-AE" sz="1800">
+                              <a:latin typeface="Cambria Math" panose="02040503050406030204" pitchFamily="18" charset="0"/>
+                            </a:rPr>
+                            <m:t>1</m:t>
+                          </m:r>
+                        </m:sub>
+                      </m:sSub>
+                      <m:sSub>
+                        <m:sSubPr>
+                          <m:ctrlPr>
+                            <a:rPr lang="ar-AE" sz="1800" i="1">
+                              <a:latin typeface="Cambria Math" panose="02040503050406030204" pitchFamily="18" charset="0"/>
+                            </a:rPr>
+                          </m:ctrlPr>
+                        </m:sSubPr>
+                        <m:e>
+                          <m:r>
+                            <a:rPr lang="ar-AE" sz="1800">
+                              <a:latin typeface="Cambria Math" panose="02040503050406030204" pitchFamily="18" charset="0"/>
+                            </a:rPr>
+                            <m:t>𝑋</m:t>
+                          </m:r>
+                        </m:e>
+                        <m:sub>
+                          <m:r>
+                            <a:rPr lang="ar-AE" sz="1800">
+                              <a:latin typeface="Cambria Math" panose="02040503050406030204" pitchFamily="18" charset="0"/>
+                            </a:rPr>
+                            <m:t>1</m:t>
+                          </m:r>
+                          <m:r>
+                            <a:rPr lang="ar-AE" sz="1800">
+                              <a:latin typeface="Cambria Math" panose="02040503050406030204" pitchFamily="18" charset="0"/>
+                            </a:rPr>
+                            <m:t>𝑖</m:t>
+                          </m:r>
+                        </m:sub>
+                      </m:sSub>
+                      <m:r>
+                        <a:rPr lang="ar-AE" sz="1800">
+                          <a:latin typeface="Cambria Math" panose="02040503050406030204" pitchFamily="18" charset="0"/>
+                        </a:rPr>
+                        <m:t>+⋯+</m:t>
+                      </m:r>
+                      <m:sSub>
+                        <m:sSubPr>
+                          <m:ctrlPr>
+                            <a:rPr lang="ar-AE" sz="1800" i="1">
+                              <a:latin typeface="Cambria Math" panose="02040503050406030204" pitchFamily="18" charset="0"/>
+                            </a:rPr>
+                          </m:ctrlPr>
+                        </m:sSubPr>
+                        <m:e>
+                          <m:r>
+                            <a:rPr lang="ar-AE" sz="1800">
+                              <a:latin typeface="Cambria Math" panose="02040503050406030204" pitchFamily="18" charset="0"/>
+                            </a:rPr>
+                            <m:t>𝛽</m:t>
+                          </m:r>
+                        </m:e>
+                        <m:sub>
+                          <m:r>
+                            <a:rPr lang="ar-AE" sz="1800">
+                              <a:latin typeface="Cambria Math" panose="02040503050406030204" pitchFamily="18" charset="0"/>
+                            </a:rPr>
+                            <m:t>𝑘</m:t>
+                          </m:r>
+                        </m:sub>
+                      </m:sSub>
+                      <m:sSub>
+                        <m:sSubPr>
+                          <m:ctrlPr>
+                            <a:rPr lang="ar-AE" sz="1800" i="1">
+                              <a:latin typeface="Cambria Math" panose="02040503050406030204" pitchFamily="18" charset="0"/>
+                            </a:rPr>
+                          </m:ctrlPr>
+                        </m:sSubPr>
+                        <m:e>
+                          <m:r>
+                            <a:rPr lang="ar-AE" sz="1800">
+                              <a:latin typeface="Cambria Math" panose="02040503050406030204" pitchFamily="18" charset="0"/>
+                            </a:rPr>
+                            <m:t>𝑋</m:t>
+                          </m:r>
+                        </m:e>
+                        <m:sub>
+                          <m:r>
+                            <a:rPr lang="ar-AE" sz="1800">
+                              <a:latin typeface="Cambria Math" panose="02040503050406030204" pitchFamily="18" charset="0"/>
+                            </a:rPr>
+                            <m:t>𝑘𝑖</m:t>
+                          </m:r>
+                        </m:sub>
+                      </m:sSub>
+                      <m:r>
+                        <a:rPr lang="ar-AE" sz="1800">
+                          <a:latin typeface="Cambria Math" panose="02040503050406030204" pitchFamily="18" charset="0"/>
+                        </a:rPr>
+                        <m:t>+</m:t>
+                      </m:r>
+                      <m:sSub>
+                        <m:sSubPr>
+                          <m:ctrlPr>
+                            <a:rPr lang="ar-AE" sz="1800" i="1">
+                              <a:latin typeface="Cambria Math" panose="02040503050406030204" pitchFamily="18" charset="0"/>
+                            </a:rPr>
+                          </m:ctrlPr>
+                        </m:sSubPr>
+                        <m:e>
+                          <m:r>
+                            <a:rPr lang="ar-AE" sz="1800">
+                              <a:latin typeface="Cambria Math" panose="02040503050406030204" pitchFamily="18" charset="0"/>
+                            </a:rPr>
+                            <m:t>𝑢</m:t>
+                          </m:r>
+                        </m:e>
+                        <m:sub>
+                          <m:r>
+                            <a:rPr lang="ar-AE" sz="1800">
+                              <a:latin typeface="Cambria Math" panose="02040503050406030204" pitchFamily="18" charset="0"/>
+                            </a:rPr>
+                            <m:t>𝑖</m:t>
+                          </m:r>
+                        </m:sub>
+                      </m:sSub>
+                    </m:oMath>
+                    <m:oMath xmlns:m="http://schemas.openxmlformats.org/officeDocument/2006/math">
+                      <m:r>
+                        <a:rPr lang="en-US" sz="1800" b="0" i="1" smtClean="0">
+                          <a:latin typeface="Cambria Math" panose="02040503050406030204" pitchFamily="18" charset="0"/>
+                        </a:rPr>
+                        <m:t> </m:t>
+                      </m:r>
+                    </m:oMath>
+                  </m:oMathPara>
+                </a14:m>
+                <a:br>
+                  <a:rPr lang="ar-AE" sz="1800" dirty="0"/>
+                </a:br>
+                <a:endParaRPr lang="ar-AE" sz="1800" dirty="0"/>
+              </a:p>
+              <a:p>
+                <a:pPr marL="0" lvl="0" indent="0">
+                  <a:buNone/>
+                </a:pPr>
+                <a14:m>
+                  <m:oMathPara xmlns:m="http://schemas.openxmlformats.org/officeDocument/2006/math">
+                    <m:oMathParaPr>
+                      <m:jc m:val="center"/>
+                    </m:oMathParaPr>
+                    <m:oMath xmlns:m="http://schemas.openxmlformats.org/officeDocument/2006/math">
+                      <m:sSub>
+                        <m:sSubPr>
+                          <m:ctrlPr>
+                            <a:rPr lang="ar-AE" sz="1800">
+                              <a:latin typeface="Cambria Math" panose="02040503050406030204" pitchFamily="18" charset="0"/>
+                            </a:rPr>
+                          </m:ctrlPr>
+                        </m:sSubPr>
+                        <m:e>
+                          <m:r>
+                            <a:rPr lang="ar-AE" sz="1800">
+                              <a:latin typeface="Cambria Math" panose="02040503050406030204" pitchFamily="18" charset="0"/>
+                            </a:rPr>
+                            <m:t>𝑢</m:t>
+                          </m:r>
+                        </m:e>
+                        <m:sub>
+                          <m:r>
+                            <a:rPr lang="ar-AE" sz="1800">
+                              <a:latin typeface="Cambria Math" panose="02040503050406030204" pitchFamily="18" charset="0"/>
+                            </a:rPr>
+                            <m:t>𝑖</m:t>
+                          </m:r>
+                        </m:sub>
+                      </m:sSub>
+                      <m:r>
+                        <a:rPr lang="ar-AE" sz="1800">
+                          <a:latin typeface="Cambria Math" panose="02040503050406030204" pitchFamily="18" charset="0"/>
+                        </a:rPr>
+                        <m:t>∣</m:t>
+                      </m:r>
+                      <m:r>
+                        <a:rPr lang="ar-AE" sz="1800">
+                          <a:latin typeface="Cambria Math" panose="02040503050406030204" pitchFamily="18" charset="0"/>
+                        </a:rPr>
+                        <m:t>𝑋</m:t>
+                      </m:r>
+                      <m:r>
+                        <a:rPr lang="ar-AE" sz="1800">
+                          <a:latin typeface="Cambria Math" panose="02040503050406030204" pitchFamily="18" charset="0"/>
+                        </a:rPr>
+                        <m:t>∼</m:t>
+                      </m:r>
+                      <m:r>
+                        <a:rPr lang="ar-AE" sz="1800">
+                          <a:latin typeface="Cambria Math" panose="02040503050406030204" pitchFamily="18" charset="0"/>
+                        </a:rPr>
+                        <m:t>𝑁</m:t>
+                      </m:r>
+                      <m:d>
+                        <m:dPr>
+                          <m:ctrlPr>
+                            <a:rPr lang="ar-AE" sz="1800" i="1">
+                              <a:latin typeface="Cambria Math" panose="02040503050406030204" pitchFamily="18" charset="0"/>
+                            </a:rPr>
+                          </m:ctrlPr>
+                        </m:dPr>
+                        <m:e>
+                          <m:r>
+                            <a:rPr lang="ar-AE" sz="1800">
+                              <a:latin typeface="Cambria Math" panose="02040503050406030204" pitchFamily="18" charset="0"/>
+                            </a:rPr>
+                            <m:t>0,1</m:t>
+                          </m:r>
+                        </m:e>
+                      </m:d>
+                    </m:oMath>
+                  </m:oMathPara>
+                </a14:m>
+                <a:endParaRPr lang="ar-AE" sz="1800" dirty="0"/>
+              </a:p>
+              <a:p>
+                <a:pPr marL="0" lvl="0" indent="0">
+                  <a:buNone/>
+                </a:pPr>
+                <a:r>
+                  <a:rPr lang="ja-JP" altLang="en-US" sz="1800" dirty="0" err="1"/>
+                  <a:t>として</a:t>
+                </a:r>
+                <a:r>
+                  <a:rPr lang="ja-JP" altLang="en-US" sz="1800" dirty="0"/>
+                  <a:t>，</a:t>
+                </a:r>
+              </a:p>
+              <a:p>
+                <a:pPr marL="0" lvl="0" indent="0">
+                  <a:buNone/>
+                </a:pPr>
+                <a14:m>
+                  <m:oMathPara xmlns:m="http://schemas.openxmlformats.org/officeDocument/2006/math">
+                    <m:oMathParaPr>
+                      <m:jc m:val="center"/>
+                    </m:oMathParaPr>
+                    <m:oMath xmlns:m="http://schemas.openxmlformats.org/officeDocument/2006/math">
+                      <m:sSub>
+                        <m:sSubPr>
+                          <m:ctrlPr>
+                            <a:rPr lang="ar-AE" sz="1800">
+                              <a:latin typeface="Cambria Math" panose="02040503050406030204" pitchFamily="18" charset="0"/>
+                            </a:rPr>
+                          </m:ctrlPr>
+                        </m:sSubPr>
+                        <m:e>
+                          <m:r>
+                            <a:rPr lang="ar-AE" sz="1800">
+                              <a:latin typeface="Cambria Math" panose="02040503050406030204" pitchFamily="18" charset="0"/>
+                            </a:rPr>
+                            <m:t>𝑌</m:t>
+                          </m:r>
+                        </m:e>
+                        <m:sub>
+                          <m:r>
+                            <a:rPr lang="ar-AE" sz="1800">
+                              <a:latin typeface="Cambria Math" panose="02040503050406030204" pitchFamily="18" charset="0"/>
+                            </a:rPr>
+                            <m:t>𝑖</m:t>
+                          </m:r>
+                        </m:sub>
+                      </m:sSub>
+                      <m:r>
+                        <a:rPr lang="ar-AE" sz="1800">
+                          <a:latin typeface="Cambria Math" panose="02040503050406030204" pitchFamily="18" charset="0"/>
+                        </a:rPr>
+                        <m:t>=</m:t>
+                      </m:r>
+                      <m:d>
+                        <m:dPr>
+                          <m:begChr m:val="{"/>
+                          <m:endChr m:val=""/>
+                          <m:ctrlPr>
+                            <a:rPr lang="ar-AE" sz="1800" i="1">
+                              <a:latin typeface="Cambria Math" panose="02040503050406030204" pitchFamily="18" charset="0"/>
+                            </a:rPr>
+                          </m:ctrlPr>
+                        </m:dPr>
+                        <m:e>
+                          <m:m>
+                            <m:mPr>
+                              <m:mcs>
+                                <m:mc>
+                                  <m:mcPr>
+                                    <m:count m:val="2"/>
+                                    <m:mcJc m:val="center"/>
+                                  </m:mcPr>
+                                </m:mc>
+                              </m:mcs>
+                              <m:ctrlPr>
+                                <a:rPr lang="ar-AE" sz="1800" i="1">
+                                  <a:latin typeface="Cambria Math" panose="02040503050406030204" pitchFamily="18" charset="0"/>
+                                </a:rPr>
+                              </m:ctrlPr>
+                            </m:mPr>
+                            <m:mr>
+                              <m:e>
+                                <m:r>
+                                  <a:rPr lang="ar-AE" sz="1800">
+                                    <a:latin typeface="Cambria Math" panose="02040503050406030204" pitchFamily="18" charset="0"/>
+                                  </a:rPr>
+                                  <m:t>0</m:t>
+                                </m:r>
+                              </m:e>
+                              <m:e>
+                                <m:d>
+                                  <m:dPr>
+                                    <m:ctrlPr>
+                                      <a:rPr lang="ar-AE" sz="1800" i="1">
+                                        <a:latin typeface="Cambria Math" panose="02040503050406030204" pitchFamily="18" charset="0"/>
+                                      </a:rPr>
+                                    </m:ctrlPr>
+                                  </m:dPr>
+                                  <m:e>
+                                    <m:sSubSup>
+                                      <m:sSubSupPr>
+                                        <m:ctrlPr>
+                                          <a:rPr lang="ar-AE" sz="1800" i="1">
+                                            <a:latin typeface="Cambria Math" panose="02040503050406030204" pitchFamily="18" charset="0"/>
+                                          </a:rPr>
+                                        </m:ctrlPr>
+                                      </m:sSubSupPr>
+                                      <m:e>
+                                        <m:r>
+                                          <a:rPr lang="ar-AE" sz="1800">
+                                            <a:latin typeface="Cambria Math" panose="02040503050406030204" pitchFamily="18" charset="0"/>
+                                          </a:rPr>
+                                          <m:t>𝑌</m:t>
+                                        </m:r>
+                                      </m:e>
+                                      <m:sub>
+                                        <m:r>
+                                          <a:rPr lang="ar-AE" sz="1800">
+                                            <a:latin typeface="Cambria Math" panose="02040503050406030204" pitchFamily="18" charset="0"/>
+                                          </a:rPr>
+                                          <m:t>𝑖</m:t>
+                                        </m:r>
+                                      </m:sub>
+                                      <m:sup>
+                                        <m:r>
+                                          <a:rPr lang="ar-AE" sz="1800">
+                                            <a:latin typeface="Cambria Math" panose="02040503050406030204" pitchFamily="18" charset="0"/>
+                                          </a:rPr>
+                                          <m:t>∗</m:t>
+                                        </m:r>
+                                      </m:sup>
+                                    </m:sSubSup>
+                                    <m:r>
+                                      <a:rPr lang="ar-AE" sz="1800">
+                                        <a:latin typeface="Cambria Math" panose="02040503050406030204" pitchFamily="18" charset="0"/>
+                                      </a:rPr>
+                                      <m:t>≤0</m:t>
+                                    </m:r>
+                                  </m:e>
+                                </m:d>
+                              </m:e>
+                            </m:mr>
+                            <m:mr>
+                              <m:e/>
+                              <m:e/>
+                            </m:mr>
+                            <m:mr>
+                              <m:e>
+                                <m:r>
+                                  <a:rPr lang="ar-AE" sz="1800">
+                                    <a:latin typeface="Cambria Math" panose="02040503050406030204" pitchFamily="18" charset="0"/>
+                                  </a:rPr>
+                                  <m:t>1</m:t>
+                                </m:r>
+                              </m:e>
+                              <m:e>
+                                <m:d>
+                                  <m:dPr>
+                                    <m:ctrlPr>
+                                      <a:rPr lang="ar-AE" sz="1800" i="1">
+                                        <a:latin typeface="Cambria Math" panose="02040503050406030204" pitchFamily="18" charset="0"/>
+                                      </a:rPr>
+                                    </m:ctrlPr>
+                                  </m:dPr>
+                                  <m:e>
+                                    <m:sSubSup>
+                                      <m:sSubSupPr>
+                                        <m:ctrlPr>
+                                          <a:rPr lang="ar-AE" sz="1800" i="1">
+                                            <a:latin typeface="Cambria Math" panose="02040503050406030204" pitchFamily="18" charset="0"/>
+                                          </a:rPr>
+                                        </m:ctrlPr>
+                                      </m:sSubSupPr>
+                                      <m:e>
+                                        <m:r>
+                                          <a:rPr lang="ar-AE" sz="1800">
+                                            <a:latin typeface="Cambria Math" panose="02040503050406030204" pitchFamily="18" charset="0"/>
+                                          </a:rPr>
+                                          <m:t>𝑌</m:t>
+                                        </m:r>
+                                      </m:e>
+                                      <m:sub>
+                                        <m:r>
+                                          <a:rPr lang="ar-AE" sz="1800">
+                                            <a:latin typeface="Cambria Math" panose="02040503050406030204" pitchFamily="18" charset="0"/>
+                                          </a:rPr>
+                                          <m:t>𝑖</m:t>
+                                        </m:r>
+                                      </m:sub>
+                                      <m:sup>
+                                        <m:r>
+                                          <a:rPr lang="ar-AE" sz="1800">
+                                            <a:latin typeface="Cambria Math" panose="02040503050406030204" pitchFamily="18" charset="0"/>
+                                          </a:rPr>
+                                          <m:t>∗</m:t>
+                                        </m:r>
+                                      </m:sup>
+                                    </m:sSubSup>
+                                    <m:r>
+                                      <a:rPr lang="ar-AE" sz="1800">
+                                        <a:latin typeface="Cambria Math" panose="02040503050406030204" pitchFamily="18" charset="0"/>
+                                      </a:rPr>
+                                      <m:t>&gt;0</m:t>
+                                    </m:r>
+                                  </m:e>
+                                </m:d>
+                              </m:e>
+                            </m:mr>
+                          </m:m>
+                        </m:e>
+                      </m:d>
+                    </m:oMath>
+                  </m:oMathPara>
+                </a14:m>
+                <a:endParaRPr sz="1800" dirty="0"/>
+              </a:p>
+            </p:txBody>
+          </p:sp>
+        </mc:Choice>
+        <mc:Fallback>
+          <p:sp>
+            <p:nvSpPr>
+              <p:cNvPr id="3" name="Content Placeholder 2"/>
+              <p:cNvSpPr>
+                <a:spLocks noGrp="1" noRot="1" noChangeAspect="1" noMove="1" noResize="1" noEditPoints="1" noAdjustHandles="1" noChangeArrowheads="1" noChangeShapeType="1" noTextEdit="1"/>
+              </p:cNvSpPr>
+              <p:nvPr>
+                <p:ph idx="1"/>
+              </p:nvPr>
+            </p:nvSpPr>
+            <p:spPr>
+              <a:blipFill>
+                <a:blip r:embed="rId3"/>
+                <a:stretch>
+                  <a:fillRect l="-617" t="-5970" b="-95896"/>
+                </a:stretch>
+              </a:blipFill>
+            </p:spPr>
+            <p:txBody>
+              <a:bodyPr/>
+              <a:lstStyle/>
+              <a:p>
+                <a:r>
+                  <a:rPr lang="en-JP">
+                    <a:noFill/>
+                  </a:rPr>
+                  <a:t> </a:t>
+                </a:r>
+              </a:p>
+            </p:txBody>
+          </p:sp>
+        </mc:Fallback>
+      </mc:AlternateContent>
+      <p:sp>
+        <p:nvSpPr>
+          <p:cNvPr id="6" name="Slide Number Placeholder 5"/>
+          <p:cNvSpPr>
+            <a:spLocks noGrp="1"/>
+          </p:cNvSpPr>
+          <p:nvPr>
+            <p:ph type="sldNum" sz="quarter" idx="12"/>
+          </p:nvPr>
+        </p:nvSpPr>
+        <p:spPr>
+          <a:xfrm>
+            <a:off x="6553200" y="4767263"/>
+            <a:ext cx="2133600" cy="273844"/>
+          </a:xfrm>
+          <a:prstGeom prst="rect">
+            <a:avLst/>
+          </a:prstGeom>
+        </p:spPr>
+        <p:txBody>
+          <a:bodyPr/>
+          <a:lstStyle/>
+          <a:p>
+            <a:fld id="{C5EF2332-01BF-834F-8236-50238282D533}" type="slidenum">
+              <a:rPr lang="en-US" smtClean="0"/>
+              <a:t>19</a:t>
+            </a:fld>
+            <a:endParaRPr lang="en-US"/>
+          </a:p>
+        </p:txBody>
+      </p:sp>
+    </p:spTree>
+  </p:cSld>
+  <p:clrMapOvr>
+    <a:masterClrMapping/>
+  </p:clrMapOvr>
+</p:sld>
+</file>
+
+<file path=ppt/slides/slide2.xml><?xml version="1.0" encoding="utf-8"?>
+<p:sld xmlns:a="http://schemas.openxmlformats.org/drawingml/2006/main" xmlns:r="http://schemas.openxmlformats.org/officeDocument/2006/relationships" xmlns:p="http://schemas.openxmlformats.org/presentationml/2006/main">
+  <p:cSld>
+    <p:spTree>
+      <p:nvGrpSpPr>
+        <p:cNvPr id="1" name=""/>
+        <p:cNvGrpSpPr/>
+        <p:nvPr/>
+      </p:nvGrpSpPr>
+      <p:grpSpPr>
+        <a:xfrm>
+          <a:off x="0" y="0"/>
+          <a:ext cx="0" cy="0"/>
+          <a:chOff x="0" y="0"/>
+          <a:chExt cx="0" cy="0"/>
+        </a:xfrm>
+      </p:grpSpPr>
+      <p:sp>
+        <p:nvSpPr>
+          <p:cNvPr id="2" name="Title 1"/>
+          <p:cNvSpPr>
+            <a:spLocks noGrp="1"/>
+          </p:cNvSpPr>
+          <p:nvPr>
+            <p:ph type="title"/>
+          </p:nvPr>
+        </p:nvSpPr>
+        <p:spPr/>
+        <p:txBody>
+          <a:bodyPr/>
+          <a:lstStyle/>
+          <a:p>
+            <a:pPr marL="0" lvl="0" indent="0">
+              <a:buNone/>
+            </a:pPr>
+            <a:r>
+              <a:t>1 離散選択モデル</a:t>
+            </a:r>
+          </a:p>
+        </p:txBody>
+      </p:sp>
+      <mc:AlternateContent xmlns:mc="http://schemas.openxmlformats.org/markup-compatibility/2006">
+        <mc:Choice xmlns:a14="http://schemas.microsoft.com/office/drawing/2010/main" Requires="a14">
+          <p:sp>
+            <p:nvSpPr>
+              <p:cNvPr id="3" name="Content Placeholder 2"/>
+              <p:cNvSpPr>
+                <a:spLocks noGrp="1"/>
+              </p:cNvSpPr>
+              <p:nvPr>
+                <p:ph idx="1"/>
+              </p:nvPr>
+            </p:nvSpPr>
+            <p:spPr/>
+            <p:txBody>
+              <a:bodyPr>
+                <a:normAutofit lnSpcReduction="10000"/>
+              </a:bodyPr>
+              <a:lstStyle/>
+              <a:p>
+                <a:pPr lvl="0"/>
+                <a:r>
+                  <a:t>離散的な選択肢の中から何かを選ぶこと（何かが選ばれること）を</a:t>
+                </a:r>
+                <a:r>
+                  <a:rPr b="1"/>
+                  <a:t>離散選択</a:t>
+                </a:r>
+                <a:r>
+                  <a:t>（discrete choice）と呼ぶ．</a:t>
+                </a:r>
+              </a:p>
+              <a:p>
+                <a:pPr lvl="1"/>
+                <a:r>
+                  <a:t>例：人事考課（ </a:t>
+                </a:r>
+                <a14:m>
+                  <m:oMath xmlns:m="http://schemas.openxmlformats.org/officeDocument/2006/math">
+                    <m:r>
+                      <a:rPr>
+                        <a:latin typeface="Cambria Math" panose="02040503050406030204" pitchFamily="18" charset="0"/>
+                      </a:rPr>
+                      <m:t>{</m:t>
+                    </m:r>
+                    <m:r>
+                      <a:rPr>
+                        <a:latin typeface="Cambria Math" panose="02040503050406030204" pitchFamily="18" charset="0"/>
+                      </a:rPr>
+                      <m:t>𝑆</m:t>
+                    </m:r>
+                    <m:r>
+                      <a:rPr>
+                        <a:latin typeface="Cambria Math" panose="02040503050406030204" pitchFamily="18" charset="0"/>
+                      </a:rPr>
+                      <m:t>,</m:t>
+                    </m:r>
+                    <m:r>
+                      <a:rPr>
+                        <a:latin typeface="Cambria Math" panose="02040503050406030204" pitchFamily="18" charset="0"/>
+                      </a:rPr>
+                      <m:t>𝐴</m:t>
+                    </m:r>
+                    <m:r>
+                      <a:rPr>
+                        <a:latin typeface="Cambria Math" panose="02040503050406030204" pitchFamily="18" charset="0"/>
+                      </a:rPr>
+                      <m:t>,</m:t>
+                    </m:r>
+                    <m:r>
+                      <a:rPr>
+                        <a:latin typeface="Cambria Math" panose="02040503050406030204" pitchFamily="18" charset="0"/>
+                      </a:rPr>
+                      <m:t>𝐵</m:t>
+                    </m:r>
+                    <m:r>
+                      <a:rPr>
+                        <a:latin typeface="Cambria Math" panose="02040503050406030204" pitchFamily="18" charset="0"/>
+                      </a:rPr>
+                      <m:t>,</m:t>
+                    </m:r>
+                    <m:r>
+                      <a:rPr>
+                        <a:latin typeface="Cambria Math" panose="02040503050406030204" pitchFamily="18" charset="0"/>
+                      </a:rPr>
+                      <m:t>𝐶</m:t>
+                    </m:r>
+                    <m:r>
+                      <a:rPr>
+                        <a:latin typeface="Cambria Math" panose="02040503050406030204" pitchFamily="18" charset="0"/>
+                      </a:rPr>
+                      <m:t>}.</m:t>
+                    </m:r>
+                  </m:oMath>
+                </a14:m>
+                <a:r>
+                  <a:t> ）</a:t>
+                </a:r>
+              </a:p>
+              <a:p>
+                <a:pPr lvl="0"/>
+                <a:r>
+                  <a:t>その統計モデルを</a:t>
+                </a:r>
+                <a:r>
+                  <a:rPr b="1"/>
+                  <a:t>離散選択モデル</a:t>
+                </a:r>
+                <a:r>
+                  <a:t>（discrete choice model）と呼ぶ．</a:t>
+                </a:r>
+              </a:p>
+              <a:p>
+                <a:pPr lvl="1"/>
+                <a:r>
+                  <a:t>例：</a:t>
+                </a:r>
+                <a14:m>
+                  <m:oMath xmlns:m="http://schemas.openxmlformats.org/officeDocument/2006/math">
+                    <m:r>
+                      <m:rPr>
+                        <m:sty m:val="p"/>
+                      </m:rPr>
+                      <a:rPr>
+                        <a:latin typeface="Cambria Math" panose="02040503050406030204" pitchFamily="18" charset="0"/>
+                      </a:rPr>
+                      <m:t>Pr</m:t>
+                    </m:r>
+                    <m:d>
+                      <m:dPr>
+                        <m:ctrlPr>
+                          <a:rPr i="1">
+                            <a:latin typeface="Cambria Math" panose="02040503050406030204" pitchFamily="18" charset="0"/>
+                          </a:rPr>
+                        </m:ctrlPr>
+                      </m:dPr>
+                      <m:e>
+                        <m:r>
+                          <a:rPr>
+                            <a:latin typeface="Cambria Math" panose="02040503050406030204" pitchFamily="18" charset="0"/>
+                          </a:rPr>
+                          <m:t>𝑆</m:t>
+                        </m:r>
+                        <m:r>
+                          <a:rPr>
+                            <a:latin typeface="Cambria Math" panose="02040503050406030204" pitchFamily="18" charset="0"/>
+                          </a:rPr>
+                          <m:t>∣</m:t>
+                        </m:r>
+                        <m:r>
+                          <a:rPr>
+                            <a:latin typeface="Cambria Math" panose="02040503050406030204" pitchFamily="18" charset="0"/>
+                          </a:rPr>
+                          <m:t>𝑋</m:t>
+                        </m:r>
+                      </m:e>
+                    </m:d>
+                    <m:r>
+                      <a:rPr>
+                        <a:latin typeface="Cambria Math" panose="02040503050406030204" pitchFamily="18" charset="0"/>
+                      </a:rPr>
+                      <m:t>,</m:t>
+                    </m:r>
+                    <m:r>
+                      <m:rPr>
+                        <m:sty m:val="p"/>
+                      </m:rPr>
+                      <a:rPr>
+                        <a:latin typeface="Cambria Math" panose="02040503050406030204" pitchFamily="18" charset="0"/>
+                      </a:rPr>
+                      <m:t>Pr</m:t>
+                    </m:r>
+                    <m:d>
+                      <m:dPr>
+                        <m:ctrlPr>
+                          <a:rPr i="1">
+                            <a:latin typeface="Cambria Math" panose="02040503050406030204" pitchFamily="18" charset="0"/>
+                          </a:rPr>
+                        </m:ctrlPr>
+                      </m:dPr>
+                      <m:e>
+                        <m:r>
+                          <a:rPr>
+                            <a:latin typeface="Cambria Math" panose="02040503050406030204" pitchFamily="18" charset="0"/>
+                          </a:rPr>
+                          <m:t>𝐴</m:t>
+                        </m:r>
+                        <m:r>
+                          <a:rPr>
+                            <a:latin typeface="Cambria Math" panose="02040503050406030204" pitchFamily="18" charset="0"/>
+                          </a:rPr>
+                          <m:t>∣</m:t>
+                        </m:r>
+                        <m:r>
+                          <a:rPr>
+                            <a:latin typeface="Cambria Math" panose="02040503050406030204" pitchFamily="18" charset="0"/>
+                          </a:rPr>
+                          <m:t>𝑋</m:t>
+                        </m:r>
+                      </m:e>
+                    </m:d>
+                    <m:r>
+                      <a:rPr>
+                        <a:latin typeface="Cambria Math" panose="02040503050406030204" pitchFamily="18" charset="0"/>
+                      </a:rPr>
+                      <m:t>,</m:t>
+                    </m:r>
+                    <m:r>
+                      <m:rPr>
+                        <m:sty m:val="p"/>
+                      </m:rPr>
+                      <a:rPr>
+                        <a:latin typeface="Cambria Math" panose="02040503050406030204" pitchFamily="18" charset="0"/>
+                      </a:rPr>
+                      <m:t>Pr</m:t>
+                    </m:r>
+                    <m:d>
+                      <m:dPr>
+                        <m:ctrlPr>
+                          <a:rPr i="1">
+                            <a:latin typeface="Cambria Math" panose="02040503050406030204" pitchFamily="18" charset="0"/>
+                          </a:rPr>
+                        </m:ctrlPr>
+                      </m:dPr>
+                      <m:e>
+                        <m:r>
+                          <a:rPr>
+                            <a:latin typeface="Cambria Math" panose="02040503050406030204" pitchFamily="18" charset="0"/>
+                          </a:rPr>
+                          <m:t>𝐵</m:t>
+                        </m:r>
+                        <m:r>
+                          <a:rPr>
+                            <a:latin typeface="Cambria Math" panose="02040503050406030204" pitchFamily="18" charset="0"/>
+                          </a:rPr>
+                          <m:t>∣</m:t>
+                        </m:r>
+                        <m:r>
+                          <a:rPr>
+                            <a:latin typeface="Cambria Math" panose="02040503050406030204" pitchFamily="18" charset="0"/>
+                          </a:rPr>
+                          <m:t>𝑋</m:t>
+                        </m:r>
+                      </m:e>
+                    </m:d>
+                    <m:r>
+                      <a:rPr>
+                        <a:latin typeface="Cambria Math" panose="02040503050406030204" pitchFamily="18" charset="0"/>
+                      </a:rPr>
+                      <m:t>,</m:t>
+                    </m:r>
+                    <m:r>
+                      <m:rPr>
+                        <m:sty m:val="p"/>
+                      </m:rPr>
+                      <a:rPr>
+                        <a:latin typeface="Cambria Math" panose="02040503050406030204" pitchFamily="18" charset="0"/>
+                      </a:rPr>
+                      <m:t>Pr</m:t>
+                    </m:r>
+                    <m:d>
+                      <m:dPr>
+                        <m:ctrlPr>
+                          <a:rPr i="1">
+                            <a:latin typeface="Cambria Math" panose="02040503050406030204" pitchFamily="18" charset="0"/>
+                          </a:rPr>
+                        </m:ctrlPr>
+                      </m:dPr>
+                      <m:e>
+                        <m:r>
+                          <a:rPr>
+                            <a:latin typeface="Cambria Math" panose="02040503050406030204" pitchFamily="18" charset="0"/>
+                          </a:rPr>
+                          <m:t>𝐶</m:t>
+                        </m:r>
+                        <m:r>
+                          <a:rPr>
+                            <a:latin typeface="Cambria Math" panose="02040503050406030204" pitchFamily="18" charset="0"/>
+                          </a:rPr>
+                          <m:t>∣</m:t>
+                        </m:r>
+                        <m:r>
+                          <a:rPr>
+                            <a:latin typeface="Cambria Math" panose="02040503050406030204" pitchFamily="18" charset="0"/>
+                          </a:rPr>
+                          <m:t>𝑋</m:t>
+                        </m:r>
+                      </m:e>
+                    </m:d>
+                    <m:r>
+                      <a:rPr>
+                        <a:latin typeface="Cambria Math" panose="02040503050406030204" pitchFamily="18" charset="0"/>
+                      </a:rPr>
+                      <m:t>.</m:t>
+                    </m:r>
+                  </m:oMath>
+                </a14:m>
+                <a:endParaRPr/>
+              </a:p>
+              <a:p>
+                <a:pPr lvl="0"/>
+                <a:r>
+                  <a:t>つまり，従属変数が離散型の変数の回帰モデル．</a:t>
+                </a:r>
+              </a:p>
+              <a:p>
+                <a:pPr lvl="0"/>
+                <a:r>
+                  <a:t>今日は2つの選択肢がある場合に限定して議論する．</a:t>
+                </a:r>
+              </a:p>
+              <a:p>
+                <a:pPr lvl="1"/>
+                <a:r>
+                  <a:rPr b="1"/>
+                  <a:t>二項選択モデル</a:t>
+                </a:r>
+                <a:r>
+                  <a:t>（binary choice model）．</a:t>
+                </a:r>
+              </a:p>
+            </p:txBody>
+          </p:sp>
+        </mc:Choice>
+        <mc:Fallback>
+          <p:sp>
+            <p:nvSpPr>
+              <p:cNvPr id="3" name="Content Placeholder 2"/>
+              <p:cNvSpPr>
+                <a:spLocks noGrp="1" noRot="1" noChangeAspect="1" noMove="1" noResize="1" noEditPoints="1" noAdjustHandles="1" noChangeArrowheads="1" noChangeShapeType="1" noTextEdit="1"/>
+              </p:cNvSpPr>
+              <p:nvPr>
+                <p:ph idx="1"/>
+              </p:nvPr>
+            </p:nvSpPr>
+            <p:spPr>
+              <a:blipFill>
+                <a:blip r:embed="rId2"/>
+                <a:stretch>
+                  <a:fillRect l="-1080" t="-2612" r="-154" b="-2239"/>
+                </a:stretch>
+              </a:blipFill>
+            </p:spPr>
+            <p:txBody>
+              <a:bodyPr/>
+              <a:lstStyle/>
+              <a:p>
+                <a:r>
+                  <a:rPr lang="en-JP">
+                    <a:noFill/>
+                  </a:rPr>
+                  <a:t> </a:t>
+                </a:r>
+              </a:p>
+            </p:txBody>
+          </p:sp>
+        </mc:Fallback>
+      </mc:AlternateContent>
+      <p:sp>
+        <p:nvSpPr>
+          <p:cNvPr id="6" name="Slide Number Placeholder 5"/>
+          <p:cNvSpPr>
+            <a:spLocks noGrp="1"/>
+          </p:cNvSpPr>
+          <p:nvPr>
+            <p:ph type="sldNum" sz="quarter" idx="12"/>
+          </p:nvPr>
+        </p:nvSpPr>
+        <p:spPr>
+          <a:xfrm>
+            <a:off x="6553200" y="4767263"/>
+            <a:ext cx="2133600" cy="273844"/>
+          </a:xfrm>
+          <a:prstGeom prst="rect">
+            <a:avLst/>
+          </a:prstGeom>
+        </p:spPr>
+        <p:txBody>
+          <a:bodyPr/>
+          <a:lstStyle/>
+          <a:p>
+            <a:fld id="{C5EF2332-01BF-834F-8236-50238282D533}" type="slidenum">
+              <a:rPr lang="en-US" smtClean="0"/>
+              <a:t>2</a:t>
+            </a:fld>
+            <a:endParaRPr lang="en-US"/>
+          </a:p>
+        </p:txBody>
+      </p:sp>
+    </p:spTree>
+  </p:cSld>
+  <p:clrMapOvr>
+    <a:masterClrMapping/>
+  </p:clrMapOvr>
+</p:sld>
+</file>
+
+<file path=ppt/slides/slide20.xml><?xml version="1.0" encoding="utf-8"?>
+<p:sld xmlns:a="http://schemas.openxmlformats.org/drawingml/2006/main" xmlns:r="http://schemas.openxmlformats.org/officeDocument/2006/relationships" xmlns:p="http://schemas.openxmlformats.org/presentationml/2006/main">
+  <p:cSld>
+    <p:spTree>
+      <p:nvGrpSpPr>
+        <p:cNvPr id="1" name=""/>
+        <p:cNvGrpSpPr/>
+        <p:nvPr/>
+      </p:nvGrpSpPr>
+      <p:grpSpPr>
+        <a:xfrm>
+          <a:off x="0" y="0"/>
+          <a:ext cx="0" cy="0"/>
+          <a:chOff x="0" y="0"/>
+          <a:chExt cx="0" cy="0"/>
+        </a:xfrm>
+      </p:grpSpPr>
+      <p:sp>
+        <p:nvSpPr>
+          <p:cNvPr id="2" name="Title 1"/>
+          <p:cNvSpPr>
+            <a:spLocks noGrp="1"/>
+          </p:cNvSpPr>
+          <p:nvPr>
+            <p:ph type="title"/>
+          </p:nvPr>
+        </p:nvSpPr>
+        <p:spPr/>
+        <p:txBody>
+          <a:bodyPr/>
+          <a:lstStyle/>
+          <a:p>
+            <a:pPr marL="0" lvl="0" indent="0">
+              <a:buNone/>
+            </a:pPr>
+            <a:r>
               <a:t>つづき</a:t>
             </a:r>
           </a:p>
@@ -9240,7 +10934,12 @@
           <a:p>
             <a:pPr lvl="0"/>
             <a:r>
-              <a:t>すると，</a:t>
+              <a:rPr dirty="0" err="1"/>
+              <a:t>すると</a:t>
+            </a:r>
+            <a:r>
+              <a:rPr dirty="0"/>
+              <a:t>，</a:t>
             </a:r>
           </a:p>
           <a:p>
@@ -9973,566 +11672,7 @@
                 </m:oMath>
               </m:oMathPara>
             </a14:m>
-            <a:endParaRPr/>
-          </a:p>
-        </p:txBody>
-      </p:sp>
-      <p:sp>
-        <p:nvSpPr>
-          <p:cNvPr id="6" name="Slide Number Placeholder 5"/>
-          <p:cNvSpPr>
-            <a:spLocks noGrp="1"/>
-          </p:cNvSpPr>
-          <p:nvPr>
-            <p:ph type="sldNum" sz="quarter" idx="12"/>
-          </p:nvPr>
-        </p:nvSpPr>
-        <p:spPr>
-          <a:xfrm>
-            <a:off x="6553200" y="4767263"/>
-            <a:ext cx="2133600" cy="273844"/>
-          </a:xfrm>
-          <a:prstGeom prst="rect">
-            <a:avLst/>
-          </a:prstGeom>
-        </p:spPr>
-        <p:txBody>
-          <a:bodyPr/>
-          <a:lstStyle/>
-          <a:p>
-            <a:fld id="{C5EF2332-01BF-834F-8236-50238282D533}" type="slidenum">
-              <a:rPr lang="en-US" smtClean="0"/>
-              <a:t>19</a:t>
-            </a:fld>
-            <a:endParaRPr lang="en-US"/>
-          </a:p>
-        </p:txBody>
-      </p:sp>
-    </p:spTree>
-  </p:cSld>
-  <p:clrMapOvr>
-    <a:masterClrMapping/>
-  </p:clrMapOvr>
-</p:sld>
-</file>
-
-<file path=ppt/slides/slide2.xml><?xml version="1.0" encoding="utf-8"?>
-<p:sld xmlns:a="http://schemas.openxmlformats.org/drawingml/2006/main" xmlns:r="http://schemas.openxmlformats.org/officeDocument/2006/relationships" xmlns:p="http://schemas.openxmlformats.org/presentationml/2006/main">
-  <p:cSld>
-    <p:spTree>
-      <p:nvGrpSpPr>
-        <p:cNvPr id="1" name=""/>
-        <p:cNvGrpSpPr/>
-        <p:nvPr/>
-      </p:nvGrpSpPr>
-      <p:grpSpPr>
-        <a:xfrm>
-          <a:off x="0" y="0"/>
-          <a:ext cx="0" cy="0"/>
-          <a:chOff x="0" y="0"/>
-          <a:chExt cx="0" cy="0"/>
-        </a:xfrm>
-      </p:grpSpPr>
-      <p:sp>
-        <p:nvSpPr>
-          <p:cNvPr id="2" name="Title 1"/>
-          <p:cNvSpPr>
-            <a:spLocks noGrp="1"/>
-          </p:cNvSpPr>
-          <p:nvPr>
-            <p:ph type="title"/>
-          </p:nvPr>
-        </p:nvSpPr>
-        <p:spPr/>
-        <p:txBody>
-          <a:bodyPr/>
-          <a:lstStyle/>
-          <a:p>
-            <a:pPr marL="0" lvl="0" indent="0">
-              <a:buNone/>
-            </a:pPr>
-            <a:r>
-              <a:t>1 離散選択モデル</a:t>
-            </a:r>
-          </a:p>
-        </p:txBody>
-      </p:sp>
-      <mc:AlternateContent xmlns:mc="http://schemas.openxmlformats.org/markup-compatibility/2006">
-        <mc:Choice xmlns:a14="http://schemas.microsoft.com/office/drawing/2010/main" Requires="a14">
-          <p:sp>
-            <p:nvSpPr>
-              <p:cNvPr id="3" name="Content Placeholder 2"/>
-              <p:cNvSpPr>
-                <a:spLocks noGrp="1"/>
-              </p:cNvSpPr>
-              <p:nvPr>
-                <p:ph idx="1"/>
-              </p:nvPr>
-            </p:nvSpPr>
-            <p:spPr/>
-            <p:txBody>
-              <a:bodyPr>
-                <a:normAutofit lnSpcReduction="10000"/>
-              </a:bodyPr>
-              <a:lstStyle/>
-              <a:p>
-                <a:pPr lvl="0"/>
-                <a:r>
-                  <a:t>離散的な選択肢の中から何かを選ぶこと（何かが選ばれること）を</a:t>
-                </a:r>
-                <a:r>
-                  <a:rPr b="1"/>
-                  <a:t>離散選択</a:t>
-                </a:r>
-                <a:r>
-                  <a:t>（discrete choice）と呼ぶ．</a:t>
-                </a:r>
-              </a:p>
-              <a:p>
-                <a:pPr lvl="1"/>
-                <a:r>
-                  <a:t>例：人事考課（ </a:t>
-                </a:r>
-                <a14:m>
-                  <m:oMath xmlns:m="http://schemas.openxmlformats.org/officeDocument/2006/math">
-                    <m:r>
-                      <a:rPr>
-                        <a:latin typeface="Cambria Math" panose="02040503050406030204" pitchFamily="18" charset="0"/>
-                      </a:rPr>
-                      <m:t>{</m:t>
-                    </m:r>
-                    <m:r>
-                      <a:rPr>
-                        <a:latin typeface="Cambria Math" panose="02040503050406030204" pitchFamily="18" charset="0"/>
-                      </a:rPr>
-                      <m:t>𝑆</m:t>
-                    </m:r>
-                    <m:r>
-                      <a:rPr>
-                        <a:latin typeface="Cambria Math" panose="02040503050406030204" pitchFamily="18" charset="0"/>
-                      </a:rPr>
-                      <m:t>,</m:t>
-                    </m:r>
-                    <m:r>
-                      <a:rPr>
-                        <a:latin typeface="Cambria Math" panose="02040503050406030204" pitchFamily="18" charset="0"/>
-                      </a:rPr>
-                      <m:t>𝐴</m:t>
-                    </m:r>
-                    <m:r>
-                      <a:rPr>
-                        <a:latin typeface="Cambria Math" panose="02040503050406030204" pitchFamily="18" charset="0"/>
-                      </a:rPr>
-                      <m:t>,</m:t>
-                    </m:r>
-                    <m:r>
-                      <a:rPr>
-                        <a:latin typeface="Cambria Math" panose="02040503050406030204" pitchFamily="18" charset="0"/>
-                      </a:rPr>
-                      <m:t>𝐵</m:t>
-                    </m:r>
-                    <m:r>
-                      <a:rPr>
-                        <a:latin typeface="Cambria Math" panose="02040503050406030204" pitchFamily="18" charset="0"/>
-                      </a:rPr>
-                      <m:t>,</m:t>
-                    </m:r>
-                    <m:r>
-                      <a:rPr>
-                        <a:latin typeface="Cambria Math" panose="02040503050406030204" pitchFamily="18" charset="0"/>
-                      </a:rPr>
-                      <m:t>𝐶</m:t>
-                    </m:r>
-                    <m:r>
-                      <a:rPr>
-                        <a:latin typeface="Cambria Math" panose="02040503050406030204" pitchFamily="18" charset="0"/>
-                      </a:rPr>
-                      <m:t>}.</m:t>
-                    </m:r>
-                  </m:oMath>
-                </a14:m>
-                <a:r>
-                  <a:t> ）</a:t>
-                </a:r>
-              </a:p>
-              <a:p>
-                <a:pPr lvl="0"/>
-                <a:r>
-                  <a:t>その統計モデルを</a:t>
-                </a:r>
-                <a:r>
-                  <a:rPr b="1"/>
-                  <a:t>離散選択モデル</a:t>
-                </a:r>
-                <a:r>
-                  <a:t>（discrete choice model）と呼ぶ．</a:t>
-                </a:r>
-              </a:p>
-              <a:p>
-                <a:pPr lvl="1"/>
-                <a:r>
-                  <a:t>例：</a:t>
-                </a:r>
-                <a14:m>
-                  <m:oMath xmlns:m="http://schemas.openxmlformats.org/officeDocument/2006/math">
-                    <m:r>
-                      <m:rPr>
-                        <m:sty m:val="p"/>
-                      </m:rPr>
-                      <a:rPr>
-                        <a:latin typeface="Cambria Math" panose="02040503050406030204" pitchFamily="18" charset="0"/>
-                      </a:rPr>
-                      <m:t>Pr</m:t>
-                    </m:r>
-                    <m:d>
-                      <m:dPr>
-                        <m:ctrlPr>
-                          <a:rPr i="1">
-                            <a:latin typeface="Cambria Math" panose="02040503050406030204" pitchFamily="18" charset="0"/>
-                          </a:rPr>
-                        </m:ctrlPr>
-                      </m:dPr>
-                      <m:e>
-                        <m:r>
-                          <a:rPr>
-                            <a:latin typeface="Cambria Math" panose="02040503050406030204" pitchFamily="18" charset="0"/>
-                          </a:rPr>
-                          <m:t>𝑆</m:t>
-                        </m:r>
-                        <m:r>
-                          <a:rPr>
-                            <a:latin typeface="Cambria Math" panose="02040503050406030204" pitchFamily="18" charset="0"/>
-                          </a:rPr>
-                          <m:t>∣</m:t>
-                        </m:r>
-                        <m:r>
-                          <a:rPr>
-                            <a:latin typeface="Cambria Math" panose="02040503050406030204" pitchFamily="18" charset="0"/>
-                          </a:rPr>
-                          <m:t>𝑋</m:t>
-                        </m:r>
-                      </m:e>
-                    </m:d>
-                    <m:r>
-                      <a:rPr>
-                        <a:latin typeface="Cambria Math" panose="02040503050406030204" pitchFamily="18" charset="0"/>
-                      </a:rPr>
-                      <m:t>,</m:t>
-                    </m:r>
-                    <m:r>
-                      <m:rPr>
-                        <m:sty m:val="p"/>
-                      </m:rPr>
-                      <a:rPr>
-                        <a:latin typeface="Cambria Math" panose="02040503050406030204" pitchFamily="18" charset="0"/>
-                      </a:rPr>
-                      <m:t>Pr</m:t>
-                    </m:r>
-                    <m:d>
-                      <m:dPr>
-                        <m:ctrlPr>
-                          <a:rPr i="1">
-                            <a:latin typeface="Cambria Math" panose="02040503050406030204" pitchFamily="18" charset="0"/>
-                          </a:rPr>
-                        </m:ctrlPr>
-                      </m:dPr>
-                      <m:e>
-                        <m:r>
-                          <a:rPr>
-                            <a:latin typeface="Cambria Math" panose="02040503050406030204" pitchFamily="18" charset="0"/>
-                          </a:rPr>
-                          <m:t>𝐴</m:t>
-                        </m:r>
-                        <m:r>
-                          <a:rPr>
-                            <a:latin typeface="Cambria Math" panose="02040503050406030204" pitchFamily="18" charset="0"/>
-                          </a:rPr>
-                          <m:t>∣</m:t>
-                        </m:r>
-                        <m:r>
-                          <a:rPr>
-                            <a:latin typeface="Cambria Math" panose="02040503050406030204" pitchFamily="18" charset="0"/>
-                          </a:rPr>
-                          <m:t>𝑋</m:t>
-                        </m:r>
-                      </m:e>
-                    </m:d>
-                    <m:r>
-                      <a:rPr>
-                        <a:latin typeface="Cambria Math" panose="02040503050406030204" pitchFamily="18" charset="0"/>
-                      </a:rPr>
-                      <m:t>,</m:t>
-                    </m:r>
-                    <m:r>
-                      <m:rPr>
-                        <m:sty m:val="p"/>
-                      </m:rPr>
-                      <a:rPr>
-                        <a:latin typeface="Cambria Math" panose="02040503050406030204" pitchFamily="18" charset="0"/>
-                      </a:rPr>
-                      <m:t>Pr</m:t>
-                    </m:r>
-                    <m:d>
-                      <m:dPr>
-                        <m:ctrlPr>
-                          <a:rPr i="1">
-                            <a:latin typeface="Cambria Math" panose="02040503050406030204" pitchFamily="18" charset="0"/>
-                          </a:rPr>
-                        </m:ctrlPr>
-                      </m:dPr>
-                      <m:e>
-                        <m:r>
-                          <a:rPr>
-                            <a:latin typeface="Cambria Math" panose="02040503050406030204" pitchFamily="18" charset="0"/>
-                          </a:rPr>
-                          <m:t>𝐵</m:t>
-                        </m:r>
-                        <m:r>
-                          <a:rPr>
-                            <a:latin typeface="Cambria Math" panose="02040503050406030204" pitchFamily="18" charset="0"/>
-                          </a:rPr>
-                          <m:t>∣</m:t>
-                        </m:r>
-                        <m:r>
-                          <a:rPr>
-                            <a:latin typeface="Cambria Math" panose="02040503050406030204" pitchFamily="18" charset="0"/>
-                          </a:rPr>
-                          <m:t>𝑋</m:t>
-                        </m:r>
-                      </m:e>
-                    </m:d>
-                    <m:r>
-                      <a:rPr>
-                        <a:latin typeface="Cambria Math" panose="02040503050406030204" pitchFamily="18" charset="0"/>
-                      </a:rPr>
-                      <m:t>,</m:t>
-                    </m:r>
-                    <m:r>
-                      <m:rPr>
-                        <m:sty m:val="p"/>
-                      </m:rPr>
-                      <a:rPr>
-                        <a:latin typeface="Cambria Math" panose="02040503050406030204" pitchFamily="18" charset="0"/>
-                      </a:rPr>
-                      <m:t>Pr</m:t>
-                    </m:r>
-                    <m:d>
-                      <m:dPr>
-                        <m:ctrlPr>
-                          <a:rPr i="1">
-                            <a:latin typeface="Cambria Math" panose="02040503050406030204" pitchFamily="18" charset="0"/>
-                          </a:rPr>
-                        </m:ctrlPr>
-                      </m:dPr>
-                      <m:e>
-                        <m:r>
-                          <a:rPr>
-                            <a:latin typeface="Cambria Math" panose="02040503050406030204" pitchFamily="18" charset="0"/>
-                          </a:rPr>
-                          <m:t>𝐶</m:t>
-                        </m:r>
-                        <m:r>
-                          <a:rPr>
-                            <a:latin typeface="Cambria Math" panose="02040503050406030204" pitchFamily="18" charset="0"/>
-                          </a:rPr>
-                          <m:t>∣</m:t>
-                        </m:r>
-                        <m:r>
-                          <a:rPr>
-                            <a:latin typeface="Cambria Math" panose="02040503050406030204" pitchFamily="18" charset="0"/>
-                          </a:rPr>
-                          <m:t>𝑋</m:t>
-                        </m:r>
-                      </m:e>
-                    </m:d>
-                    <m:r>
-                      <a:rPr>
-                        <a:latin typeface="Cambria Math" panose="02040503050406030204" pitchFamily="18" charset="0"/>
-                      </a:rPr>
-                      <m:t>.</m:t>
-                    </m:r>
-                  </m:oMath>
-                </a14:m>
-                <a:endParaRPr/>
-              </a:p>
-              <a:p>
-                <a:pPr lvl="0"/>
-                <a:r>
-                  <a:t>つまり，従属変数が離散型の変数の回帰モデル．</a:t>
-                </a:r>
-              </a:p>
-              <a:p>
-                <a:pPr lvl="0"/>
-                <a:r>
-                  <a:t>今日は2つの選択肢がある場合に限定して議論する．</a:t>
-                </a:r>
-              </a:p>
-              <a:p>
-                <a:pPr lvl="1"/>
-                <a:r>
-                  <a:rPr b="1"/>
-                  <a:t>二項選択モデル</a:t>
-                </a:r>
-                <a:r>
-                  <a:t>（binary choice model）．</a:t>
-                </a:r>
-              </a:p>
-            </p:txBody>
-          </p:sp>
-        </mc:Choice>
-        <mc:Fallback>
-          <p:sp>
-            <p:nvSpPr>
-              <p:cNvPr id="3" name="Content Placeholder 2"/>
-              <p:cNvSpPr>
-                <a:spLocks noGrp="1" noRot="1" noChangeAspect="1" noMove="1" noResize="1" noEditPoints="1" noAdjustHandles="1" noChangeArrowheads="1" noChangeShapeType="1" noTextEdit="1"/>
-              </p:cNvSpPr>
-              <p:nvPr>
-                <p:ph idx="1"/>
-              </p:nvPr>
-            </p:nvSpPr>
-            <p:spPr>
-              <a:blipFill>
-                <a:blip r:embed="rId2"/>
-                <a:stretch>
-                  <a:fillRect l="-1080" t="-2612" r="-154" b="-2239"/>
-                </a:stretch>
-              </a:blipFill>
-            </p:spPr>
-            <p:txBody>
-              <a:bodyPr/>
-              <a:lstStyle/>
-              <a:p>
-                <a:r>
-                  <a:rPr lang="en-JP">
-                    <a:noFill/>
-                  </a:rPr>
-                  <a:t> </a:t>
-                </a:r>
-              </a:p>
-            </p:txBody>
-          </p:sp>
-        </mc:Fallback>
-      </mc:AlternateContent>
-      <p:sp>
-        <p:nvSpPr>
-          <p:cNvPr id="6" name="Slide Number Placeholder 5"/>
-          <p:cNvSpPr>
-            <a:spLocks noGrp="1"/>
-          </p:cNvSpPr>
-          <p:nvPr>
-            <p:ph type="sldNum" sz="quarter" idx="12"/>
-          </p:nvPr>
-        </p:nvSpPr>
-        <p:spPr>
-          <a:xfrm>
-            <a:off x="6553200" y="4767263"/>
-            <a:ext cx="2133600" cy="273844"/>
-          </a:xfrm>
-          <a:prstGeom prst="rect">
-            <a:avLst/>
-          </a:prstGeom>
-        </p:spPr>
-        <p:txBody>
-          <a:bodyPr/>
-          <a:lstStyle/>
-          <a:p>
-            <a:fld id="{C5EF2332-01BF-834F-8236-50238282D533}" type="slidenum">
-              <a:rPr lang="en-US" smtClean="0"/>
-              <a:t>2</a:t>
-            </a:fld>
-            <a:endParaRPr lang="en-US"/>
-          </a:p>
-        </p:txBody>
-      </p:sp>
-    </p:spTree>
-  </p:cSld>
-  <p:clrMapOvr>
-    <a:masterClrMapping/>
-  </p:clrMapOvr>
-</p:sld>
-</file>
-
-<file path=ppt/slides/slide20.xml><?xml version="1.0" encoding="utf-8"?>
-<p:sld xmlns:a="http://schemas.openxmlformats.org/drawingml/2006/main" xmlns:r="http://schemas.openxmlformats.org/officeDocument/2006/relationships" xmlns:p="http://schemas.openxmlformats.org/presentationml/2006/main">
-  <p:cSld>
-    <p:spTree>
-      <p:nvGrpSpPr>
-        <p:cNvPr id="1" name=""/>
-        <p:cNvGrpSpPr/>
-        <p:nvPr/>
-      </p:nvGrpSpPr>
-      <p:grpSpPr>
-        <a:xfrm>
-          <a:off x="0" y="0"/>
-          <a:ext cx="0" cy="0"/>
-          <a:chOff x="0" y="0"/>
-          <a:chExt cx="0" cy="0"/>
-        </a:xfrm>
-      </p:grpSpPr>
-      <p:sp>
-        <p:nvSpPr>
-          <p:cNvPr id="2" name="Title 1"/>
-          <p:cNvSpPr>
-            <a:spLocks noGrp="1"/>
-          </p:cNvSpPr>
-          <p:nvPr>
-            <p:ph type="title"/>
-          </p:nvPr>
-        </p:nvSpPr>
-        <p:spPr/>
-        <p:txBody>
-          <a:bodyPr/>
-          <a:lstStyle/>
-          <a:p>
-            <a:pPr marL="0" lvl="0" indent="0">
-              <a:buNone/>
-            </a:pPr>
-            <a:r>
-              <a:t>18 内生性</a:t>
-            </a:r>
-          </a:p>
-        </p:txBody>
-      </p:sp>
-      <p:sp>
-        <p:nvSpPr>
-          <p:cNvPr id="3" name="Content Placeholder 2"/>
-          <p:cNvSpPr>
-            <a:spLocks noGrp="1"/>
-          </p:cNvSpPr>
-          <p:nvPr>
-            <p:ph idx="1"/>
-          </p:nvPr>
-        </p:nvSpPr>
-        <p:spPr/>
-        <p:txBody>
-          <a:bodyPr/>
-          <a:lstStyle/>
-          <a:p>
-            <a:pPr marL="0" lvl="0" indent="0">
-              <a:buNone/>
-            </a:pPr>
-            <a:r>
-              <a:t>線形回帰と同じように，内生性があると，推定量が一致性を持たない．</a:t>
-            </a:r>
-          </a:p>
-          <a:p>
-            <a:pPr lvl="0"/>
-            <a:r>
-              <a:t>LPMで操作変数法や固定効果法を使う．</a:t>
-            </a:r>
-          </a:p>
-          <a:p>
-            <a:pPr lvl="0"/>
-            <a:r>
-              <a:t>固定効果ロジットを使う．</a:t>
-            </a:r>
-          </a:p>
-          <a:p>
-            <a:pPr lvl="0"/>
-            <a:r>
-              <a:t>IVプロビットを使う．</a:t>
-            </a:r>
+            <a:endParaRPr dirty="0"/>
           </a:p>
         </p:txBody>
       </p:sp>
@@ -10611,7 +11751,129 @@
               <a:buNone/>
             </a:pPr>
             <a:r>
-              <a:t>19 被説明変数が2値でないとき</a:t>
+              <a:t>19 内生性</a:t>
+            </a:r>
+          </a:p>
+        </p:txBody>
+      </p:sp>
+      <p:sp>
+        <p:nvSpPr>
+          <p:cNvPr id="3" name="Content Placeholder 2"/>
+          <p:cNvSpPr>
+            <a:spLocks noGrp="1"/>
+          </p:cNvSpPr>
+          <p:nvPr>
+            <p:ph idx="1"/>
+          </p:nvPr>
+        </p:nvSpPr>
+        <p:spPr/>
+        <p:txBody>
+          <a:bodyPr/>
+          <a:lstStyle/>
+          <a:p>
+            <a:pPr marL="0" lvl="0" indent="0">
+              <a:buNone/>
+            </a:pPr>
+            <a:r>
+              <a:t>線形回帰と同じように，内生性があると，推定量が一致性を持たない．</a:t>
+            </a:r>
+          </a:p>
+          <a:p>
+            <a:pPr lvl="0"/>
+            <a:r>
+              <a:t>LPMで操作変数法や固定効果法を使う．</a:t>
+            </a:r>
+          </a:p>
+          <a:p>
+            <a:pPr lvl="0"/>
+            <a:r>
+              <a:t>固定効果ロジットを使う．</a:t>
+            </a:r>
+          </a:p>
+          <a:p>
+            <a:pPr lvl="0"/>
+            <a:r>
+              <a:t>IVプロビットを使う．</a:t>
+            </a:r>
+          </a:p>
+        </p:txBody>
+      </p:sp>
+      <p:sp>
+        <p:nvSpPr>
+          <p:cNvPr id="6" name="Slide Number Placeholder 5"/>
+          <p:cNvSpPr>
+            <a:spLocks noGrp="1"/>
+          </p:cNvSpPr>
+          <p:nvPr>
+            <p:ph type="sldNum" sz="quarter" idx="12"/>
+          </p:nvPr>
+        </p:nvSpPr>
+        <p:spPr>
+          <a:xfrm>
+            <a:off x="6553200" y="4767263"/>
+            <a:ext cx="2133600" cy="273844"/>
+          </a:xfrm>
+          <a:prstGeom prst="rect">
+            <a:avLst/>
+          </a:prstGeom>
+        </p:spPr>
+        <p:txBody>
+          <a:bodyPr/>
+          <a:lstStyle/>
+          <a:p>
+            <a:fld id="{C5EF2332-01BF-834F-8236-50238282D533}" type="slidenum">
+              <a:rPr lang="en-US" smtClean="0"/>
+              <a:t>21</a:t>
+            </a:fld>
+            <a:endParaRPr lang="en-US"/>
+          </a:p>
+        </p:txBody>
+      </p:sp>
+    </p:spTree>
+  </p:cSld>
+  <p:clrMapOvr>
+    <a:masterClrMapping/>
+  </p:clrMapOvr>
+</p:sld>
+</file>
+
+<file path=ppt/slides/slide22.xml><?xml version="1.0" encoding="utf-8"?>
+<p:sld xmlns:a="http://schemas.openxmlformats.org/drawingml/2006/main" xmlns:r="http://schemas.openxmlformats.org/officeDocument/2006/relationships" xmlns:p="http://schemas.openxmlformats.org/presentationml/2006/main">
+  <p:cSld>
+    <p:spTree>
+      <p:nvGrpSpPr>
+        <p:cNvPr id="1" name=""/>
+        <p:cNvGrpSpPr/>
+        <p:nvPr/>
+      </p:nvGrpSpPr>
+      <p:grpSpPr>
+        <a:xfrm>
+          <a:off x="0" y="0"/>
+          <a:ext cx="0" cy="0"/>
+          <a:chOff x="0" y="0"/>
+          <a:chExt cx="0" cy="0"/>
+        </a:xfrm>
+      </p:grpSpPr>
+      <p:sp>
+        <p:nvSpPr>
+          <p:cNvPr id="2" name="Title 1"/>
+          <p:cNvSpPr>
+            <a:spLocks noGrp="1"/>
+          </p:cNvSpPr>
+          <p:nvPr>
+            <p:ph type="title"/>
+          </p:nvPr>
+        </p:nvSpPr>
+        <p:spPr/>
+        <p:txBody>
+          <a:bodyPr/>
+          <a:lstStyle/>
+          <a:p>
+            <a:pPr marL="0" lvl="0" indent="0">
+              <a:buNone/>
+            </a:pPr>
+            <a:r>
+              <a:t>20 被説明変数が2値でないとき</a:t>
             </a:r>
           </a:p>
         </p:txBody>
@@ -10631,87 +11893,31 @@
             <p:spPr/>
             <p:txBody>
               <a:bodyPr>
-                <a:noAutofit/>
+                <a:normAutofit fontScale="92500" lnSpcReduction="20000"/>
               </a:bodyPr>
               <a:lstStyle/>
               <a:p>
                 <a:pPr lvl="0"/>
                 <a:r>
-                  <a:rPr sz="1600" dirty="0"/>
                   <a:t>3つ以上のレベルがあるとき（順序がある）．</a:t>
                 </a:r>
               </a:p>
               <a:p>
                 <a:pPr lvl="1"/>
                 <a:r>
-                  <a:rPr sz="1600" dirty="0" err="1"/>
-                  <a:t>例</a:t>
-                </a:r>
-                <a:r>
-                  <a:rPr sz="1600" dirty="0"/>
-                  <a:t>：「</a:t>
-                </a:r>
-                <a:r>
-                  <a:rPr sz="1600" dirty="0" err="1"/>
-                  <a:t>不満</a:t>
-                </a:r>
-                <a:r>
-                  <a:rPr sz="1600" dirty="0"/>
-                  <a:t>」「</a:t>
-                </a:r>
-                <a:r>
-                  <a:rPr sz="1600" dirty="0" err="1"/>
-                  <a:t>やや不満</a:t>
-                </a:r>
-                <a:r>
-                  <a:rPr sz="1600" dirty="0"/>
-                  <a:t>」「</a:t>
-                </a:r>
-                <a:r>
-                  <a:rPr sz="1600" dirty="0" err="1"/>
-                  <a:t>やや満足</a:t>
-                </a:r>
-                <a:r>
-                  <a:rPr sz="1600" dirty="0"/>
-                  <a:t>」「</a:t>
-                </a:r>
-                <a:r>
-                  <a:rPr sz="1600" dirty="0" err="1"/>
-                  <a:t>満足</a:t>
-                </a:r>
-                <a:r>
-                  <a:rPr sz="1600" dirty="0"/>
-                  <a:t>」</a:t>
+                  <a:t>例：「不満」「やや不満」「やや満足」「満足」</a:t>
                 </a:r>
               </a:p>
               <a:p>
                 <a:pPr lvl="1"/>
                 <a:r>
-                  <a:rPr sz="1600" dirty="0"/>
                   <a:t>単に，1, 2, 3, 4としてOLS．</a:t>
                 </a:r>
               </a:p>
               <a:p>
                 <a:pPr lvl="1"/>
                 <a:r>
-                  <a:rPr sz="1600" dirty="0"/>
-                  <a:t>どこかで区切って2カテゴリーに変換：「</a:t>
-                </a:r>
-                <a:r>
-                  <a:rPr sz="1600" dirty="0" err="1"/>
-                  <a:t>満足</a:t>
-                </a:r>
-                <a:r>
-                  <a:rPr sz="1600" dirty="0"/>
-                  <a:t>」「</a:t>
-                </a:r>
-                <a:r>
-                  <a:rPr sz="1600" dirty="0" err="1"/>
-                  <a:t>不満</a:t>
-                </a:r>
-                <a:r>
-                  <a:rPr sz="1600" dirty="0"/>
-                  <a:t>」</a:t>
+                  <a:t>どこかで区切って2カテゴリーに変換：「満足」「不満」</a:t>
                 </a:r>
               </a:p>
               <a:p>
@@ -10722,7 +11928,7 @@
                       <m:rPr>
                         <m:sty m:val="p"/>
                       </m:rPr>
-                      <a:rPr sz="1600">
+                      <a:rPr>
                         <a:latin typeface="Cambria Math" panose="02040503050406030204" pitchFamily="18" charset="0"/>
                       </a:rPr>
                       <m:t>Pr</m:t>
@@ -10730,26 +11936,26 @@
                     <m:d>
                       <m:dPr>
                         <m:ctrlPr>
-                          <a:rPr sz="1600" i="1">
+                          <a:rPr i="1">
                             <a:latin typeface="Cambria Math" panose="02040503050406030204" pitchFamily="18" charset="0"/>
                           </a:rPr>
                         </m:ctrlPr>
                       </m:dPr>
                       <m:e>
                         <m:r>
-                          <a:rPr sz="1600">
+                          <a:rPr>
                             <a:latin typeface="Cambria Math" panose="02040503050406030204" pitchFamily="18" charset="0"/>
                           </a:rPr>
                           <m:t>𝑌</m:t>
                         </m:r>
                         <m:r>
-                          <a:rPr sz="1600">
+                          <a:rPr>
                             <a:latin typeface="Cambria Math" panose="02040503050406030204" pitchFamily="18" charset="0"/>
                           </a:rPr>
                           <m:t>=4∣</m:t>
                         </m:r>
                         <m:r>
-                          <a:rPr sz="1600">
+                          <a:rPr>
                             <a:latin typeface="Cambria Math" panose="02040503050406030204" pitchFamily="18" charset="0"/>
                           </a:rPr>
                           <m:t>𝑋</m:t>
@@ -10757,7 +11963,7 @@
                       </m:e>
                     </m:d>
                     <m:r>
-                      <a:rPr sz="1600">
+                      <a:rPr>
                         <a:latin typeface="Cambria Math" panose="02040503050406030204" pitchFamily="18" charset="0"/>
                       </a:rPr>
                       <m:t>,</m:t>
@@ -10766,7 +11972,7 @@
                       <m:rPr>
                         <m:sty m:val="p"/>
                       </m:rPr>
-                      <a:rPr sz="1600">
+                      <a:rPr>
                         <a:latin typeface="Cambria Math" panose="02040503050406030204" pitchFamily="18" charset="0"/>
                       </a:rPr>
                       <m:t>Pr</m:t>
@@ -10774,26 +11980,26 @@
                     <m:d>
                       <m:dPr>
                         <m:ctrlPr>
-                          <a:rPr sz="1600" i="1">
+                          <a:rPr i="1">
                             <a:latin typeface="Cambria Math" panose="02040503050406030204" pitchFamily="18" charset="0"/>
                           </a:rPr>
                         </m:ctrlPr>
                       </m:dPr>
                       <m:e>
                         <m:r>
-                          <a:rPr sz="1600">
+                          <a:rPr>
                             <a:latin typeface="Cambria Math" panose="02040503050406030204" pitchFamily="18" charset="0"/>
                           </a:rPr>
                           <m:t>𝑌</m:t>
                         </m:r>
                         <m:r>
-                          <a:rPr sz="1600">
+                          <a:rPr>
                             <a:latin typeface="Cambria Math" panose="02040503050406030204" pitchFamily="18" charset="0"/>
                           </a:rPr>
                           <m:t>≥3∣</m:t>
                         </m:r>
                         <m:r>
-                          <a:rPr sz="1600">
+                          <a:rPr>
                             <a:latin typeface="Cambria Math" panose="02040503050406030204" pitchFamily="18" charset="0"/>
                           </a:rPr>
                           <m:t>𝑋</m:t>
@@ -10801,7 +12007,7 @@
                       </m:e>
                     </m:d>
                     <m:r>
-                      <a:rPr sz="1600">
+                      <a:rPr>
                         <a:latin typeface="Cambria Math" panose="02040503050406030204" pitchFamily="18" charset="0"/>
                       </a:rPr>
                       <m:t>,</m:t>
@@ -10810,7 +12016,7 @@
                       <m:rPr>
                         <m:sty m:val="p"/>
                       </m:rPr>
-                      <a:rPr sz="1600">
+                      <a:rPr>
                         <a:latin typeface="Cambria Math" panose="02040503050406030204" pitchFamily="18" charset="0"/>
                       </a:rPr>
                       <m:t>Pr</m:t>
@@ -10818,26 +12024,26 @@
                     <m:d>
                       <m:dPr>
                         <m:ctrlPr>
-                          <a:rPr sz="1600" i="1">
+                          <a:rPr i="1">
                             <a:latin typeface="Cambria Math" panose="02040503050406030204" pitchFamily="18" charset="0"/>
                           </a:rPr>
                         </m:ctrlPr>
                       </m:dPr>
                       <m:e>
                         <m:r>
-                          <a:rPr sz="1600">
+                          <a:rPr>
                             <a:latin typeface="Cambria Math" panose="02040503050406030204" pitchFamily="18" charset="0"/>
                           </a:rPr>
                           <m:t>𝑌</m:t>
                         </m:r>
                         <m:r>
-                          <a:rPr sz="1600">
+                          <a:rPr>
                             <a:latin typeface="Cambria Math" panose="02040503050406030204" pitchFamily="18" charset="0"/>
                           </a:rPr>
                           <m:t>≥2∣</m:t>
                         </m:r>
                         <m:r>
-                          <a:rPr sz="1600">
+                          <a:rPr>
                             <a:latin typeface="Cambria Math" panose="02040503050406030204" pitchFamily="18" charset="0"/>
                           </a:rPr>
                           <m:t>𝑋</m:t>
@@ -10847,44 +12053,30 @@
                   </m:oMath>
                 </a14:m>
                 <a:r>
-                  <a:rPr sz="1600" dirty="0" err="1"/>
-                  <a:t>をそれぞれ推定</a:t>
-                </a:r>
-                <a:r>
-                  <a:rPr sz="1600" dirty="0"/>
-                  <a:t>．</a:t>
+                  <a:t>をそれぞれ推定．</a:t>
                 </a:r>
               </a:p>
               <a:p>
                 <a:pPr lvl="1"/>
                 <a:r>
-                  <a:rPr sz="1600" dirty="0" err="1"/>
-                  <a:t>順序ロジット，順序プロビット</a:t>
-                </a:r>
-                <a:r>
-                  <a:rPr sz="1600" dirty="0"/>
-                  <a:t>．</a:t>
+                  <a:t>順序ロジット，順序プロビット．</a:t>
                 </a:r>
               </a:p>
               <a:p>
                 <a:pPr lvl="0"/>
                 <a:r>
-                  <a:rPr sz="1600" dirty="0"/>
                   <a:t>3つ以上のカテゴリーがあるとき（順序がない）．</a:t>
                 </a:r>
               </a:p>
               <a:p>
                 <a:pPr lvl="1"/>
                 <a:r>
-                  <a:rPr sz="1600" dirty="0" err="1"/>
                   <a:t>例：希望部署</a:t>
                 </a:r>
-                <a:endParaRPr sz="1600" dirty="0"/>
               </a:p>
               <a:p>
                 <a:pPr lvl="1"/>
                 <a:r>
-                  <a:rPr sz="1600" dirty="0"/>
                   <a:t>ある選択肢とそれ以外の0-1のダミー変数</a:t>
                 </a:r>
                 <a14:m>
@@ -10892,14 +12084,14 @@
                     <m:sSub>
                       <m:sSubPr>
                         <m:ctrlPr>
-                          <a:rPr sz="1600">
+                          <a:rPr>
                             <a:latin typeface="Cambria Math" panose="02040503050406030204" pitchFamily="18" charset="0"/>
                           </a:rPr>
                         </m:ctrlPr>
                       </m:sSubPr>
                       <m:e>
                         <m:r>
-                          <a:rPr sz="1600">
+                          <a:rPr>
                             <a:latin typeface="Cambria Math" panose="02040503050406030204" pitchFamily="18" charset="0"/>
                           </a:rPr>
                           <m:t>𝐷</m:t>
@@ -10907,7 +12099,7 @@
                       </m:e>
                       <m:sub>
                         <m:r>
-                          <a:rPr sz="1600">
+                          <a:rPr>
                             <a:latin typeface="Cambria Math" panose="02040503050406030204" pitchFamily="18" charset="0"/>
                           </a:rPr>
                           <m:t>1</m:t>
@@ -10915,7 +12107,7 @@
                       </m:sub>
                     </m:sSub>
                     <m:r>
-                      <a:rPr sz="1600">
+                      <a:rPr>
                         <a:latin typeface="Cambria Math" panose="02040503050406030204" pitchFamily="18" charset="0"/>
                       </a:rPr>
                       <m:t>,…</m:t>
@@ -10923,14 +12115,14 @@
                     <m:sSub>
                       <m:sSubPr>
                         <m:ctrlPr>
-                          <a:rPr sz="1600" i="1">
+                          <a:rPr i="1">
                             <a:latin typeface="Cambria Math" panose="02040503050406030204" pitchFamily="18" charset="0"/>
                           </a:rPr>
                         </m:ctrlPr>
                       </m:sSubPr>
                       <m:e>
                         <m:r>
-                          <a:rPr sz="1600">
+                          <a:rPr>
                             <a:latin typeface="Cambria Math" panose="02040503050406030204" pitchFamily="18" charset="0"/>
                           </a:rPr>
                           <m:t>𝐷</m:t>
@@ -10938,7 +12130,7 @@
                       </m:e>
                       <m:sub>
                         <m:r>
-                          <a:rPr sz="1600">
+                          <a:rPr>
                             <a:latin typeface="Cambria Math" panose="02040503050406030204" pitchFamily="18" charset="0"/>
                           </a:rPr>
                           <m:t>𝐽</m:t>
@@ -10948,23 +12140,18 @@
                   </m:oMath>
                 </a14:m>
                 <a:r>
-                  <a:rPr sz="1600" dirty="0" err="1"/>
-                  <a:t>を作って</a:t>
-                </a:r>
-                <a:r>
-                  <a:rPr sz="1600" dirty="0"/>
-                  <a:t>，</a:t>
+                  <a:t>を作って，</a:t>
                 </a:r>
                 <a14:m>
                   <m:oMath xmlns:m="http://schemas.openxmlformats.org/officeDocument/2006/math">
                     <m:r>
-                      <a:rPr sz="1600">
+                      <a:rPr>
                         <a:latin typeface="Cambria Math" panose="02040503050406030204" pitchFamily="18" charset="0"/>
                       </a:rPr>
                       <m:t>𝐽</m:t>
                     </m:r>
                     <m:r>
-                      <a:rPr sz="1600">
+                      <a:rPr>
                         <a:latin typeface="Cambria Math" panose="02040503050406030204" pitchFamily="18" charset="0"/>
                       </a:rPr>
                       <m:t>−1</m:t>
@@ -10972,23 +12159,13 @@
                   </m:oMath>
                 </a14:m>
                 <a:r>
-                  <a:rPr sz="1600" dirty="0" err="1"/>
-                  <a:t>個の回帰モデルを推定する</a:t>
-                </a:r>
-                <a:r>
-                  <a:rPr sz="1600" dirty="0"/>
-                  <a:t>．</a:t>
+                  <a:t>個の回帰モデルを推定する．</a:t>
                 </a:r>
               </a:p>
               <a:p>
                 <a:pPr lvl="1"/>
                 <a:r>
-                  <a:rPr sz="1600" dirty="0" err="1"/>
-                  <a:t>多項ロジット，多項プロビット</a:t>
-                </a:r>
-                <a:r>
-                  <a:rPr sz="1600" dirty="0"/>
-                  <a:t>．</a:t>
+                  <a:t>多項ロジット，多項プロビット．</a:t>
                 </a:r>
               </a:p>
             </p:txBody>
@@ -11009,7 +12186,7 @@
               <a:blipFill>
                 <a:blip r:embed="rId2"/>
                 <a:stretch>
-                  <a:fillRect l="-309" t="-1119"/>
+                  <a:fillRect l="-926" t="-3731"/>
                 </a:stretch>
               </a:blipFill>
             </p:spPr>
@@ -11053,7 +12230,7 @@
           <a:p>
             <a:fld id="{C5EF2332-01BF-834F-8236-50238282D533}" type="slidenum">
               <a:rPr lang="en-US" smtClean="0"/>
-              <a:t>21</a:t>
+              <a:t>22</a:t>
             </a:fld>
             <a:endParaRPr lang="en-US"/>
           </a:p>
@@ -11108,312 +12285,391 @@
           </a:p>
         </p:txBody>
       </p:sp>
-      <p:sp>
-        <p:nvSpPr>
-          <p:cNvPr id="3" name="Content Placeholder 2"/>
-          <p:cNvSpPr>
-            <a:spLocks noGrp="1"/>
-          </p:cNvSpPr>
-          <p:nvPr>
-            <p:ph idx="1"/>
-          </p:nvPr>
-        </p:nvSpPr>
-        <p:spPr/>
-        <p:txBody>
-          <a:bodyPr/>
-          <a:lstStyle/>
-          <a:p>
-            <a:pPr lvl="0"/>
-            <a:r>
-              <a:t>選択肢が2つの例：ハイパフォーマー，昇進，離職など．</a:t>
-            </a:r>
-          </a:p>
-          <a:p>
-            <a:pPr lvl="0"/>
-            <a:r>
-              <a:t>カテゴリーが2つなので，</a:t>
-            </a:r>
-            <a:r>
-              <a:rPr b="1"/>
-              <a:t>ダミー変数</a:t>
-            </a:r>
-            <a:r>
-              <a:t>として扱える．</a:t>
-            </a:r>
-          </a:p>
-          <a:p>
-            <a:pPr lvl="0"/>
-            <a14:m xmlns:a14="http://schemas.microsoft.com/office/drawing/2010/main">
-              <m:oMath xmlns:m="http://schemas.openxmlformats.org/officeDocument/2006/math">
-                <m:r>
-                  <m:rPr>
-                    <m:sty m:val="p"/>
-                  </m:rPr>
-                  <a:rPr>
-                    <a:latin typeface="Cambria Math" panose="02040503050406030204" pitchFamily="18" charset="0"/>
-                  </a:rPr>
-                  <m:t>Pr</m:t>
-                </m:r>
-                <m:d>
-                  <m:dPr>
-                    <m:ctrlPr>
-                      <a:rPr i="1">
+      <mc:AlternateContent xmlns:mc="http://schemas.openxmlformats.org/markup-compatibility/2006">
+        <mc:Choice xmlns:a14="http://schemas.microsoft.com/office/drawing/2010/main" Requires="a14">
+          <p:sp>
+            <p:nvSpPr>
+              <p:cNvPr id="3" name="Content Placeholder 2"/>
+              <p:cNvSpPr>
+                <a:spLocks noGrp="1"/>
+              </p:cNvSpPr>
+              <p:nvPr>
+                <p:ph idx="1"/>
+              </p:nvPr>
+            </p:nvSpPr>
+            <p:spPr/>
+            <p:txBody>
+              <a:bodyPr>
+                <a:normAutofit/>
+              </a:bodyPr>
+              <a:lstStyle/>
+              <a:p>
+                <a:pPr lvl="0"/>
+                <a:r>
+                  <a:rPr sz="2000" dirty="0"/>
+                  <a:t>選択肢が2つの例：ハイパフォーマー，</a:t>
+                </a:r>
+                <a:r>
+                  <a:rPr sz="2000" dirty="0" err="1"/>
+                  <a:t>昇進，離職など</a:t>
+                </a:r>
+                <a:r>
+                  <a:rPr sz="2000" dirty="0"/>
+                  <a:t>．</a:t>
+                </a:r>
+              </a:p>
+              <a:p>
+                <a:pPr lvl="0"/>
+                <a:r>
+                  <a:rPr sz="2000" dirty="0"/>
+                  <a:t>カテゴリーが2つなので，</a:t>
+                </a:r>
+                <a:r>
+                  <a:rPr sz="2000" b="1" dirty="0"/>
+                  <a:t>ダミー変数</a:t>
+                </a:r>
+                <a:r>
+                  <a:rPr sz="2000" dirty="0"/>
+                  <a:t>として扱える．</a:t>
+                </a:r>
+              </a:p>
+              <a:p>
+                <a:pPr lvl="0"/>
+                <a14:m>
+                  <m:oMath xmlns:m="http://schemas.openxmlformats.org/officeDocument/2006/math">
+                    <m:r>
+                      <m:rPr>
+                        <m:sty m:val="p"/>
+                      </m:rPr>
+                      <a:rPr sz="2000">
                         <a:latin typeface="Cambria Math" panose="02040503050406030204" pitchFamily="18" charset="0"/>
                       </a:rPr>
-                    </m:ctrlPr>
-                  </m:dPr>
-                  <m:e>
+                      <m:t>Pr</m:t>
+                    </m:r>
+                    <m:d>
+                      <m:dPr>
+                        <m:ctrlPr>
+                          <a:rPr sz="2000" i="1">
+                            <a:latin typeface="Cambria Math" panose="02040503050406030204" pitchFamily="18" charset="0"/>
+                          </a:rPr>
+                        </m:ctrlPr>
+                      </m:dPr>
+                      <m:e>
+                        <m:r>
+                          <a:rPr sz="2000">
+                            <a:latin typeface="Cambria Math" panose="02040503050406030204" pitchFamily="18" charset="0"/>
+                          </a:rPr>
+                          <m:t>𝑌</m:t>
+                        </m:r>
+                        <m:r>
+                          <a:rPr sz="2000">
+                            <a:latin typeface="Cambria Math" panose="02040503050406030204" pitchFamily="18" charset="0"/>
+                          </a:rPr>
+                          <m:t>=1∣</m:t>
+                        </m:r>
+                        <m:r>
+                          <a:rPr sz="2000">
+                            <a:latin typeface="Cambria Math" panose="02040503050406030204" pitchFamily="18" charset="0"/>
+                          </a:rPr>
+                          <m:t>𝑋</m:t>
+                        </m:r>
+                      </m:e>
+                    </m:d>
                     <m:r>
-                      <a:rPr>
+                      <a:rPr sz="2000">
                         <a:latin typeface="Cambria Math" panose="02040503050406030204" pitchFamily="18" charset="0"/>
                       </a:rPr>
-                      <m:t>𝑌</m:t>
+                      <m:t>=1−</m:t>
                     </m:r>
                     <m:r>
-                      <a:rPr>
+                      <m:rPr>
+                        <m:sty m:val="p"/>
+                      </m:rPr>
+                      <a:rPr sz="2000">
                         <a:latin typeface="Cambria Math" panose="02040503050406030204" pitchFamily="18" charset="0"/>
                       </a:rPr>
-                      <m:t>=1∣</m:t>
+                      <m:t>Pr</m:t>
+                    </m:r>
+                    <m:d>
+                      <m:dPr>
+                        <m:ctrlPr>
+                          <a:rPr sz="2000" i="1">
+                            <a:latin typeface="Cambria Math" panose="02040503050406030204" pitchFamily="18" charset="0"/>
+                          </a:rPr>
+                        </m:ctrlPr>
+                      </m:dPr>
+                      <m:e>
+                        <m:r>
+                          <a:rPr sz="2000">
+                            <a:latin typeface="Cambria Math" panose="02040503050406030204" pitchFamily="18" charset="0"/>
+                          </a:rPr>
+                          <m:t>𝑌</m:t>
+                        </m:r>
+                        <m:r>
+                          <a:rPr sz="2000">
+                            <a:latin typeface="Cambria Math" panose="02040503050406030204" pitchFamily="18" charset="0"/>
+                          </a:rPr>
+                          <m:t>=0∣</m:t>
+                        </m:r>
+                        <m:r>
+                          <a:rPr sz="2000">
+                            <a:latin typeface="Cambria Math" panose="02040503050406030204" pitchFamily="18" charset="0"/>
+                          </a:rPr>
+                          <m:t>𝑋</m:t>
+                        </m:r>
+                      </m:e>
+                    </m:d>
+                  </m:oMath>
+                </a14:m>
+                <a:r>
+                  <a:rPr sz="2000" dirty="0"/>
+                  <a:t> </a:t>
+                </a:r>
+                <a:r>
+                  <a:rPr sz="2000" dirty="0" err="1"/>
+                  <a:t>なので，一方の確率を考えるだけでよい</a:t>
+                </a:r>
+                <a:r>
+                  <a:rPr sz="2000" dirty="0"/>
+                  <a:t>．</a:t>
+                </a:r>
+              </a:p>
+              <a:p>
+                <a:pPr lvl="0"/>
+                <a:r>
+                  <a:rPr sz="2000" dirty="0" err="1"/>
+                  <a:t>すると</a:t>
+                </a:r>
+                <a:r>
+                  <a:rPr sz="2000" dirty="0"/>
+                  <a:t>，</a:t>
+                </a:r>
+                <a14:m>
+                  <m:oMath xmlns:m="http://schemas.openxmlformats.org/officeDocument/2006/math">
+                    <m:r>
+                      <m:rPr>
+                        <m:sty m:val="p"/>
+                      </m:rPr>
+                      <a:rPr sz="2000">
+                        <a:latin typeface="Cambria Math" panose="02040503050406030204" pitchFamily="18" charset="0"/>
+                      </a:rPr>
+                      <m:t>Pr</m:t>
+                    </m:r>
+                    <m:d>
+                      <m:dPr>
+                        <m:ctrlPr>
+                          <a:rPr sz="2000" i="1">
+                            <a:latin typeface="Cambria Math" panose="02040503050406030204" pitchFamily="18" charset="0"/>
+                          </a:rPr>
+                        </m:ctrlPr>
+                      </m:dPr>
+                      <m:e>
+                        <m:r>
+                          <a:rPr sz="2000">
+                            <a:latin typeface="Cambria Math" panose="02040503050406030204" pitchFamily="18" charset="0"/>
+                          </a:rPr>
+                          <m:t>𝑌</m:t>
+                        </m:r>
+                        <m:r>
+                          <a:rPr sz="2000">
+                            <a:latin typeface="Cambria Math" panose="02040503050406030204" pitchFamily="18" charset="0"/>
+                          </a:rPr>
+                          <m:t>=1∣</m:t>
+                        </m:r>
+                        <m:r>
+                          <a:rPr sz="2000">
+                            <a:latin typeface="Cambria Math" panose="02040503050406030204" pitchFamily="18" charset="0"/>
+                          </a:rPr>
+                          <m:t>𝑋</m:t>
+                        </m:r>
+                      </m:e>
+                    </m:d>
+                    <m:r>
+                      <a:rPr sz="2000">
+                        <a:latin typeface="Cambria Math" panose="02040503050406030204" pitchFamily="18" charset="0"/>
+                      </a:rPr>
+                      <m:t>=</m:t>
                     </m:r>
                     <m:r>
-                      <a:rPr>
+                      <a:rPr sz="2000">
                         <a:latin typeface="Cambria Math" panose="02040503050406030204" pitchFamily="18" charset="0"/>
                       </a:rPr>
-                      <m:t>𝑋</m:t>
+                      <m:t>𝑓</m:t>
                     </m:r>
-                  </m:e>
-                </m:d>
-                <m:r>
-                  <a:rPr>
-                    <a:latin typeface="Cambria Math" panose="02040503050406030204" pitchFamily="18" charset="0"/>
-                  </a:rPr>
-                  <m:t>=1−</m:t>
-                </m:r>
-                <m:r>
-                  <m:rPr>
-                    <m:sty m:val="p"/>
-                  </m:rPr>
-                  <a:rPr>
-                    <a:latin typeface="Cambria Math" panose="02040503050406030204" pitchFamily="18" charset="0"/>
-                  </a:rPr>
-                  <m:t>Pr</m:t>
-                </m:r>
-                <m:d>
-                  <m:dPr>
-                    <m:ctrlPr>
-                      <a:rPr i="1">
+                    <m:d>
+                      <m:dPr>
+                        <m:ctrlPr>
+                          <a:rPr sz="2000" i="1">
+                            <a:latin typeface="Cambria Math" panose="02040503050406030204" pitchFamily="18" charset="0"/>
+                          </a:rPr>
+                        </m:ctrlPr>
+                      </m:dPr>
+                      <m:e>
+                        <m:r>
+                          <a:rPr sz="2000">
+                            <a:latin typeface="Cambria Math" panose="02040503050406030204" pitchFamily="18" charset="0"/>
+                          </a:rPr>
+                          <m:t>𝑋</m:t>
+                        </m:r>
+                        <m:r>
+                          <a:rPr sz="2000">
+                            <a:latin typeface="Cambria Math" panose="02040503050406030204" pitchFamily="18" charset="0"/>
+                          </a:rPr>
+                          <m:t>∣</m:t>
+                        </m:r>
+                        <m:r>
+                          <a:rPr sz="2000">
+                            <a:latin typeface="Cambria Math" panose="02040503050406030204" pitchFamily="18" charset="0"/>
+                          </a:rPr>
+                          <m:t>𝛽</m:t>
+                        </m:r>
+                      </m:e>
+                    </m:d>
+                  </m:oMath>
+                </a14:m>
+                <a:r>
+                  <a:rPr sz="2000" dirty="0"/>
+                  <a:t> </a:t>
+                </a:r>
+                <a:r>
+                  <a:rPr sz="2000" dirty="0" err="1"/>
+                  <a:t>という回帰モデル</a:t>
+                </a:r>
+                <a14:m>
+                  <m:oMath xmlns:m="http://schemas.openxmlformats.org/officeDocument/2006/math">
+                    <m:r>
+                      <a:rPr sz="2000">
                         <a:latin typeface="Cambria Math" panose="02040503050406030204" pitchFamily="18" charset="0"/>
                       </a:rPr>
-                    </m:ctrlPr>
-                  </m:dPr>
-                  <m:e>
+                      <m:t>𝑓</m:t>
+                    </m:r>
+                    <m:d>
+                      <m:dPr>
+                        <m:ctrlPr>
+                          <a:rPr sz="2000" i="1">
+                            <a:latin typeface="Cambria Math" panose="02040503050406030204" pitchFamily="18" charset="0"/>
+                          </a:rPr>
+                        </m:ctrlPr>
+                      </m:dPr>
+                      <m:e>
+                        <m:r>
+                          <a:rPr sz="2000">
+                            <a:latin typeface="Cambria Math" panose="02040503050406030204" pitchFamily="18" charset="0"/>
+                          </a:rPr>
+                          <m:t>𝑋</m:t>
+                        </m:r>
+                        <m:r>
+                          <a:rPr sz="2000">
+                            <a:latin typeface="Cambria Math" panose="02040503050406030204" pitchFamily="18" charset="0"/>
+                          </a:rPr>
+                          <m:t>∣</m:t>
+                        </m:r>
+                        <m:r>
+                          <a:rPr sz="2000">
+                            <a:latin typeface="Cambria Math" panose="02040503050406030204" pitchFamily="18" charset="0"/>
+                          </a:rPr>
+                          <m:t>𝛽</m:t>
+                        </m:r>
+                      </m:e>
+                    </m:d>
+                  </m:oMath>
+                </a14:m>
+                <a:r>
+                  <a:rPr sz="2000" dirty="0" err="1"/>
+                  <a:t>を推定するという問題ということになる</a:t>
+                </a:r>
+                <a:r>
+                  <a:rPr sz="2000" dirty="0"/>
+                  <a:t>．</a:t>
+                </a:r>
+              </a:p>
+              <a:p>
+                <a:pPr lvl="0"/>
+                <a14:m>
+                  <m:oMath xmlns:m="http://schemas.openxmlformats.org/officeDocument/2006/math">
                     <m:r>
-                      <a:rPr>
+                      <a:rPr sz="2000">
                         <a:latin typeface="Cambria Math" panose="02040503050406030204" pitchFamily="18" charset="0"/>
                       </a:rPr>
-                      <m:t>𝑌</m:t>
+                      <m:t>𝑓</m:t>
                     </m:r>
-                    <m:r>
-                      <a:rPr>
-                        <a:latin typeface="Cambria Math" panose="02040503050406030204" pitchFamily="18" charset="0"/>
-                      </a:rPr>
-                      <m:t>=0∣</m:t>
-                    </m:r>
-                    <m:r>
-                      <a:rPr>
-                        <a:latin typeface="Cambria Math" panose="02040503050406030204" pitchFamily="18" charset="0"/>
-                      </a:rPr>
-                      <m:t>𝑋</m:t>
-                    </m:r>
-                  </m:e>
-                </m:d>
-              </m:oMath>
-            </a14:m>
-            <a:r>
-              <a:t> なので，一方の確率を考えるだけでよい．</a:t>
-            </a:r>
-          </a:p>
-          <a:p>
-            <a:pPr lvl="0"/>
-            <a:r>
-              <a:t>すると，</a:t>
-            </a:r>
-            <a14:m xmlns:a14="http://schemas.microsoft.com/office/drawing/2010/main">
-              <m:oMath xmlns:m="http://schemas.openxmlformats.org/officeDocument/2006/math">
-                <m:r>
-                  <m:rPr>
-                    <m:sty m:val="p"/>
-                  </m:rPr>
-                  <a:rPr>
-                    <a:latin typeface="Cambria Math" panose="02040503050406030204" pitchFamily="18" charset="0"/>
+                    <m:d>
+                      <m:dPr>
+                        <m:ctrlPr>
+                          <a:rPr sz="2000" i="1">
+                            <a:latin typeface="Cambria Math" panose="02040503050406030204" pitchFamily="18" charset="0"/>
+                          </a:rPr>
+                        </m:ctrlPr>
+                      </m:dPr>
+                      <m:e>
+                        <m:r>
+                          <a:rPr sz="2000">
+                            <a:latin typeface="Cambria Math" panose="02040503050406030204" pitchFamily="18" charset="0"/>
+                          </a:rPr>
+                          <m:t>𝑋</m:t>
+                        </m:r>
+                        <m:r>
+                          <a:rPr sz="2000">
+                            <a:latin typeface="Cambria Math" panose="02040503050406030204" pitchFamily="18" charset="0"/>
+                          </a:rPr>
+                          <m:t>∣</m:t>
+                        </m:r>
+                        <m:r>
+                          <a:rPr sz="2000">
+                            <a:latin typeface="Cambria Math" panose="02040503050406030204" pitchFamily="18" charset="0"/>
+                          </a:rPr>
+                          <m:t>𝛽</m:t>
+                        </m:r>
+                      </m:e>
+                    </m:d>
+                  </m:oMath>
+                </a14:m>
+                <a:r>
+                  <a:rPr sz="2000" dirty="0" err="1"/>
+                  <a:t>にどのような関数を仮定するか</a:t>
+                </a:r>
+                <a:r>
+                  <a:rPr sz="2000" dirty="0"/>
+                  <a:t>？</a:t>
+                </a:r>
+              </a:p>
+            </p:txBody>
+          </p:sp>
+        </mc:Choice>
+        <mc:Fallback>
+          <p:sp>
+            <p:nvSpPr>
+              <p:cNvPr id="3" name="Content Placeholder 2"/>
+              <p:cNvSpPr>
+                <a:spLocks noGrp="1" noRot="1" noChangeAspect="1" noMove="1" noResize="1" noEditPoints="1" noAdjustHandles="1" noChangeArrowheads="1" noChangeShapeType="1" noTextEdit="1"/>
+              </p:cNvSpPr>
+              <p:nvPr>
+                <p:ph idx="1"/>
+              </p:nvPr>
+            </p:nvSpPr>
+            <p:spPr>
+              <a:blipFill>
+                <a:blip r:embed="rId2"/>
+                <a:stretch>
+                  <a:fillRect l="-617" t="-1866"/>
+                </a:stretch>
+              </a:blipFill>
+            </p:spPr>
+            <p:txBody>
+              <a:bodyPr/>
+              <a:lstStyle/>
+              <a:p>
+                <a:r>
+                  <a:rPr lang="en-JP">
+                    <a:noFill/>
                   </a:rPr>
-                  <m:t>Pr</m:t>
-                </m:r>
-                <m:d>
-                  <m:dPr>
-                    <m:ctrlPr>
-                      <a:rPr i="1">
-                        <a:latin typeface="Cambria Math" panose="02040503050406030204" pitchFamily="18" charset="0"/>
-                      </a:rPr>
-                    </m:ctrlPr>
-                  </m:dPr>
-                  <m:e>
-                    <m:r>
-                      <a:rPr>
-                        <a:latin typeface="Cambria Math" panose="02040503050406030204" pitchFamily="18" charset="0"/>
-                      </a:rPr>
-                      <m:t>𝑌</m:t>
-                    </m:r>
-                    <m:r>
-                      <a:rPr>
-                        <a:latin typeface="Cambria Math" panose="02040503050406030204" pitchFamily="18" charset="0"/>
-                      </a:rPr>
-                      <m:t>=1∣</m:t>
-                    </m:r>
-                    <m:r>
-                      <a:rPr>
-                        <a:latin typeface="Cambria Math" panose="02040503050406030204" pitchFamily="18" charset="0"/>
-                      </a:rPr>
-                      <m:t>𝑋</m:t>
-                    </m:r>
-                  </m:e>
-                </m:d>
-                <m:r>
-                  <a:rPr>
-                    <a:latin typeface="Cambria Math" panose="02040503050406030204" pitchFamily="18" charset="0"/>
-                  </a:rPr>
-                  <m:t>=</m:t>
-                </m:r>
-                <m:r>
-                  <a:rPr>
-                    <a:latin typeface="Cambria Math" panose="02040503050406030204" pitchFamily="18" charset="0"/>
-                  </a:rPr>
-                  <m:t>𝑓</m:t>
-                </m:r>
-                <m:d>
-                  <m:dPr>
-                    <m:ctrlPr>
-                      <a:rPr i="1">
-                        <a:latin typeface="Cambria Math" panose="02040503050406030204" pitchFamily="18" charset="0"/>
-                      </a:rPr>
-                    </m:ctrlPr>
-                  </m:dPr>
-                  <m:e>
-                    <m:r>
-                      <a:rPr>
-                        <a:latin typeface="Cambria Math" panose="02040503050406030204" pitchFamily="18" charset="0"/>
-                      </a:rPr>
-                      <m:t>𝑋</m:t>
-                    </m:r>
-                    <m:r>
-                      <a:rPr>
-                        <a:latin typeface="Cambria Math" panose="02040503050406030204" pitchFamily="18" charset="0"/>
-                      </a:rPr>
-                      <m:t>∣</m:t>
-                    </m:r>
-                    <m:r>
-                      <a:rPr>
-                        <a:latin typeface="Cambria Math" panose="02040503050406030204" pitchFamily="18" charset="0"/>
-                      </a:rPr>
-                      <m:t>𝛽</m:t>
-                    </m:r>
-                  </m:e>
-                </m:d>
-              </m:oMath>
-            </a14:m>
-            <a:r>
-              <a:t> という回帰モデル</a:t>
-            </a:r>
-            <a14:m xmlns:a14="http://schemas.microsoft.com/office/drawing/2010/main">
-              <m:oMath xmlns:m="http://schemas.openxmlformats.org/officeDocument/2006/math">
-                <m:r>
-                  <a:rPr>
-                    <a:latin typeface="Cambria Math" panose="02040503050406030204" pitchFamily="18" charset="0"/>
-                  </a:rPr>
-                  <m:t>𝑓</m:t>
-                </m:r>
-                <m:d>
-                  <m:dPr>
-                    <m:ctrlPr>
-                      <a:rPr i="1">
-                        <a:latin typeface="Cambria Math" panose="02040503050406030204" pitchFamily="18" charset="0"/>
-                      </a:rPr>
-                    </m:ctrlPr>
-                  </m:dPr>
-                  <m:e>
-                    <m:r>
-                      <a:rPr>
-                        <a:latin typeface="Cambria Math" panose="02040503050406030204" pitchFamily="18" charset="0"/>
-                      </a:rPr>
-                      <m:t>𝑋</m:t>
-                    </m:r>
-                    <m:r>
-                      <a:rPr>
-                        <a:latin typeface="Cambria Math" panose="02040503050406030204" pitchFamily="18" charset="0"/>
-                      </a:rPr>
-                      <m:t>∣</m:t>
-                    </m:r>
-                    <m:r>
-                      <a:rPr>
-                        <a:latin typeface="Cambria Math" panose="02040503050406030204" pitchFamily="18" charset="0"/>
-                      </a:rPr>
-                      <m:t>𝛽</m:t>
-                    </m:r>
-                  </m:e>
-                </m:d>
-              </m:oMath>
-            </a14:m>
-            <a:r>
-              <a:t>を推定するという問題ということになる．</a:t>
-            </a:r>
-          </a:p>
-          <a:p>
-            <a:pPr lvl="0"/>
-            <a14:m xmlns:a14="http://schemas.microsoft.com/office/drawing/2010/main">
-              <m:oMath xmlns:m="http://schemas.openxmlformats.org/officeDocument/2006/math">
-                <m:r>
-                  <a:rPr>
-                    <a:latin typeface="Cambria Math" panose="02040503050406030204" pitchFamily="18" charset="0"/>
-                  </a:rPr>
-                  <m:t>𝑓</m:t>
-                </m:r>
-                <m:d>
-                  <m:dPr>
-                    <m:ctrlPr>
-                      <a:rPr i="1">
-                        <a:latin typeface="Cambria Math" panose="02040503050406030204" pitchFamily="18" charset="0"/>
-                      </a:rPr>
-                    </m:ctrlPr>
-                  </m:dPr>
-                  <m:e>
-                    <m:r>
-                      <a:rPr>
-                        <a:latin typeface="Cambria Math" panose="02040503050406030204" pitchFamily="18" charset="0"/>
-                      </a:rPr>
-                      <m:t>𝑋</m:t>
-                    </m:r>
-                    <m:r>
-                      <a:rPr>
-                        <a:latin typeface="Cambria Math" panose="02040503050406030204" pitchFamily="18" charset="0"/>
-                      </a:rPr>
-                      <m:t>∣</m:t>
-                    </m:r>
-                    <m:r>
-                      <a:rPr>
-                        <a:latin typeface="Cambria Math" panose="02040503050406030204" pitchFamily="18" charset="0"/>
-                      </a:rPr>
-                      <m:t>𝛽</m:t>
-                    </m:r>
-                  </m:e>
-                </m:d>
-              </m:oMath>
-            </a14:m>
-            <a:r>
-              <a:t>にどのような関数を仮定するか？</a:t>
-            </a:r>
-          </a:p>
-        </p:txBody>
-      </p:sp>
+                  <a:t> </a:t>
+                </a:r>
+              </a:p>
+            </p:txBody>
+          </p:sp>
+        </mc:Fallback>
+      </mc:AlternateContent>
       <p:sp>
         <p:nvSpPr>
           <p:cNvPr id="6" name="Slide Number Placeholder 5"/>
@@ -14161,7 +15417,7 @@
         </p:nvGraphicFramePr>
         <p:xfrm>
           <a:off x="3568700" y="203200"/>
-          <a:ext cx="5105400" cy="4381500"/>
+          <a:ext cx="5105400" cy="2674620"/>
         </p:xfrm>
         <a:graphic>
           <a:graphicData uri="http://schemas.openxmlformats.org/drawingml/2006/table">
@@ -14597,17 +15853,17 @@
             <p:spPr/>
             <p:txBody>
               <a:bodyPr>
-                <a:normAutofit fontScale="70000" lnSpcReduction="20000"/>
+                <a:noAutofit/>
               </a:bodyPr>
               <a:lstStyle/>
               <a:p>
                 <a:pPr lvl="0"/>
                 <a:r>
-                  <a:rPr dirty="0" err="1"/>
+                  <a:rPr sz="1400" dirty="0" err="1"/>
                   <a:t>推定されたモデル</a:t>
                 </a:r>
                 <a:r>
-                  <a:rPr dirty="0"/>
+                  <a:rPr sz="1400" dirty="0"/>
                   <a:t>：</a:t>
                 </a:r>
               </a:p>
@@ -14619,7 +15875,7 @@
                       <m:accPr>
                         <m:chr m:val="̂"/>
                         <m:ctrlPr>
-                          <a:rPr>
+                          <a:rPr sz="1400">
                             <a:latin typeface="Cambria Math" panose="02040503050406030204" pitchFamily="18" charset="0"/>
                           </a:rPr>
                         </m:ctrlPr>
@@ -14629,7 +15885,7 @@
                           <m:rPr>
                             <m:sty m:val="p"/>
                           </m:rPr>
-                          <a:rPr>
+                          <a:rPr sz="1400">
                             <a:latin typeface="Cambria Math" panose="02040503050406030204" pitchFamily="18" charset="0"/>
                           </a:rPr>
                           <m:t>Pr</m:t>
@@ -14639,26 +15895,26 @@
                     <m:d>
                       <m:dPr>
                         <m:ctrlPr>
-                          <a:rPr i="1">
+                          <a:rPr sz="1400" i="1">
                             <a:latin typeface="Cambria Math" panose="02040503050406030204" pitchFamily="18" charset="0"/>
                           </a:rPr>
                         </m:ctrlPr>
                       </m:dPr>
                       <m:e>
                         <m:r>
-                          <a:rPr>
+                          <a:rPr sz="1400">
                             <a:latin typeface="Cambria Math" panose="02040503050406030204" pitchFamily="18" charset="0"/>
                           </a:rPr>
                           <m:t>𝑌</m:t>
                         </m:r>
                         <m:r>
-                          <a:rPr>
+                          <a:rPr sz="1400">
                             <a:latin typeface="Cambria Math" panose="02040503050406030204" pitchFamily="18" charset="0"/>
                           </a:rPr>
                           <m:t>=1∣</m:t>
                         </m:r>
                         <m:r>
-                          <a:rPr>
+                          <a:rPr sz="1400">
                             <a:latin typeface="Cambria Math" panose="02040503050406030204" pitchFamily="18" charset="0"/>
                           </a:rPr>
                           <m:t>𝑋</m:t>
@@ -14666,116 +15922,116 @@
                       </m:e>
                     </m:d>
                     <m:r>
-                      <a:rPr>
+                      <a:rPr sz="1400">
                         <a:latin typeface="Cambria Math" panose="02040503050406030204" pitchFamily="18" charset="0"/>
                       </a:rPr>
                       <m:t>=0.481−0.003×</m:t>
                     </m:r>
                     <m:r>
-                      <a:rPr>
+                      <a:rPr sz="1400">
                         <a:latin typeface="Cambria Math" panose="02040503050406030204" pitchFamily="18" charset="0"/>
                       </a:rPr>
                       <m:t>𝑡𝑒𝑛𝑢𝑟𝑒</m:t>
                     </m:r>
                     <m:r>
-                      <a:rPr>
+                      <a:rPr sz="1400">
                         <a:latin typeface="Cambria Math" panose="02040503050406030204" pitchFamily="18" charset="0"/>
                       </a:rPr>
                       <m:t>+0.007×</m:t>
                     </m:r>
                     <m:r>
-                      <a:rPr>
+                      <a:rPr sz="1400">
                         <a:latin typeface="Cambria Math" panose="02040503050406030204" pitchFamily="18" charset="0"/>
                       </a:rPr>
                       <m:t>𝑐𝑜𝑚𝑚𝑢𝑡𝑒</m:t>
                     </m:r>
                     <m:r>
-                      <a:rPr>
+                      <a:rPr sz="1400">
                         <a:latin typeface="Cambria Math" panose="02040503050406030204" pitchFamily="18" charset="0"/>
                       </a:rPr>
                       <m:t>_</m:t>
                     </m:r>
                     <m:r>
-                      <a:rPr>
+                      <a:rPr sz="1400">
                         <a:latin typeface="Cambria Math" panose="02040503050406030204" pitchFamily="18" charset="0"/>
                       </a:rPr>
                       <m:t>𝑡𝑖𝑚𝑒</m:t>
                     </m:r>
                   </m:oMath>
                 </a14:m>
-                <a:endParaRPr dirty="0"/>
+                <a:endParaRPr sz="1400" dirty="0"/>
               </a:p>
               <a:p>
                 <a:pPr lvl="0"/>
                 <a:r>
-                  <a:rPr dirty="0"/>
+                  <a:rPr sz="1400" dirty="0"/>
                   <a:t>左辺は確率なので，係数の値は説明変数が1単位上昇したときの確率の増加分として解釈できる（セテリスパリブス）．</a:t>
                 </a:r>
               </a:p>
               <a:p>
                 <a:pPr lvl="0"/>
                 <a:r>
-                  <a:rPr dirty="0"/>
+                  <a:rPr sz="1400" dirty="0"/>
                   <a:t>勤続年数が10年増えると，離職確率が0.03減少する．</a:t>
                 </a:r>
               </a:p>
               <a:p>
                 <a:pPr lvl="1"/>
                 <a:r>
-                  <a:rPr dirty="0"/>
+                  <a:rPr sz="1400" dirty="0"/>
                   <a:t>「離職確率が0.03減少する」=「離職確率が3%ポイント減少する．」</a:t>
                 </a:r>
               </a:p>
               <a:p>
                 <a:pPr lvl="1"/>
                 <a:r>
-                  <a:rPr dirty="0"/>
+                  <a:rPr sz="1400" dirty="0"/>
                   <a:t>「離職確率が3%減少する」は間違い．</a:t>
                 </a:r>
               </a:p>
               <a:p>
                 <a:pPr lvl="0"/>
                 <a:r>
-                  <a:rPr dirty="0" err="1"/>
+                  <a:rPr sz="1400" dirty="0" err="1"/>
                   <a:t>ある説明変数の効果の大きさを示すときに，従属変数の平均値と比べて，そこから何%増えたかを計算することがある</a:t>
                 </a:r>
                 <a:r>
-                  <a:rPr dirty="0"/>
+                  <a:rPr sz="1400" dirty="0"/>
                   <a:t>．</a:t>
                 </a:r>
               </a:p>
               <a:p>
                 <a:pPr lvl="1"/>
                 <a:r>
-                  <a:rPr dirty="0">
+                  <a:rPr sz="1400" dirty="0">
                     <a:latin typeface="Courier"/>
                   </a:rPr>
                   <a:t>mean(</a:t>
                 </a:r>
                 <a:r>
-                  <a:rPr dirty="0" err="1">
+                  <a:rPr sz="1400" dirty="0" err="1">
                     <a:latin typeface="Courier"/>
                   </a:rPr>
                   <a:t>mydata$turnover</a:t>
                 </a:r>
                 <a:r>
-                  <a:rPr dirty="0">
+                  <a:rPr sz="1400" dirty="0">
                     <a:latin typeface="Courier"/>
                   </a:rPr>
                   <a:t>)</a:t>
                 </a:r>
                 <a:r>
-                  <a:rPr dirty="0"/>
+                  <a:rPr sz="1400" dirty="0"/>
                   <a:t>は</a:t>
                 </a:r>
                 <a:r>
-                  <a:rPr dirty="0">
+                  <a:rPr sz="1400" dirty="0">
                     <a:latin typeface="Courier"/>
                   </a:rPr>
                   <a:t>0.6296</a:t>
                 </a:r>
                 <a:r>
-                  <a:rPr dirty="0"/>
+                  <a:rPr sz="1400" dirty="0"/>
                   <a:t>なので，</a:t>
                 </a:r>
                 <a14:m>
@@ -14783,14 +16039,14 @@
                     <m:f>
                       <m:fPr>
                         <m:ctrlPr>
-                          <a:rPr>
+                          <a:rPr sz="1400">
                             <a:latin typeface="Cambria Math" panose="02040503050406030204" pitchFamily="18" charset="0"/>
                           </a:rPr>
                         </m:ctrlPr>
                       </m:fPr>
                       <m:num>
                         <m:r>
-                          <a:rPr>
+                          <a:rPr sz="1400">
                             <a:latin typeface="Cambria Math" panose="02040503050406030204" pitchFamily="18" charset="0"/>
                           </a:rPr>
                           <m:t>0.5996−0.6296</m:t>
@@ -14798,7 +16054,7 @@
                       </m:num>
                       <m:den>
                         <m:r>
-                          <a:rPr>
+                          <a:rPr sz="1400">
                             <a:latin typeface="Cambria Math" panose="02040503050406030204" pitchFamily="18" charset="0"/>
                           </a:rPr>
                           <m:t>0.6296</m:t>
@@ -14806,7 +16062,7 @@
                       </m:den>
                     </m:f>
                     <m:r>
-                      <a:rPr>
+                      <a:rPr sz="1400">
                         <a:latin typeface="Cambria Math" panose="02040503050406030204" pitchFamily="18" charset="0"/>
                       </a:rPr>
                       <m:t>=−0.047</m:t>
@@ -14814,18 +16070,18 @@
                   </m:oMath>
                 </a14:m>
                 <a:r>
-                  <a:rPr dirty="0"/>
+                  <a:rPr sz="1400" dirty="0"/>
                   <a:t>，約5%の減少．</a:t>
                 </a:r>
               </a:p>
               <a:p>
                 <a:pPr lvl="0"/>
                 <a:r>
-                  <a:rPr dirty="0" err="1"/>
+                  <a:rPr sz="1400" dirty="0" err="1"/>
                   <a:t>今回のサンプルデータは違うが，事象がそもそも稀だと係数が小さくても，かなり大きな効果であることがある</a:t>
                 </a:r>
                 <a:r>
-                  <a:rPr dirty="0"/>
+                  <a:rPr sz="1400" dirty="0"/>
                   <a:t>．</a:t>
                 </a:r>
               </a:p>
@@ -14847,7 +16103,7 @@
               <a:blipFill>
                 <a:blip r:embed="rId2"/>
                 <a:stretch>
-                  <a:fillRect l="-463" t="-2985"/>
+                  <a:fillRect l="-154" t="-746"/>
                 </a:stretch>
               </a:blipFill>
             </p:spPr>
@@ -15223,4 +16479,299 @@
   </a:objectDefaults>
   <a:extraClrSchemeLst/>
 </a:theme>
+</file>
+
+<file path=ppt/theme/theme2.xml><?xml version="1.0" encoding="utf-8"?>
+<a:theme xmlns:a="http://schemas.openxmlformats.org/drawingml/2006/main" name="Office Theme">
+  <a:themeElements>
+    <a:clrScheme name="Office">
+      <a:dk1>
+        <a:sysClr val="windowText" lastClr="000000"/>
+      </a:dk1>
+      <a:lt1>
+        <a:sysClr val="window" lastClr="FFFFFF"/>
+      </a:lt1>
+      <a:dk2>
+        <a:srgbClr val="44546A"/>
+      </a:dk2>
+      <a:lt2>
+        <a:srgbClr val="E7E6E6"/>
+      </a:lt2>
+      <a:accent1>
+        <a:srgbClr val="4472C4"/>
+      </a:accent1>
+      <a:accent2>
+        <a:srgbClr val="ED7D31"/>
+      </a:accent2>
+      <a:accent3>
+        <a:srgbClr val="A5A5A5"/>
+      </a:accent3>
+      <a:accent4>
+        <a:srgbClr val="FFC000"/>
+      </a:accent4>
+      <a:accent5>
+        <a:srgbClr val="5B9BD5"/>
+      </a:accent5>
+      <a:accent6>
+        <a:srgbClr val="70AD47"/>
+      </a:accent6>
+      <a:hlink>
+        <a:srgbClr val="0563C1"/>
+      </a:hlink>
+      <a:folHlink>
+        <a:srgbClr val="954F72"/>
+      </a:folHlink>
+    </a:clrScheme>
+    <a:fontScheme name="Office">
+      <a:majorFont>
+        <a:latin typeface="Calibri Light" panose="020F0302020204030204"/>
+        <a:ea typeface=""/>
+        <a:cs typeface=""/>
+        <a:font script="Jpan" typeface="游ゴシック Light"/>
+        <a:font script="Hang" typeface="맑은 고딕"/>
+        <a:font script="Hans" typeface="等线 Light"/>
+        <a:font script="Hant" typeface="新細明體"/>
+        <a:font script="Arab" typeface="Times New Roman"/>
+        <a:font script="Hebr" typeface="Times New Roman"/>
+        <a:font script="Thai" typeface="Angsana New"/>
+        <a:font script="Ethi" typeface="Nyala"/>
+        <a:font script="Beng" typeface="Vrinda"/>
+        <a:font script="Gujr" typeface="Shruti"/>
+        <a:font script="Khmr" typeface="MoolBoran"/>
+        <a:font script="Knda" typeface="Tunga"/>
+        <a:font script="Guru" typeface="Raavi"/>
+        <a:font script="Cans" typeface="Euphemia"/>
+        <a:font script="Cher" typeface="Plantagenet Cherokee"/>
+        <a:font script="Yiii" typeface="Microsoft Yi Baiti"/>
+        <a:font script="Tibt" typeface="Microsoft Himalaya"/>
+        <a:font script="Thaa" typeface="MV Boli"/>
+        <a:font script="Deva" typeface="Mangal"/>
+        <a:font script="Telu" typeface="Gautami"/>
+        <a:font script="Taml" typeface="Latha"/>
+        <a:font script="Syrc" typeface="Estrangelo Edessa"/>
+        <a:font script="Orya" typeface="Kalinga"/>
+        <a:font script="Mlym" typeface="Kartika"/>
+        <a:font script="Laoo" typeface="DokChampa"/>
+        <a:font script="Sinh" typeface="Iskoola Pota"/>
+        <a:font script="Mong" typeface="Mongolian Baiti"/>
+        <a:font script="Viet" typeface="Times New Roman"/>
+        <a:font script="Uigh" typeface="Microsoft Uighur"/>
+        <a:font script="Geor" typeface="Sylfaen"/>
+        <a:font script="Armn" typeface="Arial"/>
+        <a:font script="Bugi" typeface="Leelawadee UI"/>
+        <a:font script="Bopo" typeface="Microsoft JhengHei"/>
+        <a:font script="Java" typeface="Javanese Text"/>
+        <a:font script="Lisu" typeface="Segoe UI"/>
+        <a:font script="Mymr" typeface="Myanmar Text"/>
+        <a:font script="Nkoo" typeface="Ebrima"/>
+        <a:font script="Olck" typeface="Nirmala UI"/>
+        <a:font script="Osma" typeface="Ebrima"/>
+        <a:font script="Phag" typeface="Phagspa"/>
+        <a:font script="Syrn" typeface="Estrangelo Edessa"/>
+        <a:font script="Syrj" typeface="Estrangelo Edessa"/>
+        <a:font script="Syre" typeface="Estrangelo Edessa"/>
+        <a:font script="Sora" typeface="Nirmala UI"/>
+        <a:font script="Tale" typeface="Microsoft Tai Le"/>
+        <a:font script="Talu" typeface="Microsoft New Tai Lue"/>
+        <a:font script="Tfng" typeface="Ebrima"/>
+      </a:majorFont>
+      <a:minorFont>
+        <a:latin typeface="Calibri" panose="020F0502020204030204"/>
+        <a:ea typeface=""/>
+        <a:cs typeface=""/>
+        <a:font script="Jpan" typeface="游ゴシック"/>
+        <a:font script="Hang" typeface="맑은 고딕"/>
+        <a:font script="Hans" typeface="等线"/>
+        <a:font script="Hant" typeface="新細明體"/>
+        <a:font script="Arab" typeface="Arial"/>
+        <a:font script="Hebr" typeface="Arial"/>
+        <a:font script="Thai" typeface="Cordia New"/>
+        <a:font script="Ethi" typeface="Nyala"/>
+        <a:font script="Beng" typeface="Vrinda"/>
+        <a:font script="Gujr" typeface="Shruti"/>
+        <a:font script="Khmr" typeface="DaunPenh"/>
+        <a:font script="Knda" typeface="Tunga"/>
+        <a:font script="Guru" typeface="Raavi"/>
+        <a:font script="Cans" typeface="Euphemia"/>
+        <a:font script="Cher" typeface="Plantagenet Cherokee"/>
+        <a:font script="Yiii" typeface="Microsoft Yi Baiti"/>
+        <a:font script="Tibt" typeface="Microsoft Himalaya"/>
+        <a:font script="Thaa" typeface="MV Boli"/>
+        <a:font script="Deva" typeface="Mangal"/>
+        <a:font script="Telu" typeface="Gautami"/>
+        <a:font script="Taml" typeface="Latha"/>
+        <a:font script="Syrc" typeface="Estrangelo Edessa"/>
+        <a:font script="Orya" typeface="Kalinga"/>
+        <a:font script="Mlym" typeface="Kartika"/>
+        <a:font script="Laoo" typeface="DokChampa"/>
+        <a:font script="Sinh" typeface="Iskoola Pota"/>
+        <a:font script="Mong" typeface="Mongolian Baiti"/>
+        <a:font script="Viet" typeface="Arial"/>
+        <a:font script="Uigh" typeface="Microsoft Uighur"/>
+        <a:font script="Geor" typeface="Sylfaen"/>
+        <a:font script="Armn" typeface="Arial"/>
+        <a:font script="Bugi" typeface="Leelawadee UI"/>
+        <a:font script="Bopo" typeface="Microsoft JhengHei"/>
+        <a:font script="Java" typeface="Javanese Text"/>
+        <a:font script="Lisu" typeface="Segoe UI"/>
+        <a:font script="Mymr" typeface="Myanmar Text"/>
+        <a:font script="Nkoo" typeface="Ebrima"/>
+        <a:font script="Olck" typeface="Nirmala UI"/>
+        <a:font script="Osma" typeface="Ebrima"/>
+        <a:font script="Phag" typeface="Phagspa"/>
+        <a:font script="Syrn" typeface="Estrangelo Edessa"/>
+        <a:font script="Syrj" typeface="Estrangelo Edessa"/>
+        <a:font script="Syre" typeface="Estrangelo Edessa"/>
+        <a:font script="Sora" typeface="Nirmala UI"/>
+        <a:font script="Tale" typeface="Microsoft Tai Le"/>
+        <a:font script="Talu" typeface="Microsoft New Tai Lue"/>
+        <a:font script="Tfng" typeface="Ebrima"/>
+      </a:minorFont>
+    </a:fontScheme>
+    <a:fmtScheme name="Office">
+      <a:fillStyleLst>
+        <a:solidFill>
+          <a:schemeClr val="phClr"/>
+        </a:solidFill>
+        <a:gradFill rotWithShape="1">
+          <a:gsLst>
+            <a:gs pos="0">
+              <a:schemeClr val="phClr">
+                <a:lumMod val="110000"/>
+                <a:satMod val="105000"/>
+                <a:tint val="67000"/>
+              </a:schemeClr>
+            </a:gs>
+            <a:gs pos="50000">
+              <a:schemeClr val="phClr">
+                <a:lumMod val="105000"/>
+                <a:satMod val="103000"/>
+                <a:tint val="73000"/>
+              </a:schemeClr>
+            </a:gs>
+            <a:gs pos="100000">
+              <a:schemeClr val="phClr">
+                <a:lumMod val="105000"/>
+                <a:satMod val="109000"/>
+                <a:tint val="81000"/>
+              </a:schemeClr>
+            </a:gs>
+          </a:gsLst>
+          <a:lin ang="5400000" scaled="0"/>
+        </a:gradFill>
+        <a:gradFill rotWithShape="1">
+          <a:gsLst>
+            <a:gs pos="0">
+              <a:schemeClr val="phClr">
+                <a:satMod val="103000"/>
+                <a:lumMod val="102000"/>
+                <a:tint val="94000"/>
+              </a:schemeClr>
+            </a:gs>
+            <a:gs pos="50000">
+              <a:schemeClr val="phClr">
+                <a:satMod val="110000"/>
+                <a:lumMod val="100000"/>
+                <a:shade val="100000"/>
+              </a:schemeClr>
+            </a:gs>
+            <a:gs pos="100000">
+              <a:schemeClr val="phClr">
+                <a:lumMod val="99000"/>
+                <a:satMod val="120000"/>
+                <a:shade val="78000"/>
+              </a:schemeClr>
+            </a:gs>
+          </a:gsLst>
+          <a:lin ang="5400000" scaled="0"/>
+        </a:gradFill>
+      </a:fillStyleLst>
+      <a:lnStyleLst>
+        <a:ln w="6350" cap="flat" cmpd="sng" algn="ctr">
+          <a:solidFill>
+            <a:schemeClr val="phClr"/>
+          </a:solidFill>
+          <a:prstDash val="solid"/>
+          <a:miter lim="800000"/>
+        </a:ln>
+        <a:ln w="12700" cap="flat" cmpd="sng" algn="ctr">
+          <a:solidFill>
+            <a:schemeClr val="phClr"/>
+          </a:solidFill>
+          <a:prstDash val="solid"/>
+          <a:miter lim="800000"/>
+        </a:ln>
+        <a:ln w="19050" cap="flat" cmpd="sng" algn="ctr">
+          <a:solidFill>
+            <a:schemeClr val="phClr"/>
+          </a:solidFill>
+          <a:prstDash val="solid"/>
+          <a:miter lim="800000"/>
+        </a:ln>
+      </a:lnStyleLst>
+      <a:effectStyleLst>
+        <a:effectStyle>
+          <a:effectLst/>
+        </a:effectStyle>
+        <a:effectStyle>
+          <a:effectLst/>
+        </a:effectStyle>
+        <a:effectStyle>
+          <a:effectLst>
+            <a:outerShdw blurRad="57150" dist="19050" dir="5400000" algn="ctr" rotWithShape="0">
+              <a:srgbClr val="000000">
+                <a:alpha val="63000"/>
+              </a:srgbClr>
+            </a:outerShdw>
+          </a:effectLst>
+        </a:effectStyle>
+      </a:effectStyleLst>
+      <a:bgFillStyleLst>
+        <a:solidFill>
+          <a:schemeClr val="phClr"/>
+        </a:solidFill>
+        <a:solidFill>
+          <a:schemeClr val="phClr">
+            <a:tint val="95000"/>
+            <a:satMod val="170000"/>
+          </a:schemeClr>
+        </a:solidFill>
+        <a:gradFill rotWithShape="1">
+          <a:gsLst>
+            <a:gs pos="0">
+              <a:schemeClr val="phClr">
+                <a:tint val="93000"/>
+                <a:satMod val="150000"/>
+                <a:shade val="98000"/>
+                <a:lumMod val="102000"/>
+              </a:schemeClr>
+            </a:gs>
+            <a:gs pos="50000">
+              <a:schemeClr val="phClr">
+                <a:tint val="98000"/>
+                <a:satMod val="130000"/>
+                <a:shade val="90000"/>
+                <a:lumMod val="103000"/>
+              </a:schemeClr>
+            </a:gs>
+            <a:gs pos="100000">
+              <a:schemeClr val="phClr">
+                <a:shade val="63000"/>
+                <a:satMod val="120000"/>
+              </a:schemeClr>
+            </a:gs>
+          </a:gsLst>
+          <a:lin ang="5400000" scaled="0"/>
+        </a:gradFill>
+      </a:bgFillStyleLst>
+    </a:fmtScheme>
+  </a:themeElements>
+  <a:objectDefaults/>
+  <a:extraClrSchemeLst/>
+  <a:extLst>
+    <a:ext uri="{05A4C25C-085E-4340-85A3-A5531E510DB2}">
+      <thm15:themeFamily xmlns:thm15="http://schemas.microsoft.com/office/thememl/2012/main" name="Office Theme" id="{62F939B6-93AF-4DB8-9C6B-D6C7DFDC589F}" vid="{4A3C46E8-61CC-4603-A589-7422A47A8E4A}"/>
+    </a:ext>
+  </a:extLst>
+</a:theme>
 </file>